--- a/ProjectPresentation .pptx
+++ b/ProjectPresentation .pptx
@@ -2,19 +2,19 @@
 <file path=ppt/presentation.xml><?xml version="1.0" encoding="utf-8"?>
 <p:presentation xmlns:a="http://schemas.openxmlformats.org/drawingml/2006/main" xmlns:r="http://schemas.openxmlformats.org/officeDocument/2006/relationships" xmlns:p="http://schemas.openxmlformats.org/presentationml/2006/main">
   <p:sldMasterIdLst>
-    <p:sldMasterId id="2147483648" r:id="rId5"/>
+    <p:sldMasterId id="2147483648" r:id="rId1"/>
   </p:sldMasterIdLst>
   <p:notesMasterIdLst>
-    <p:notesMasterId r:id="rId7"/>
+    <p:notesMasterId r:id="rId9"/>
   </p:notesMasterIdLst>
   <p:sldIdLst>
-    <p:sldId id="256" r:id="rId8"/>
-    <p:sldId id="257" r:id="rId9"/>
-    <p:sldId id="258" r:id="rId10"/>
-    <p:sldId id="259" r:id="rId11"/>
-    <p:sldId id="260" r:id="rId12"/>
-    <p:sldId id="261" r:id="rId13"/>
-    <p:sldId id="262" r:id="rId14"/>
+    <p:sldId id="256" r:id="rId2"/>
+    <p:sldId id="257" r:id="rId3"/>
+    <p:sldId id="258" r:id="rId4"/>
+    <p:sldId id="259" r:id="rId5"/>
+    <p:sldId id="260" r:id="rId6"/>
+    <p:sldId id="261" r:id="rId7"/>
+    <p:sldId id="262" r:id="rId8"/>
   </p:sldIdLst>
   <p:sldSz cx="12192000" cy="6858000"/>
   <p:notesSz cx="6858000" cy="9144000"/>
@@ -34,7 +34,7 @@
       <a:buFontTx/>
       <a:buNone/>
       <a:tabLst/>
-      <a:defRPr b="0" baseline="0" cap="none" i="0" spc="0" strike="noStrike" sz="1800" u="none" kumimoji="0" normalizeH="0">
+      <a:defRPr kumimoji="0" sz="1800" b="0" i="0" u="none" strike="noStrike" cap="none" spc="0" normalizeH="0" baseline="0">
         <a:ln>
           <a:noFill/>
         </a:ln>
@@ -60,7 +60,7 @@
       <a:buFontTx/>
       <a:buNone/>
       <a:tabLst/>
-      <a:defRPr b="0" baseline="0" cap="none" i="0" spc="0" strike="noStrike" sz="1800" u="none" kumimoji="0" normalizeH="0">
+      <a:defRPr kumimoji="0" sz="1800" b="0" i="0" u="none" strike="noStrike" cap="none" spc="0" normalizeH="0" baseline="0">
         <a:ln>
           <a:noFill/>
         </a:ln>
@@ -90,7 +90,7 @@
       <a:buFontTx/>
       <a:buNone/>
       <a:tabLst/>
-      <a:defRPr b="0" baseline="0" cap="none" i="0" spc="0" strike="noStrike" sz="1800" u="none" kumimoji="0" normalizeH="0">
+      <a:defRPr kumimoji="0" sz="1800" b="0" i="0" u="none" strike="noStrike" cap="none" spc="0" normalizeH="0" baseline="0">
         <a:ln>
           <a:noFill/>
         </a:ln>
@@ -120,7 +120,7 @@
       <a:buFontTx/>
       <a:buNone/>
       <a:tabLst/>
-      <a:defRPr b="0" baseline="0" cap="none" i="0" spc="0" strike="noStrike" sz="1800" u="none" kumimoji="0" normalizeH="0">
+      <a:defRPr kumimoji="0" sz="1800" b="0" i="0" u="none" strike="noStrike" cap="none" spc="0" normalizeH="0" baseline="0">
         <a:ln>
           <a:noFill/>
         </a:ln>
@@ -150,7 +150,7 @@
       <a:buFontTx/>
       <a:buNone/>
       <a:tabLst/>
-      <a:defRPr b="0" baseline="0" cap="none" i="0" spc="0" strike="noStrike" sz="1800" u="none" kumimoji="0" normalizeH="0">
+      <a:defRPr kumimoji="0" sz="1800" b="0" i="0" u="none" strike="noStrike" cap="none" spc="0" normalizeH="0" baseline="0">
         <a:ln>
           <a:noFill/>
         </a:ln>
@@ -180,7 +180,7 @@
       <a:buFontTx/>
       <a:buNone/>
       <a:tabLst/>
-      <a:defRPr b="0" baseline="0" cap="none" i="0" spc="0" strike="noStrike" sz="1800" u="none" kumimoji="0" normalizeH="0">
+      <a:defRPr kumimoji="0" sz="1800" b="0" i="0" u="none" strike="noStrike" cap="none" spc="0" normalizeH="0" baseline="0">
         <a:ln>
           <a:noFill/>
         </a:ln>
@@ -210,7 +210,7 @@
       <a:buFontTx/>
       <a:buNone/>
       <a:tabLst/>
-      <a:defRPr b="0" baseline="0" cap="none" i="0" spc="0" strike="noStrike" sz="1800" u="none" kumimoji="0" normalizeH="0">
+      <a:defRPr kumimoji="0" sz="1800" b="0" i="0" u="none" strike="noStrike" cap="none" spc="0" normalizeH="0" baseline="0">
         <a:ln>
           <a:noFill/>
         </a:ln>
@@ -240,7 +240,7 @@
       <a:buFontTx/>
       <a:buNone/>
       <a:tabLst/>
-      <a:defRPr b="0" baseline="0" cap="none" i="0" spc="0" strike="noStrike" sz="1800" u="none" kumimoji="0" normalizeH="0">
+      <a:defRPr kumimoji="0" sz="1800" b="0" i="0" u="none" strike="noStrike" cap="none" spc="0" normalizeH="0" baseline="0">
         <a:ln>
           <a:noFill/>
         </a:ln>
@@ -270,7 +270,7 @@
       <a:buFontTx/>
       <a:buNone/>
       <a:tabLst/>
-      <a:defRPr b="0" baseline="0" cap="none" i="0" spc="0" strike="noStrike" sz="1800" u="none" kumimoji="0" normalizeH="0">
+      <a:defRPr kumimoji="0" sz="1800" b="0" i="0" u="none" strike="noStrike" cap="none" spc="0" normalizeH="0" baseline="0">
         <a:ln>
           <a:noFill/>
         </a:ln>
@@ -300,7 +300,7 @@
       <a:buFontTx/>
       <a:buNone/>
       <a:tabLst/>
-      <a:defRPr b="0" baseline="0" cap="none" i="0" spc="0" strike="noStrike" sz="1800" u="none" kumimoji="0" normalizeH="0">
+      <a:defRPr kumimoji="0" sz="1800" b="0" i="0" u="none" strike="noStrike" cap="none" spc="0" normalizeH="0" baseline="0">
         <a:ln>
           <a:noFill/>
         </a:ln>
@@ -316,16 +316,26 @@
       </a:defRPr>
     </a:lvl9pPr>
   </p:defaultTextStyle>
+  <p:extLst>
+    <p:ext uri="{EFAFB233-063F-42B5-8137-9DF3F51BA10A}">
+      <p15:sldGuideLst xmlns:p15="http://schemas.microsoft.com/office/powerpoint/2012/main"/>
+    </p:ext>
+  </p:extLst>
 </p:presentation>
 </file>
 
-<file path=ppt/commentAuthors.xml><?xml version="1.0" encoding="utf-8"?>
-<p:cmAuthorLst xmlns:a="http://schemas.openxmlformats.org/drawingml/2006/main" xmlns:r="http://schemas.openxmlformats.org/officeDocument/2006/relationships" xmlns:p="http://schemas.openxmlformats.org/presentationml/2006/main"/>
+<file path=ppt/revisionInfo.xml><?xml version="1.0" encoding="utf-8"?>
+<p1510:revInfo xmlns:a="http://schemas.openxmlformats.org/drawingml/2006/main" xmlns:r="http://schemas.openxmlformats.org/officeDocument/2006/relationships" xmlns:p1510="http://schemas.microsoft.com/office/powerpoint/2015/10/main"/>
 </file>
 
 <file path=ppt/notesMasters/notesMaster1.xml><?xml version="1.0" encoding="utf-8"?>
 <p:notesMaster xmlns:a="http://schemas.openxmlformats.org/drawingml/2006/main" xmlns:r="http://schemas.openxmlformats.org/officeDocument/2006/relationships" xmlns:p="http://schemas.openxmlformats.org/presentationml/2006/main">
   <p:cSld>
+    <p:bg>
+      <p:bgRef idx="1001">
+        <a:schemeClr val="bg1"/>
+      </p:bgRef>
+    </p:bg>
     <p:spTree>
       <p:nvGrpSpPr>
         <p:cNvPr id="1" name=""/>
@@ -343,7 +353,9 @@
       <p:sp>
         <p:nvSpPr>
           <p:cNvPr id="389" name="Shape 389"/>
-          <p:cNvSpPr/>
+          <p:cNvSpPr>
+            <a:spLocks noGrp="1" noRot="1" noChangeAspect="1"/>
+          </p:cNvSpPr>
           <p:nvPr>
             <p:ph type="sldImg"/>
           </p:nvPr>
@@ -361,14 +373,16 @@
           <a:bodyPr/>
           <a:lstStyle/>
           <a:p>
-            <a:pPr/>
+            <a:endParaRPr/>
           </a:p>
         </p:txBody>
       </p:sp>
       <p:sp>
         <p:nvSpPr>
           <p:cNvPr id="390" name="Shape 390"/>
-          <p:cNvSpPr/>
+          <p:cNvSpPr>
+            <a:spLocks noGrp="1"/>
+          </p:cNvSpPr>
           <p:nvPr>
             <p:ph type="body" sz="quarter" idx="1"/>
           </p:nvPr>
@@ -386,7 +400,7 @@
           <a:bodyPr/>
           <a:lstStyle/>
           <a:p>
-            <a:pPr/>
+            <a:endParaRPr/>
           </a:p>
         </p:txBody>
       </p:sp>
@@ -471,7 +485,7 @@
 </file>
 
 <file path=ppt/slideLayouts/slideLayout1.xml><?xml version="1.0" encoding="utf-8"?>
-<p:sldLayout xmlns:a="http://schemas.openxmlformats.org/drawingml/2006/main" xmlns:r="http://schemas.openxmlformats.org/officeDocument/2006/relationships" xmlns:p="http://schemas.openxmlformats.org/presentationml/2006/main" type="title" showMasterSp="0" showMasterPhAnim="1">
+<p:sldLayout xmlns:a="http://schemas.openxmlformats.org/drawingml/2006/main" xmlns:r="http://schemas.openxmlformats.org/officeDocument/2006/relationships" xmlns:p="http://schemas.openxmlformats.org/presentationml/2006/main" showMasterSp="0" type="title">
   <p:cSld name="Rubrikbild">
     <p:spTree>
       <p:nvGrpSpPr>
@@ -517,7 +531,7 @@
             </a:prstGeom>
             <a:blipFill rotWithShape="1">
               <a:blip r:embed="rId2"/>
-              <a:srcRect l="0" t="0" r="0" b="0"/>
+              <a:srcRect/>
               <a:stretch>
                 <a:fillRect/>
               </a:stretch>
@@ -534,7 +548,7 @@
             </a:bodyPr>
             <a:lstStyle/>
             <a:p>
-              <a:pPr/>
+              <a:endParaRPr/>
             </a:p>
           </p:txBody>
         </p:sp>
@@ -569,7 +583,7 @@
               </a:cxnLst>
               <a:rect l="0" t="0" r="r" b="b"/>
               <a:pathLst>
-                <a:path w="21600" h="21600" fill="norm" stroke="1" extrusionOk="0">
+                <a:path w="21600" h="21600" extrusionOk="0">
                   <a:moveTo>
                     <a:pt x="0" y="0"/>
                   </a:moveTo>
@@ -620,7 +634,7 @@
             </a:bodyPr>
             <a:lstStyle/>
             <a:p>
-              <a:pPr/>
+              <a:endParaRPr/>
             </a:p>
           </p:txBody>
         </p:sp>
@@ -628,7 +642,9 @@
       <p:sp>
         <p:nvSpPr>
           <p:cNvPr id="15" name="Shape 15"/>
-          <p:cNvSpPr/>
+          <p:cNvSpPr>
+            <a:spLocks noGrp="1"/>
+          </p:cNvSpPr>
           <p:nvPr>
             <p:ph type="title"/>
           </p:nvPr>
@@ -644,7 +660,7 @@
         </p:spPr>
         <p:txBody>
           <a:bodyPr anchor="b">
-            <a:normAutofit fontScale="100000" lnSpcReduction="0"/>
+            <a:normAutofit/>
           </a:bodyPr>
           <a:lstStyle>
             <a:lvl1pPr>
@@ -652,7 +668,6 @@
             </a:lvl1pPr>
           </a:lstStyle>
           <a:p>
-            <a:pPr/>
             <a:r>
               <a:t>Titeltext</a:t>
             </a:r>
@@ -662,7 +677,9 @@
       <p:sp>
         <p:nvSpPr>
           <p:cNvPr id="16" name="Shape 16"/>
-          <p:cNvSpPr/>
+          <p:cNvSpPr>
+            <a:spLocks noGrp="1"/>
+          </p:cNvSpPr>
           <p:nvPr>
             <p:ph type="body" sz="quarter" idx="1"/>
           </p:nvPr>
@@ -736,7 +753,6 @@
             </a:lvl5pPr>
           </a:lstStyle>
           <a:p>
-            <a:pPr/>
             <a:r>
               <a:t>Brödtext nivå ett</a:t>
             </a:r>
@@ -788,7 +804,7 @@
             <a:miter lim="400000"/>
           </a:ln>
           <a:effectLst>
-            <a:outerShdw sx="100000" sy="100000" kx="0" ky="0" algn="b" rotWithShape="0" blurRad="38100" dist="25400" dir="5400000">
+            <a:outerShdw blurRad="38100" dist="25400" dir="5400000" rotWithShape="0">
               <a:srgbClr val="000000">
                 <a:alpha val="45000"/>
               </a:srgbClr>
@@ -799,14 +815,16 @@
           <a:bodyPr lIns="45719" rIns="45719"/>
           <a:lstStyle/>
           <a:p>
-            <a:pPr/>
+            <a:endParaRPr/>
           </a:p>
         </p:txBody>
       </p:sp>
       <p:sp>
         <p:nvSpPr>
           <p:cNvPr id="18" name="Shape 18"/>
-          <p:cNvSpPr/>
+          <p:cNvSpPr>
+            <a:spLocks noGrp="1"/>
+          </p:cNvSpPr>
           <p:nvPr>
             <p:ph type="sldNum" sz="quarter" idx="2"/>
           </p:nvPr>
@@ -820,8 +838,10 @@
           <a:bodyPr/>
           <a:lstStyle/>
           <a:p>
-            <a:pPr/>
-            <a:fld id="{86CB4B4D-7CA3-9044-876B-883B54F8677D}" type="slidenum"/>
+            <a:fld id="{86CB4B4D-7CA3-9044-876B-883B54F8677D}" type="slidenum">
+              <a:t>‹#›</a:t>
+            </a:fld>
+            <a:endParaRPr/>
           </a:p>
         </p:txBody>
       </p:sp>
@@ -830,12 +850,12 @@
   <p:clrMapOvr>
     <a:masterClrMapping/>
   </p:clrMapOvr>
-  <p:transition xmlns:p14="http://schemas.microsoft.com/office/powerpoint/2010/main" spd="med" advClick="1"/>
+  <p:transition spd="med"/>
 </p:sldLayout>
 </file>
 
 <file path=ppt/slideLayouts/slideLayout10.xml><?xml version="1.0" encoding="utf-8"?>
-<p:sldLayout xmlns:a="http://schemas.openxmlformats.org/drawingml/2006/main" xmlns:r="http://schemas.openxmlformats.org/officeDocument/2006/relationships" xmlns:p="http://schemas.openxmlformats.org/presentationml/2006/main" type="tx" showMasterSp="0" showMasterPhAnim="1">
+<p:sldLayout xmlns:a="http://schemas.openxmlformats.org/drawingml/2006/main" xmlns:r="http://schemas.openxmlformats.org/officeDocument/2006/relationships" xmlns:p="http://schemas.openxmlformats.org/presentationml/2006/main" showMasterSp="0" type="tx">
   <p:cSld name="Panoramabild med bildtext">
     <p:spTree>
       <p:nvGrpSpPr>
@@ -881,7 +901,7 @@
             </a:prstGeom>
             <a:blipFill rotWithShape="1">
               <a:blip r:embed="rId2"/>
-              <a:srcRect l="0" t="0" r="0" b="0"/>
+              <a:srcRect/>
               <a:stretch>
                 <a:fillRect/>
               </a:stretch>
@@ -898,7 +918,7 @@
             </a:bodyPr>
             <a:lstStyle/>
             <a:p>
-              <a:pPr/>
+              <a:endParaRPr/>
             </a:p>
           </p:txBody>
         </p:sp>
@@ -950,7 +970,7 @@
             </a:bodyPr>
             <a:lstStyle/>
             <a:p>
-              <a:pPr/>
+              <a:endParaRPr/>
             </a:p>
           </p:txBody>
         </p:sp>
@@ -1002,7 +1022,7 @@
             </a:bodyPr>
             <a:lstStyle/>
             <a:p>
-              <a:pPr/>
+              <a:endParaRPr/>
             </a:p>
           </p:txBody>
         </p:sp>
@@ -1054,7 +1074,7 @@
             </a:bodyPr>
             <a:lstStyle/>
             <a:p>
-              <a:pPr/>
+              <a:endParaRPr/>
             </a:p>
           </p:txBody>
         </p:sp>
@@ -1106,7 +1126,7 @@
             </a:bodyPr>
             <a:lstStyle/>
             <a:p>
-              <a:pPr/>
+              <a:endParaRPr/>
             </a:p>
           </p:txBody>
         </p:sp>
@@ -1158,7 +1178,7 @@
             </a:bodyPr>
             <a:lstStyle/>
             <a:p>
-              <a:pPr/>
+              <a:endParaRPr/>
             </a:p>
           </p:txBody>
         </p:sp>
@@ -1193,7 +1213,7 @@
               </a:cxnLst>
               <a:rect l="0" t="0" r="r" b="b"/>
               <a:pathLst>
-                <a:path w="21600" h="21572" fill="norm" stroke="1" extrusionOk="0">
+                <a:path w="21600" h="21572" extrusionOk="0">
                   <a:moveTo>
                     <a:pt x="184" y="10323"/>
                   </a:moveTo>
@@ -1326,7 +1346,7 @@
             </a:bodyPr>
             <a:lstStyle/>
             <a:p>
-              <a:pPr/>
+              <a:endParaRPr/>
             </a:p>
           </p:txBody>
         </p:sp>
@@ -1361,7 +1381,7 @@
               </a:cxnLst>
               <a:rect l="0" t="0" r="r" b="b"/>
               <a:pathLst>
-                <a:path w="21600" h="21600" fill="norm" stroke="1" extrusionOk="0">
+                <a:path w="21600" h="21600" extrusionOk="0">
                   <a:moveTo>
                     <a:pt x="0" y="0"/>
                   </a:moveTo>
@@ -1525,7 +1545,7 @@
             </a:bodyPr>
             <a:lstStyle/>
             <a:p>
-              <a:pPr/>
+              <a:endParaRPr/>
             </a:p>
           </p:txBody>
         </p:sp>
@@ -1560,7 +1580,7 @@
               </a:cxnLst>
               <a:rect l="0" t="0" r="r" b="b"/>
               <a:pathLst>
-                <a:path w="21600" h="21600" fill="norm" stroke="1" extrusionOk="0">
+                <a:path w="21600" h="21600" extrusionOk="0">
                   <a:moveTo>
                     <a:pt x="0" y="0"/>
                   </a:moveTo>
@@ -1611,7 +1631,7 @@
             </a:bodyPr>
             <a:lstStyle/>
             <a:p>
-              <a:pPr/>
+              <a:endParaRPr/>
             </a:p>
           </p:txBody>
         </p:sp>
@@ -1637,7 +1657,7 @@
             <a:miter lim="400000"/>
           </a:ln>
           <a:effectLst>
-            <a:outerShdw sx="100000" sy="100000" kx="0" ky="0" algn="b" rotWithShape="0" blurRad="38100" dist="25400" dir="5400000">
+            <a:outerShdw blurRad="38100" dist="25400" dir="5400000" rotWithShape="0">
               <a:srgbClr val="000000">
                 <a:alpha val="45000"/>
               </a:srgbClr>
@@ -1648,7 +1668,7 @@
           <a:bodyPr lIns="45719" rIns="45719"/>
           <a:lstStyle/>
           <a:p>
-            <a:pPr/>
+            <a:endParaRPr/>
           </a:p>
         </p:txBody>
       </p:sp>
@@ -1682,7 +1702,7 @@
             </a:prstGeom>
             <a:blipFill rotWithShape="1">
               <a:blip r:embed="rId2"/>
-              <a:srcRect l="0" t="0" r="0" b="0"/>
+              <a:srcRect/>
               <a:stretch>
                 <a:fillRect/>
               </a:stretch>
@@ -1699,7 +1719,7 @@
             </a:bodyPr>
             <a:lstStyle/>
             <a:p>
-              <a:pPr/>
+              <a:endParaRPr/>
             </a:p>
           </p:txBody>
         </p:sp>
@@ -1751,7 +1771,7 @@
             </a:bodyPr>
             <a:lstStyle/>
             <a:p>
-              <a:pPr/>
+              <a:endParaRPr/>
             </a:p>
           </p:txBody>
         </p:sp>
@@ -1803,7 +1823,7 @@
             </a:bodyPr>
             <a:lstStyle/>
             <a:p>
-              <a:pPr/>
+              <a:endParaRPr/>
             </a:p>
           </p:txBody>
         </p:sp>
@@ -1855,7 +1875,7 @@
             </a:bodyPr>
             <a:lstStyle/>
             <a:p>
-              <a:pPr/>
+              <a:endParaRPr/>
             </a:p>
           </p:txBody>
         </p:sp>
@@ -1907,7 +1927,7 @@
             </a:bodyPr>
             <a:lstStyle/>
             <a:p>
-              <a:pPr/>
+              <a:endParaRPr/>
             </a:p>
           </p:txBody>
         </p:sp>
@@ -1959,7 +1979,7 @@
             </a:bodyPr>
             <a:lstStyle/>
             <a:p>
-              <a:pPr/>
+              <a:endParaRPr/>
             </a:p>
           </p:txBody>
         </p:sp>
@@ -1994,7 +2014,7 @@
               </a:cxnLst>
               <a:rect l="0" t="0" r="r" b="b"/>
               <a:pathLst>
-                <a:path w="21600" h="21572" fill="norm" stroke="1" extrusionOk="0">
+                <a:path w="21600" h="21572" extrusionOk="0">
                   <a:moveTo>
                     <a:pt x="184" y="10323"/>
                   </a:moveTo>
@@ -2127,7 +2147,7 @@
             </a:bodyPr>
             <a:lstStyle/>
             <a:p>
-              <a:pPr/>
+              <a:endParaRPr/>
             </a:p>
           </p:txBody>
         </p:sp>
@@ -2162,7 +2182,7 @@
               </a:cxnLst>
               <a:rect l="0" t="0" r="r" b="b"/>
               <a:pathLst>
-                <a:path w="21600" h="21600" fill="norm" stroke="1" extrusionOk="0">
+                <a:path w="21600" h="21600" extrusionOk="0">
                   <a:moveTo>
                     <a:pt x="0" y="0"/>
                   </a:moveTo>
@@ -2326,7 +2346,7 @@
             </a:bodyPr>
             <a:lstStyle/>
             <a:p>
-              <a:pPr/>
+              <a:endParaRPr/>
             </a:p>
           </p:txBody>
         </p:sp>
@@ -2361,7 +2381,7 @@
               </a:cxnLst>
               <a:rect l="0" t="0" r="r" b="b"/>
               <a:pathLst>
-                <a:path w="21600" h="21600" fill="norm" stroke="1" extrusionOk="0">
+                <a:path w="21600" h="21600" extrusionOk="0">
                   <a:moveTo>
                     <a:pt x="0" y="0"/>
                   </a:moveTo>
@@ -2412,7 +2432,7 @@
             </a:bodyPr>
             <a:lstStyle/>
             <a:p>
-              <a:pPr/>
+              <a:endParaRPr/>
             </a:p>
           </p:txBody>
         </p:sp>
@@ -2420,7 +2440,9 @@
       <p:sp>
         <p:nvSpPr>
           <p:cNvPr id="198" name="Shape 198"/>
-          <p:cNvSpPr/>
+          <p:cNvSpPr>
+            <a:spLocks noGrp="1"/>
+          </p:cNvSpPr>
           <p:nvPr>
             <p:ph type="title"/>
           </p:nvPr>
@@ -2436,7 +2458,7 @@
         </p:spPr>
         <p:txBody>
           <a:bodyPr anchor="b">
-            <a:normAutofit fontScale="100000" lnSpcReduction="0"/>
+            <a:normAutofit/>
           </a:bodyPr>
           <a:lstStyle>
             <a:lvl1pPr>
@@ -2444,7 +2466,6 @@
             </a:lvl1pPr>
           </a:lstStyle>
           <a:p>
-            <a:pPr/>
             <a:r>
               <a:t>Titeltext</a:t>
             </a:r>
@@ -2454,7 +2475,9 @@
       <p:sp>
         <p:nvSpPr>
           <p:cNvPr id="199" name="Shape 199"/>
-          <p:cNvSpPr/>
+          <p:cNvSpPr>
+            <a:spLocks noGrp="1"/>
+          </p:cNvSpPr>
           <p:nvPr>
             <p:ph type="pic" sz="half" idx="13"/>
           </p:nvPr>
@@ -2468,7 +2491,7 @@
             <a:avLst/>
           </a:prstGeom>
           <a:effectLst>
-            <a:outerShdw sx="100000" sy="100000" kx="0" ky="0" algn="b" rotWithShape="0" blurRad="50800" dist="50800" dir="5400000">
+            <a:outerShdw blurRad="50800" dist="50800" dir="5400000" rotWithShape="0">
               <a:srgbClr val="000000">
                 <a:alpha val="43000"/>
               </a:srgbClr>
@@ -2481,14 +2504,16 @@
           </a:bodyPr>
           <a:lstStyle/>
           <a:p>
-            <a:pPr/>
+            <a:endParaRPr/>
           </a:p>
         </p:txBody>
       </p:sp>
       <p:sp>
         <p:nvSpPr>
           <p:cNvPr id="200" name="Shape 200"/>
-          <p:cNvSpPr/>
+          <p:cNvSpPr>
+            <a:spLocks noGrp="1"/>
+          </p:cNvSpPr>
           <p:nvPr>
             <p:ph type="body" sz="quarter" idx="1"/>
           </p:nvPr>
@@ -2562,7 +2587,6 @@
             </a:lvl5pPr>
           </a:lstStyle>
           <a:p>
-            <a:pPr/>
             <a:r>
               <a:t>Brödtext nivå ett</a:t>
             </a:r>
@@ -2614,7 +2638,7 @@
             <a:miter lim="400000"/>
           </a:ln>
           <a:effectLst>
-            <a:outerShdw sx="100000" sy="100000" kx="0" ky="0" algn="b" rotWithShape="0" blurRad="38100" dist="25400" dir="5400000">
+            <a:outerShdw blurRad="38100" dist="25400" dir="5400000" rotWithShape="0">
               <a:srgbClr val="000000">
                 <a:alpha val="45000"/>
               </a:srgbClr>
@@ -2625,14 +2649,16 @@
           <a:bodyPr lIns="45719" rIns="45719"/>
           <a:lstStyle/>
           <a:p>
-            <a:pPr/>
+            <a:endParaRPr/>
           </a:p>
         </p:txBody>
       </p:sp>
       <p:sp>
         <p:nvSpPr>
           <p:cNvPr id="202" name="Shape 202"/>
-          <p:cNvSpPr/>
+          <p:cNvSpPr>
+            <a:spLocks noGrp="1"/>
+          </p:cNvSpPr>
           <p:nvPr>
             <p:ph type="sldNum" sz="quarter" idx="2"/>
           </p:nvPr>
@@ -2646,8 +2672,10 @@
           <a:bodyPr/>
           <a:lstStyle/>
           <a:p>
-            <a:pPr/>
-            <a:fld id="{86CB4B4D-7CA3-9044-876B-883B54F8677D}" type="slidenum"/>
+            <a:fld id="{86CB4B4D-7CA3-9044-876B-883B54F8677D}" type="slidenum">
+              <a:t>‹#›</a:t>
+            </a:fld>
+            <a:endParaRPr/>
           </a:p>
         </p:txBody>
       </p:sp>
@@ -2656,12 +2684,12 @@
   <p:clrMapOvr>
     <a:masterClrMapping/>
   </p:clrMapOvr>
-  <p:transition xmlns:p14="http://schemas.microsoft.com/office/powerpoint/2010/main" spd="med" advClick="1"/>
+  <p:transition spd="med"/>
 </p:sldLayout>
 </file>
 
 <file path=ppt/slideLayouts/slideLayout11.xml><?xml version="1.0" encoding="utf-8"?>
-<p:sldLayout xmlns:a="http://schemas.openxmlformats.org/drawingml/2006/main" xmlns:r="http://schemas.openxmlformats.org/officeDocument/2006/relationships" xmlns:p="http://schemas.openxmlformats.org/presentationml/2006/main" type="tx" showMasterSp="0" showMasterPhAnim="1">
+<p:sldLayout xmlns:a="http://schemas.openxmlformats.org/drawingml/2006/main" xmlns:r="http://schemas.openxmlformats.org/officeDocument/2006/relationships" xmlns:p="http://schemas.openxmlformats.org/presentationml/2006/main" showMasterSp="0" type="tx">
   <p:cSld name="Titel och bildtext">
     <p:spTree>
       <p:nvGrpSpPr>
@@ -2707,7 +2735,7 @@
             </a:prstGeom>
             <a:blipFill rotWithShape="1">
               <a:blip r:embed="rId2"/>
-              <a:srcRect l="0" t="0" r="0" b="0"/>
+              <a:srcRect/>
               <a:stretch>
                 <a:fillRect/>
               </a:stretch>
@@ -2724,7 +2752,7 @@
             </a:bodyPr>
             <a:lstStyle/>
             <a:p>
-              <a:pPr/>
+              <a:endParaRPr/>
             </a:p>
           </p:txBody>
         </p:sp>
@@ -2776,7 +2804,7 @@
             </a:bodyPr>
             <a:lstStyle/>
             <a:p>
-              <a:pPr/>
+              <a:endParaRPr/>
             </a:p>
           </p:txBody>
         </p:sp>
@@ -2828,7 +2856,7 @@
             </a:bodyPr>
             <a:lstStyle/>
             <a:p>
-              <a:pPr/>
+              <a:endParaRPr/>
             </a:p>
           </p:txBody>
         </p:sp>
@@ -2880,7 +2908,7 @@
             </a:bodyPr>
             <a:lstStyle/>
             <a:p>
-              <a:pPr/>
+              <a:endParaRPr/>
             </a:p>
           </p:txBody>
         </p:sp>
@@ -2932,7 +2960,7 @@
             </a:bodyPr>
             <a:lstStyle/>
             <a:p>
-              <a:pPr/>
+              <a:endParaRPr/>
             </a:p>
           </p:txBody>
         </p:sp>
@@ -2984,7 +3012,7 @@
             </a:bodyPr>
             <a:lstStyle/>
             <a:p>
-              <a:pPr/>
+              <a:endParaRPr/>
             </a:p>
           </p:txBody>
         </p:sp>
@@ -3019,7 +3047,7 @@
               </a:cxnLst>
               <a:rect l="0" t="0" r="r" b="b"/>
               <a:pathLst>
-                <a:path w="21600" h="21572" fill="norm" stroke="1" extrusionOk="0">
+                <a:path w="21600" h="21572" extrusionOk="0">
                   <a:moveTo>
                     <a:pt x="184" y="10323"/>
                   </a:moveTo>
@@ -3152,7 +3180,7 @@
             </a:bodyPr>
             <a:lstStyle/>
             <a:p>
-              <a:pPr/>
+              <a:endParaRPr/>
             </a:p>
           </p:txBody>
         </p:sp>
@@ -3187,7 +3215,7 @@
               </a:cxnLst>
               <a:rect l="0" t="0" r="r" b="b"/>
               <a:pathLst>
-                <a:path w="21600" h="21600" fill="norm" stroke="1" extrusionOk="0">
+                <a:path w="21600" h="21600" extrusionOk="0">
                   <a:moveTo>
                     <a:pt x="0" y="0"/>
                   </a:moveTo>
@@ -3351,7 +3379,7 @@
             </a:bodyPr>
             <a:lstStyle/>
             <a:p>
-              <a:pPr/>
+              <a:endParaRPr/>
             </a:p>
           </p:txBody>
         </p:sp>
@@ -3386,7 +3414,7 @@
               </a:cxnLst>
               <a:rect l="0" t="0" r="r" b="b"/>
               <a:pathLst>
-                <a:path w="21600" h="21600" fill="norm" stroke="1" extrusionOk="0">
+                <a:path w="21600" h="21600" extrusionOk="0">
                   <a:moveTo>
                     <a:pt x="0" y="0"/>
                   </a:moveTo>
@@ -3437,7 +3465,7 @@
             </a:bodyPr>
             <a:lstStyle/>
             <a:p>
-              <a:pPr/>
+              <a:endParaRPr/>
             </a:p>
           </p:txBody>
         </p:sp>
@@ -3445,7 +3473,9 @@
       <p:sp>
         <p:nvSpPr>
           <p:cNvPr id="219" name="Shape 219"/>
-          <p:cNvSpPr/>
+          <p:cNvSpPr>
+            <a:spLocks noGrp="1"/>
+          </p:cNvSpPr>
           <p:nvPr>
             <p:ph type="title"/>
           </p:nvPr>
@@ -3461,7 +3491,7 @@
         </p:spPr>
         <p:txBody>
           <a:bodyPr>
-            <a:normAutofit fontScale="100000" lnSpcReduction="0"/>
+            <a:normAutofit/>
           </a:bodyPr>
           <a:lstStyle>
             <a:lvl1pPr>
@@ -3469,7 +3499,6 @@
             </a:lvl1pPr>
           </a:lstStyle>
           <a:p>
-            <a:pPr/>
             <a:r>
               <a:t>Titeltext</a:t>
             </a:r>
@@ -3479,7 +3508,9 @@
       <p:sp>
         <p:nvSpPr>
           <p:cNvPr id="220" name="Shape 220"/>
-          <p:cNvSpPr/>
+          <p:cNvSpPr>
+            <a:spLocks noGrp="1"/>
+          </p:cNvSpPr>
           <p:nvPr>
             <p:ph type="body" sz="half" idx="1"/>
           </p:nvPr>
@@ -3528,7 +3559,6 @@
             </a:lvl5pPr>
           </a:lstStyle>
           <a:p>
-            <a:pPr/>
             <a:r>
               <a:t>Brödtext nivå ett</a:t>
             </a:r>
@@ -3580,7 +3610,7 @@
             <a:miter lim="400000"/>
           </a:ln>
           <a:effectLst>
-            <a:outerShdw sx="100000" sy="100000" kx="0" ky="0" algn="b" rotWithShape="0" blurRad="38100" dist="25400" dir="5400000">
+            <a:outerShdw blurRad="38100" dist="25400" dir="5400000" rotWithShape="0">
               <a:srgbClr val="000000">
                 <a:alpha val="45000"/>
               </a:srgbClr>
@@ -3591,14 +3621,16 @@
           <a:bodyPr lIns="45719" rIns="45719"/>
           <a:lstStyle/>
           <a:p>
-            <a:pPr/>
+            <a:endParaRPr/>
           </a:p>
         </p:txBody>
       </p:sp>
       <p:sp>
         <p:nvSpPr>
           <p:cNvPr id="222" name="Shape 222"/>
-          <p:cNvSpPr/>
+          <p:cNvSpPr>
+            <a:spLocks noGrp="1"/>
+          </p:cNvSpPr>
           <p:nvPr>
             <p:ph type="sldNum" sz="quarter" idx="2"/>
           </p:nvPr>
@@ -3612,8 +3644,10 @@
           <a:bodyPr/>
           <a:lstStyle/>
           <a:p>
-            <a:pPr/>
-            <a:fld id="{86CB4B4D-7CA3-9044-876B-883B54F8677D}" type="slidenum"/>
+            <a:fld id="{86CB4B4D-7CA3-9044-876B-883B54F8677D}" type="slidenum">
+              <a:t>‹#›</a:t>
+            </a:fld>
+            <a:endParaRPr/>
           </a:p>
         </p:txBody>
       </p:sp>
@@ -3622,12 +3656,12 @@
   <p:clrMapOvr>
     <a:masterClrMapping/>
   </p:clrMapOvr>
-  <p:transition xmlns:p14="http://schemas.microsoft.com/office/powerpoint/2010/main" spd="med" advClick="1"/>
+  <p:transition spd="med"/>
 </p:sldLayout>
 </file>
 
 <file path=ppt/slideLayouts/slideLayout12.xml><?xml version="1.0" encoding="utf-8"?>
-<p:sldLayout xmlns:a="http://schemas.openxmlformats.org/drawingml/2006/main" xmlns:r="http://schemas.openxmlformats.org/officeDocument/2006/relationships" xmlns:p="http://schemas.openxmlformats.org/presentationml/2006/main" type="tx" showMasterSp="0" showMasterPhAnim="1">
+<p:sldLayout xmlns:a="http://schemas.openxmlformats.org/drawingml/2006/main" xmlns:r="http://schemas.openxmlformats.org/officeDocument/2006/relationships" xmlns:p="http://schemas.openxmlformats.org/presentationml/2006/main" showMasterSp="0" type="tx">
   <p:cSld name="Citat med bildtext">
     <p:spTree>
       <p:nvGrpSpPr>
@@ -3673,7 +3707,7 @@
             </a:prstGeom>
             <a:blipFill rotWithShape="1">
               <a:blip r:embed="rId2"/>
-              <a:srcRect l="0" t="0" r="0" b="0"/>
+              <a:srcRect/>
               <a:stretch>
                 <a:fillRect/>
               </a:stretch>
@@ -3690,7 +3724,7 @@
             </a:bodyPr>
             <a:lstStyle/>
             <a:p>
-              <a:pPr/>
+              <a:endParaRPr/>
             </a:p>
           </p:txBody>
         </p:sp>
@@ -3742,7 +3776,7 @@
             </a:bodyPr>
             <a:lstStyle/>
             <a:p>
-              <a:pPr/>
+              <a:endParaRPr/>
             </a:p>
           </p:txBody>
         </p:sp>
@@ -3794,7 +3828,7 @@
             </a:bodyPr>
             <a:lstStyle/>
             <a:p>
-              <a:pPr/>
+              <a:endParaRPr/>
             </a:p>
           </p:txBody>
         </p:sp>
@@ -3846,7 +3880,7 @@
             </a:bodyPr>
             <a:lstStyle/>
             <a:p>
-              <a:pPr/>
+              <a:endParaRPr/>
             </a:p>
           </p:txBody>
         </p:sp>
@@ -3898,7 +3932,7 @@
             </a:bodyPr>
             <a:lstStyle/>
             <a:p>
-              <a:pPr/>
+              <a:endParaRPr/>
             </a:p>
           </p:txBody>
         </p:sp>
@@ -3950,7 +3984,7 @@
             </a:bodyPr>
             <a:lstStyle/>
             <a:p>
-              <a:pPr/>
+              <a:endParaRPr/>
             </a:p>
           </p:txBody>
         </p:sp>
@@ -3985,7 +4019,7 @@
               </a:cxnLst>
               <a:rect l="0" t="0" r="r" b="b"/>
               <a:pathLst>
-                <a:path w="21600" h="21572" fill="norm" stroke="1" extrusionOk="0">
+                <a:path w="21600" h="21572" extrusionOk="0">
                   <a:moveTo>
                     <a:pt x="184" y="10323"/>
                   </a:moveTo>
@@ -4118,7 +4152,7 @@
             </a:bodyPr>
             <a:lstStyle/>
             <a:p>
-              <a:pPr/>
+              <a:endParaRPr/>
             </a:p>
           </p:txBody>
         </p:sp>
@@ -4153,7 +4187,7 @@
               </a:cxnLst>
               <a:rect l="0" t="0" r="r" b="b"/>
               <a:pathLst>
-                <a:path w="21600" h="21600" fill="norm" stroke="1" extrusionOk="0">
+                <a:path w="21600" h="21600" extrusionOk="0">
                   <a:moveTo>
                     <a:pt x="0" y="0"/>
                   </a:moveTo>
@@ -4320,7 +4354,7 @@
             </a:bodyPr>
             <a:lstStyle/>
             <a:p>
-              <a:pPr/>
+              <a:endParaRPr/>
             </a:p>
           </p:txBody>
         </p:sp>
@@ -4355,7 +4389,7 @@
               </a:cxnLst>
               <a:rect l="0" t="0" r="r" b="b"/>
               <a:pathLst>
-                <a:path w="21600" h="21600" fill="norm" stroke="1" extrusionOk="0">
+                <a:path w="21600" h="21600" extrusionOk="0">
                   <a:moveTo>
                     <a:pt x="0" y="0"/>
                   </a:moveTo>
@@ -4406,7 +4440,7 @@
             </a:bodyPr>
             <a:lstStyle/>
             <a:p>
-              <a:pPr/>
+              <a:endParaRPr/>
             </a:p>
           </p:txBody>
         </p:sp>
@@ -4430,7 +4464,7 @@
           </a:ln>
           <a:extLst>
             <a:ext uri="{C572A759-6A51-4108-AA02-DFA0A04FC94B}">
-              <ma14:wrappingTextBoxFlag xmlns:ma14="http://schemas.microsoft.com/office/mac/drawingml/2011/main" val="1"/>
+              <ma14:wrappingTextBoxFlag xmlns="" xmlns:ma14="http://schemas.microsoft.com/office/mac/drawingml/2011/main" val="1"/>
             </a:ext>
           </a:extLst>
         </p:spPr>
@@ -4452,7 +4486,6 @@
             </a:lvl1pPr>
           </a:lstStyle>
           <a:p>
-            <a:pPr/>
             <a:r>
               <a:t>“</a:t>
             </a:r>
@@ -4478,7 +4511,7 @@
           </a:ln>
           <a:extLst>
             <a:ext uri="{C572A759-6A51-4108-AA02-DFA0A04FC94B}">
-              <ma14:wrappingTextBoxFlag xmlns:ma14="http://schemas.microsoft.com/office/mac/drawingml/2011/main" val="1"/>
+              <ma14:wrappingTextBoxFlag xmlns="" xmlns:ma14="http://schemas.microsoft.com/office/mac/drawingml/2011/main" val="1"/>
             </a:ext>
           </a:extLst>
         </p:spPr>
@@ -4500,7 +4533,6 @@
             </a:lvl1pPr>
           </a:lstStyle>
           <a:p>
-            <a:pPr/>
             <a:r>
               <a:t>”</a:t>
             </a:r>
@@ -4510,7 +4542,9 @@
       <p:sp>
         <p:nvSpPr>
           <p:cNvPr id="241" name="Shape 241"/>
-          <p:cNvSpPr/>
+          <p:cNvSpPr>
+            <a:spLocks noGrp="1"/>
+          </p:cNvSpPr>
           <p:nvPr>
             <p:ph type="title"/>
           </p:nvPr>
@@ -4526,7 +4560,7 @@
         </p:spPr>
         <p:txBody>
           <a:bodyPr>
-            <a:normAutofit fontScale="100000" lnSpcReduction="0"/>
+            <a:normAutofit/>
           </a:bodyPr>
           <a:lstStyle>
             <a:lvl1pPr>
@@ -4534,7 +4568,6 @@
             </a:lvl1pPr>
           </a:lstStyle>
           <a:p>
-            <a:pPr/>
             <a:r>
               <a:t>Titeltext</a:t>
             </a:r>
@@ -4544,7 +4577,9 @@
       <p:sp>
         <p:nvSpPr>
           <p:cNvPr id="242" name="Shape 242"/>
-          <p:cNvSpPr/>
+          <p:cNvSpPr>
+            <a:spLocks noGrp="1"/>
+          </p:cNvSpPr>
           <p:nvPr>
             <p:ph type="body" sz="quarter" idx="1"/>
           </p:nvPr>
@@ -4566,7 +4601,7 @@
               <a:buSzTx/>
               <a:buFontTx/>
               <a:buNone/>
-              <a:defRPr cap="small" sz="1400">
+              <a:defRPr sz="1400" cap="small">
                 <a:solidFill>
                   <a:srgbClr val="EF53A5"/>
                 </a:solidFill>
@@ -4577,7 +4612,7 @@
               <a:buSzTx/>
               <a:buFontTx/>
               <a:buNone/>
-              <a:defRPr cap="small" sz="1400">
+              <a:defRPr sz="1400" cap="small">
                 <a:solidFill>
                   <a:srgbClr val="EF53A5"/>
                 </a:solidFill>
@@ -4588,7 +4623,7 @@
               <a:buSzTx/>
               <a:buFontTx/>
               <a:buNone/>
-              <a:defRPr cap="small" sz="1400">
+              <a:defRPr sz="1400" cap="small">
                 <a:solidFill>
                   <a:srgbClr val="EF53A5"/>
                 </a:solidFill>
@@ -4599,7 +4634,7 @@
               <a:buSzTx/>
               <a:buFontTx/>
               <a:buNone/>
-              <a:defRPr cap="small" sz="1400">
+              <a:defRPr sz="1400" cap="small">
                 <a:solidFill>
                   <a:srgbClr val="EF53A5"/>
                 </a:solidFill>
@@ -4610,7 +4645,7 @@
               <a:buSzTx/>
               <a:buFontTx/>
               <a:buNone/>
-              <a:defRPr cap="small" sz="1400">
+              <a:defRPr sz="1400" cap="small">
                 <a:solidFill>
                   <a:srgbClr val="EF53A5"/>
                 </a:solidFill>
@@ -4618,7 +4653,6 @@
             </a:lvl5pPr>
           </a:lstStyle>
           <a:p>
-            <a:pPr/>
             <a:r>
               <a:t>Brödtext nivå ett</a:t>
             </a:r>
@@ -4652,7 +4686,9 @@
       <p:sp>
         <p:nvSpPr>
           <p:cNvPr id="243" name="Shape 243"/>
-          <p:cNvSpPr/>
+          <p:cNvSpPr>
+            <a:spLocks noGrp="1"/>
+          </p:cNvSpPr>
           <p:nvPr>
             <p:ph type="body" sz="quarter" idx="13"/>
           </p:nvPr>
@@ -4677,6 +4713,7 @@
               <a:buNone/>
               <a:defRPr sz="1400"/>
             </a:pPr>
+            <a:endParaRPr/>
           </a:p>
         </p:txBody>
       </p:sp>
@@ -4701,7 +4738,7 @@
             <a:miter lim="400000"/>
           </a:ln>
           <a:effectLst>
-            <a:outerShdw sx="100000" sy="100000" kx="0" ky="0" algn="b" rotWithShape="0" blurRad="38100" dist="25400" dir="5400000">
+            <a:outerShdw blurRad="38100" dist="25400" dir="5400000" rotWithShape="0">
               <a:srgbClr val="000000">
                 <a:alpha val="45000"/>
               </a:srgbClr>
@@ -4712,14 +4749,16 @@
           <a:bodyPr lIns="45719" rIns="45719"/>
           <a:lstStyle/>
           <a:p>
-            <a:pPr/>
+            <a:endParaRPr/>
           </a:p>
         </p:txBody>
       </p:sp>
       <p:sp>
         <p:nvSpPr>
           <p:cNvPr id="245" name="Shape 245"/>
-          <p:cNvSpPr/>
+          <p:cNvSpPr>
+            <a:spLocks noGrp="1"/>
+          </p:cNvSpPr>
           <p:nvPr>
             <p:ph type="sldNum" sz="quarter" idx="2"/>
           </p:nvPr>
@@ -4733,8 +4772,10 @@
           <a:bodyPr/>
           <a:lstStyle/>
           <a:p>
-            <a:pPr/>
-            <a:fld id="{86CB4B4D-7CA3-9044-876B-883B54F8677D}" type="slidenum"/>
+            <a:fld id="{86CB4B4D-7CA3-9044-876B-883B54F8677D}" type="slidenum">
+              <a:t>‹#›</a:t>
+            </a:fld>
+            <a:endParaRPr/>
           </a:p>
         </p:txBody>
       </p:sp>
@@ -4743,12 +4784,12 @@
   <p:clrMapOvr>
     <a:masterClrMapping/>
   </p:clrMapOvr>
-  <p:transition xmlns:p14="http://schemas.microsoft.com/office/powerpoint/2010/main" spd="med" advClick="1"/>
+  <p:transition spd="med"/>
 </p:sldLayout>
 </file>
 
 <file path=ppt/slideLayouts/slideLayout13.xml><?xml version="1.0" encoding="utf-8"?>
-<p:sldLayout xmlns:a="http://schemas.openxmlformats.org/drawingml/2006/main" xmlns:r="http://schemas.openxmlformats.org/officeDocument/2006/relationships" xmlns:p="http://schemas.openxmlformats.org/presentationml/2006/main" type="tx" showMasterSp="0" showMasterPhAnim="1">
+<p:sldLayout xmlns:a="http://schemas.openxmlformats.org/drawingml/2006/main" xmlns:r="http://schemas.openxmlformats.org/officeDocument/2006/relationships" xmlns:p="http://schemas.openxmlformats.org/presentationml/2006/main" showMasterSp="0" type="tx">
   <p:cSld name="Namnkort">
     <p:spTree>
       <p:nvGrpSpPr>
@@ -4794,7 +4835,7 @@
             </a:prstGeom>
             <a:blipFill rotWithShape="1">
               <a:blip r:embed="rId2"/>
-              <a:srcRect l="0" t="0" r="0" b="0"/>
+              <a:srcRect/>
               <a:stretch>
                 <a:fillRect/>
               </a:stretch>
@@ -4811,7 +4852,7 @@
             </a:bodyPr>
             <a:lstStyle/>
             <a:p>
-              <a:pPr/>
+              <a:endParaRPr/>
             </a:p>
           </p:txBody>
         </p:sp>
@@ -4863,7 +4904,7 @@
             </a:bodyPr>
             <a:lstStyle/>
             <a:p>
-              <a:pPr/>
+              <a:endParaRPr/>
             </a:p>
           </p:txBody>
         </p:sp>
@@ -4915,7 +4956,7 @@
             </a:bodyPr>
             <a:lstStyle/>
             <a:p>
-              <a:pPr/>
+              <a:endParaRPr/>
             </a:p>
           </p:txBody>
         </p:sp>
@@ -4967,7 +5008,7 @@
             </a:bodyPr>
             <a:lstStyle/>
             <a:p>
-              <a:pPr/>
+              <a:endParaRPr/>
             </a:p>
           </p:txBody>
         </p:sp>
@@ -5019,7 +5060,7 @@
             </a:bodyPr>
             <a:lstStyle/>
             <a:p>
-              <a:pPr/>
+              <a:endParaRPr/>
             </a:p>
           </p:txBody>
         </p:sp>
@@ -5071,7 +5112,7 @@
             </a:bodyPr>
             <a:lstStyle/>
             <a:p>
-              <a:pPr/>
+              <a:endParaRPr/>
             </a:p>
           </p:txBody>
         </p:sp>
@@ -5106,7 +5147,7 @@
               </a:cxnLst>
               <a:rect l="0" t="0" r="r" b="b"/>
               <a:pathLst>
-                <a:path w="21600" h="21572" fill="norm" stroke="1" extrusionOk="0">
+                <a:path w="21600" h="21572" extrusionOk="0">
                   <a:moveTo>
                     <a:pt x="184" y="10323"/>
                   </a:moveTo>
@@ -5239,7 +5280,7 @@
             </a:bodyPr>
             <a:lstStyle/>
             <a:p>
-              <a:pPr/>
+              <a:endParaRPr/>
             </a:p>
           </p:txBody>
         </p:sp>
@@ -5274,7 +5315,7 @@
               </a:cxnLst>
               <a:rect l="0" t="0" r="r" b="b"/>
               <a:pathLst>
-                <a:path w="21600" h="21600" fill="norm" stroke="1" extrusionOk="0">
+                <a:path w="21600" h="21600" extrusionOk="0">
                   <a:moveTo>
                     <a:pt x="0" y="0"/>
                   </a:moveTo>
@@ -5441,7 +5482,7 @@
             </a:bodyPr>
             <a:lstStyle/>
             <a:p>
-              <a:pPr/>
+              <a:endParaRPr/>
             </a:p>
           </p:txBody>
         </p:sp>
@@ -5476,7 +5517,7 @@
               </a:cxnLst>
               <a:rect l="0" t="0" r="r" b="b"/>
               <a:pathLst>
-                <a:path w="21600" h="21600" fill="norm" stroke="1" extrusionOk="0">
+                <a:path w="21600" h="21600" extrusionOk="0">
                   <a:moveTo>
                     <a:pt x="0" y="0"/>
                   </a:moveTo>
@@ -5527,7 +5568,7 @@
             </a:bodyPr>
             <a:lstStyle/>
             <a:p>
-              <a:pPr/>
+              <a:endParaRPr/>
             </a:p>
           </p:txBody>
         </p:sp>
@@ -5535,7 +5576,9 @@
       <p:sp>
         <p:nvSpPr>
           <p:cNvPr id="262" name="Shape 262"/>
-          <p:cNvSpPr/>
+          <p:cNvSpPr>
+            <a:spLocks noGrp="1"/>
+          </p:cNvSpPr>
           <p:nvPr>
             <p:ph type="title"/>
           </p:nvPr>
@@ -5551,7 +5594,7 @@
         </p:spPr>
         <p:txBody>
           <a:bodyPr anchor="b">
-            <a:normAutofit fontScale="100000" lnSpcReduction="0"/>
+            <a:normAutofit/>
           </a:bodyPr>
           <a:lstStyle>
             <a:lvl1pPr>
@@ -5559,7 +5602,6 @@
             </a:lvl1pPr>
           </a:lstStyle>
           <a:p>
-            <a:pPr/>
             <a:r>
               <a:t>Titeltext</a:t>
             </a:r>
@@ -5569,7 +5611,9 @@
       <p:sp>
         <p:nvSpPr>
           <p:cNvPr id="263" name="Shape 263"/>
-          <p:cNvSpPr/>
+          <p:cNvSpPr>
+            <a:spLocks noGrp="1"/>
+          </p:cNvSpPr>
           <p:nvPr>
             <p:ph type="body" sz="quarter" idx="1"/>
           </p:nvPr>
@@ -5643,7 +5687,6 @@
             </a:lvl5pPr>
           </a:lstStyle>
           <a:p>
-            <a:pPr/>
             <a:r>
               <a:t>Brödtext nivå ett</a:t>
             </a:r>
@@ -5695,7 +5738,7 @@
             <a:miter lim="400000"/>
           </a:ln>
           <a:effectLst>
-            <a:outerShdw sx="100000" sy="100000" kx="0" ky="0" algn="b" rotWithShape="0" blurRad="38100" dist="25400" dir="5400000">
+            <a:outerShdw blurRad="38100" dist="25400" dir="5400000" rotWithShape="0">
               <a:srgbClr val="000000">
                 <a:alpha val="45000"/>
               </a:srgbClr>
@@ -5706,14 +5749,16 @@
           <a:bodyPr lIns="45719" rIns="45719"/>
           <a:lstStyle/>
           <a:p>
-            <a:pPr/>
+            <a:endParaRPr/>
           </a:p>
         </p:txBody>
       </p:sp>
       <p:sp>
         <p:nvSpPr>
           <p:cNvPr id="265" name="Shape 265"/>
-          <p:cNvSpPr/>
+          <p:cNvSpPr>
+            <a:spLocks noGrp="1"/>
+          </p:cNvSpPr>
           <p:nvPr>
             <p:ph type="sldNum" sz="quarter" idx="2"/>
           </p:nvPr>
@@ -5727,8 +5772,10 @@
           <a:bodyPr/>
           <a:lstStyle/>
           <a:p>
-            <a:pPr/>
-            <a:fld id="{86CB4B4D-7CA3-9044-876B-883B54F8677D}" type="slidenum"/>
+            <a:fld id="{86CB4B4D-7CA3-9044-876B-883B54F8677D}" type="slidenum">
+              <a:t>‹#›</a:t>
+            </a:fld>
+            <a:endParaRPr/>
           </a:p>
         </p:txBody>
       </p:sp>
@@ -5737,12 +5784,12 @@
   <p:clrMapOvr>
     <a:masterClrMapping/>
   </p:clrMapOvr>
-  <p:transition xmlns:p14="http://schemas.microsoft.com/office/powerpoint/2010/main" spd="med" advClick="1"/>
+  <p:transition spd="med"/>
 </p:sldLayout>
 </file>
 
 <file path=ppt/slideLayouts/slideLayout14.xml><?xml version="1.0" encoding="utf-8"?>
-<p:sldLayout xmlns:a="http://schemas.openxmlformats.org/drawingml/2006/main" xmlns:r="http://schemas.openxmlformats.org/officeDocument/2006/relationships" xmlns:p="http://schemas.openxmlformats.org/presentationml/2006/main" type="tx" showMasterSp="0" showMasterPhAnim="1">
+<p:sldLayout xmlns:a="http://schemas.openxmlformats.org/drawingml/2006/main" xmlns:r="http://schemas.openxmlformats.org/officeDocument/2006/relationships" xmlns:p="http://schemas.openxmlformats.org/presentationml/2006/main" showMasterSp="0" type="tx">
   <p:cSld name="3 kolumner">
     <p:spTree>
       <p:nvGrpSpPr>
@@ -5788,7 +5835,7 @@
             </a:prstGeom>
             <a:blipFill rotWithShape="1">
               <a:blip r:embed="rId2"/>
-              <a:srcRect l="0" t="0" r="0" b="0"/>
+              <a:srcRect/>
               <a:stretch>
                 <a:fillRect/>
               </a:stretch>
@@ -5805,7 +5852,7 @@
             </a:bodyPr>
             <a:lstStyle/>
             <a:p>
-              <a:pPr/>
+              <a:endParaRPr/>
             </a:p>
           </p:txBody>
         </p:sp>
@@ -5857,7 +5904,7 @@
             </a:bodyPr>
             <a:lstStyle/>
             <a:p>
-              <a:pPr/>
+              <a:endParaRPr/>
             </a:p>
           </p:txBody>
         </p:sp>
@@ -5909,7 +5956,7 @@
             </a:bodyPr>
             <a:lstStyle/>
             <a:p>
-              <a:pPr/>
+              <a:endParaRPr/>
             </a:p>
           </p:txBody>
         </p:sp>
@@ -5961,7 +6008,7 @@
             </a:bodyPr>
             <a:lstStyle/>
             <a:p>
-              <a:pPr/>
+              <a:endParaRPr/>
             </a:p>
           </p:txBody>
         </p:sp>
@@ -6013,7 +6060,7 @@
             </a:bodyPr>
             <a:lstStyle/>
             <a:p>
-              <a:pPr/>
+              <a:endParaRPr/>
             </a:p>
           </p:txBody>
         </p:sp>
@@ -6065,7 +6112,7 @@
             </a:bodyPr>
             <a:lstStyle/>
             <a:p>
-              <a:pPr/>
+              <a:endParaRPr/>
             </a:p>
           </p:txBody>
         </p:sp>
@@ -6100,7 +6147,7 @@
               </a:cxnLst>
               <a:rect l="0" t="0" r="r" b="b"/>
               <a:pathLst>
-                <a:path w="21600" h="21572" fill="norm" stroke="1" extrusionOk="0">
+                <a:path w="21600" h="21572" extrusionOk="0">
                   <a:moveTo>
                     <a:pt x="184" y="10323"/>
                   </a:moveTo>
@@ -6233,7 +6280,7 @@
             </a:bodyPr>
             <a:lstStyle/>
             <a:p>
-              <a:pPr/>
+              <a:endParaRPr/>
             </a:p>
           </p:txBody>
         </p:sp>
@@ -6268,7 +6315,7 @@
               </a:cxnLst>
               <a:rect l="0" t="0" r="r" b="b"/>
               <a:pathLst>
-                <a:path w="21600" h="21600" fill="norm" stroke="1" extrusionOk="0">
+                <a:path w="21600" h="21600" extrusionOk="0">
                   <a:moveTo>
                     <a:pt x="0" y="0"/>
                   </a:moveTo>
@@ -6432,7 +6479,7 @@
             </a:bodyPr>
             <a:lstStyle/>
             <a:p>
-              <a:pPr/>
+              <a:endParaRPr/>
             </a:p>
           </p:txBody>
         </p:sp>
@@ -6467,7 +6514,7 @@
               </a:cxnLst>
               <a:rect l="0" t="0" r="r" b="b"/>
               <a:pathLst>
-                <a:path w="21600" h="21600" fill="norm" stroke="1" extrusionOk="0">
+                <a:path w="21600" h="21600" extrusionOk="0">
                   <a:moveTo>
                     <a:pt x="0" y="0"/>
                   </a:moveTo>
@@ -6518,7 +6565,7 @@
             </a:bodyPr>
             <a:lstStyle/>
             <a:p>
-              <a:pPr/>
+              <a:endParaRPr/>
             </a:p>
           </p:txBody>
         </p:sp>
@@ -6544,7 +6591,7 @@
             <a:miter lim="400000"/>
           </a:ln>
           <a:effectLst>
-            <a:outerShdw sx="100000" sy="100000" kx="0" ky="0" algn="b" rotWithShape="0" blurRad="38100" dist="25400" dir="5400000">
+            <a:outerShdw blurRad="38100" dist="25400" dir="5400000" rotWithShape="0">
               <a:srgbClr val="000000">
                 <a:alpha val="45000"/>
               </a:srgbClr>
@@ -6555,14 +6602,16 @@
           <a:bodyPr lIns="45719" rIns="45719"/>
           <a:lstStyle/>
           <a:p>
-            <a:pPr/>
+            <a:endParaRPr/>
           </a:p>
         </p:txBody>
       </p:sp>
       <p:sp>
         <p:nvSpPr>
           <p:cNvPr id="283" name="Shape 283"/>
-          <p:cNvSpPr/>
+          <p:cNvSpPr>
+            <a:spLocks noGrp="1"/>
+          </p:cNvSpPr>
           <p:nvPr>
             <p:ph type="title"/>
           </p:nvPr>
@@ -6578,11 +6627,10 @@
         </p:spPr>
         <p:txBody>
           <a:bodyPr>
-            <a:normAutofit fontScale="100000" lnSpcReduction="0"/>
+            <a:normAutofit/>
           </a:bodyPr>
           <a:lstStyle/>
           <a:p>
-            <a:pPr/>
             <a:r>
               <a:t>Titeltext</a:t>
             </a:r>
@@ -6592,7 +6640,9 @@
       <p:sp>
         <p:nvSpPr>
           <p:cNvPr id="284" name="Shape 284"/>
-          <p:cNvSpPr/>
+          <p:cNvSpPr>
+            <a:spLocks noGrp="1"/>
+          </p:cNvSpPr>
           <p:nvPr>
             <p:ph type="body" sz="quarter" idx="1"/>
           </p:nvPr>
@@ -6666,7 +6716,6 @@
             </a:lvl5pPr>
           </a:lstStyle>
           <a:p>
-            <a:pPr/>
             <a:r>
               <a:t>Brödtext nivå ett</a:t>
             </a:r>
@@ -6700,7 +6749,9 @@
       <p:sp>
         <p:nvSpPr>
           <p:cNvPr id="285" name="Shape 285"/>
-          <p:cNvSpPr/>
+          <p:cNvSpPr>
+            <a:spLocks noGrp="1"/>
+          </p:cNvSpPr>
           <p:nvPr>
             <p:ph type="body" sz="quarter" idx="13"/>
           </p:nvPr>
@@ -6725,13 +6776,16 @@
               <a:buNone/>
               <a:defRPr sz="1400"/>
             </a:pPr>
+            <a:endParaRPr/>
           </a:p>
         </p:txBody>
       </p:sp>
       <p:sp>
         <p:nvSpPr>
           <p:cNvPr id="286" name="Shape 286"/>
-          <p:cNvSpPr/>
+          <p:cNvSpPr>
+            <a:spLocks noGrp="1"/>
+          </p:cNvSpPr>
           <p:nvPr>
             <p:ph type="body" sz="quarter" idx="14"/>
           </p:nvPr>
@@ -6760,13 +6814,16 @@
                 </a:solidFill>
               </a:defRPr>
             </a:pPr>
+            <a:endParaRPr/>
           </a:p>
         </p:txBody>
       </p:sp>
       <p:sp>
         <p:nvSpPr>
           <p:cNvPr id="287" name="Shape 287"/>
-          <p:cNvSpPr/>
+          <p:cNvSpPr>
+            <a:spLocks noGrp="1"/>
+          </p:cNvSpPr>
           <p:nvPr>
             <p:ph type="body" sz="quarter" idx="15"/>
           </p:nvPr>
@@ -6791,13 +6848,16 @@
               <a:buNone/>
               <a:defRPr sz="1400"/>
             </a:pPr>
+            <a:endParaRPr/>
           </a:p>
         </p:txBody>
       </p:sp>
       <p:sp>
         <p:nvSpPr>
           <p:cNvPr id="288" name="Shape 288"/>
-          <p:cNvSpPr/>
+          <p:cNvSpPr>
+            <a:spLocks noGrp="1"/>
+          </p:cNvSpPr>
           <p:nvPr>
             <p:ph type="body" sz="quarter" idx="16"/>
           </p:nvPr>
@@ -6826,13 +6886,16 @@
                 </a:solidFill>
               </a:defRPr>
             </a:pPr>
+            <a:endParaRPr/>
           </a:p>
         </p:txBody>
       </p:sp>
       <p:sp>
         <p:nvSpPr>
           <p:cNvPr id="289" name="Shape 289"/>
-          <p:cNvSpPr/>
+          <p:cNvSpPr>
+            <a:spLocks noGrp="1"/>
+          </p:cNvSpPr>
           <p:nvPr>
             <p:ph type="body" sz="quarter" idx="17"/>
           </p:nvPr>
@@ -6857,6 +6920,7 @@
               <a:buNone/>
               <a:defRPr sz="1400"/>
             </a:pPr>
+            <a:endParaRPr/>
           </a:p>
         </p:txBody>
       </p:sp>
@@ -6886,7 +6950,7 @@
           <a:bodyPr lIns="45719" rIns="45719"/>
           <a:lstStyle/>
           <a:p>
-            <a:pPr/>
+            <a:endParaRPr/>
           </a:p>
         </p:txBody>
       </p:sp>
@@ -6916,14 +6980,16 @@
           <a:bodyPr lIns="45719" rIns="45719"/>
           <a:lstStyle/>
           <a:p>
-            <a:pPr/>
+            <a:endParaRPr/>
           </a:p>
         </p:txBody>
       </p:sp>
       <p:sp>
         <p:nvSpPr>
           <p:cNvPr id="292" name="Shape 292"/>
-          <p:cNvSpPr/>
+          <p:cNvSpPr>
+            <a:spLocks noGrp="1"/>
+          </p:cNvSpPr>
           <p:nvPr>
             <p:ph type="sldNum" sz="quarter" idx="2"/>
           </p:nvPr>
@@ -6937,8 +7003,10 @@
           <a:bodyPr/>
           <a:lstStyle/>
           <a:p>
-            <a:pPr/>
-            <a:fld id="{86CB4B4D-7CA3-9044-876B-883B54F8677D}" type="slidenum"/>
+            <a:fld id="{86CB4B4D-7CA3-9044-876B-883B54F8677D}" type="slidenum">
+              <a:t>‹#›</a:t>
+            </a:fld>
+            <a:endParaRPr/>
           </a:p>
         </p:txBody>
       </p:sp>
@@ -6947,12 +7015,12 @@
   <p:clrMapOvr>
     <a:masterClrMapping/>
   </p:clrMapOvr>
-  <p:transition xmlns:p14="http://schemas.microsoft.com/office/powerpoint/2010/main" spd="med" advClick="1"/>
+  <p:transition spd="med"/>
 </p:sldLayout>
 </file>
 
 <file path=ppt/slideLayouts/slideLayout15.xml><?xml version="1.0" encoding="utf-8"?>
-<p:sldLayout xmlns:a="http://schemas.openxmlformats.org/drawingml/2006/main" xmlns:r="http://schemas.openxmlformats.org/officeDocument/2006/relationships" xmlns:p="http://schemas.openxmlformats.org/presentationml/2006/main" type="tx" showMasterSp="0" showMasterPhAnim="1">
+<p:sldLayout xmlns:a="http://schemas.openxmlformats.org/drawingml/2006/main" xmlns:r="http://schemas.openxmlformats.org/officeDocument/2006/relationships" xmlns:p="http://schemas.openxmlformats.org/presentationml/2006/main" showMasterSp="0" type="tx">
   <p:cSld name="3 bildkolumner">
     <p:spTree>
       <p:nvGrpSpPr>
@@ -6998,7 +7066,7 @@
             </a:prstGeom>
             <a:blipFill rotWithShape="1">
               <a:blip r:embed="rId2"/>
-              <a:srcRect l="0" t="0" r="0" b="0"/>
+              <a:srcRect/>
               <a:stretch>
                 <a:fillRect/>
               </a:stretch>
@@ -7015,7 +7083,7 @@
             </a:bodyPr>
             <a:lstStyle/>
             <a:p>
-              <a:pPr/>
+              <a:endParaRPr/>
             </a:p>
           </p:txBody>
         </p:sp>
@@ -7067,7 +7135,7 @@
             </a:bodyPr>
             <a:lstStyle/>
             <a:p>
-              <a:pPr/>
+              <a:endParaRPr/>
             </a:p>
           </p:txBody>
         </p:sp>
@@ -7119,7 +7187,7 @@
             </a:bodyPr>
             <a:lstStyle/>
             <a:p>
-              <a:pPr/>
+              <a:endParaRPr/>
             </a:p>
           </p:txBody>
         </p:sp>
@@ -7171,7 +7239,7 @@
             </a:bodyPr>
             <a:lstStyle/>
             <a:p>
-              <a:pPr/>
+              <a:endParaRPr/>
             </a:p>
           </p:txBody>
         </p:sp>
@@ -7223,7 +7291,7 @@
             </a:bodyPr>
             <a:lstStyle/>
             <a:p>
-              <a:pPr/>
+              <a:endParaRPr/>
             </a:p>
           </p:txBody>
         </p:sp>
@@ -7275,7 +7343,7 @@
             </a:bodyPr>
             <a:lstStyle/>
             <a:p>
-              <a:pPr/>
+              <a:endParaRPr/>
             </a:p>
           </p:txBody>
         </p:sp>
@@ -7310,7 +7378,7 @@
               </a:cxnLst>
               <a:rect l="0" t="0" r="r" b="b"/>
               <a:pathLst>
-                <a:path w="21600" h="21572" fill="norm" stroke="1" extrusionOk="0">
+                <a:path w="21600" h="21572" extrusionOk="0">
                   <a:moveTo>
                     <a:pt x="184" y="10323"/>
                   </a:moveTo>
@@ -7443,7 +7511,7 @@
             </a:bodyPr>
             <a:lstStyle/>
             <a:p>
-              <a:pPr/>
+              <a:endParaRPr/>
             </a:p>
           </p:txBody>
         </p:sp>
@@ -7478,7 +7546,7 @@
               </a:cxnLst>
               <a:rect l="0" t="0" r="r" b="b"/>
               <a:pathLst>
-                <a:path w="21600" h="21600" fill="norm" stroke="1" extrusionOk="0">
+                <a:path w="21600" h="21600" extrusionOk="0">
                   <a:moveTo>
                     <a:pt x="0" y="0"/>
                   </a:moveTo>
@@ -7642,7 +7710,7 @@
             </a:bodyPr>
             <a:lstStyle/>
             <a:p>
-              <a:pPr/>
+              <a:endParaRPr/>
             </a:p>
           </p:txBody>
         </p:sp>
@@ -7677,7 +7745,7 @@
               </a:cxnLst>
               <a:rect l="0" t="0" r="r" b="b"/>
               <a:pathLst>
-                <a:path w="21600" h="21600" fill="norm" stroke="1" extrusionOk="0">
+                <a:path w="21600" h="21600" extrusionOk="0">
                   <a:moveTo>
                     <a:pt x="0" y="0"/>
                   </a:moveTo>
@@ -7728,7 +7796,7 @@
             </a:bodyPr>
             <a:lstStyle/>
             <a:p>
-              <a:pPr/>
+              <a:endParaRPr/>
             </a:p>
           </p:txBody>
         </p:sp>
@@ -7754,7 +7822,7 @@
             <a:miter lim="400000"/>
           </a:ln>
           <a:effectLst>
-            <a:outerShdw sx="100000" sy="100000" kx="0" ky="0" algn="b" rotWithShape="0" blurRad="38100" dist="25400" dir="5400000">
+            <a:outerShdw blurRad="38100" dist="25400" dir="5400000" rotWithShape="0">
               <a:srgbClr val="000000">
                 <a:alpha val="45000"/>
               </a:srgbClr>
@@ -7765,14 +7833,16 @@
           <a:bodyPr lIns="45719" rIns="45719"/>
           <a:lstStyle/>
           <a:p>
-            <a:pPr/>
+            <a:endParaRPr/>
           </a:p>
         </p:txBody>
       </p:sp>
       <p:sp>
         <p:nvSpPr>
           <p:cNvPr id="310" name="Shape 310"/>
-          <p:cNvSpPr/>
+          <p:cNvSpPr>
+            <a:spLocks noGrp="1"/>
+          </p:cNvSpPr>
           <p:nvPr>
             <p:ph type="title"/>
           </p:nvPr>
@@ -7788,11 +7858,10 @@
         </p:spPr>
         <p:txBody>
           <a:bodyPr>
-            <a:normAutofit fontScale="100000" lnSpcReduction="0"/>
+            <a:normAutofit/>
           </a:bodyPr>
           <a:lstStyle/>
           <a:p>
-            <a:pPr/>
             <a:r>
               <a:t>Titeltext</a:t>
             </a:r>
@@ -7802,7 +7871,9 @@
       <p:sp>
         <p:nvSpPr>
           <p:cNvPr id="311" name="Shape 311"/>
-          <p:cNvSpPr/>
+          <p:cNvSpPr>
+            <a:spLocks noGrp="1"/>
+          </p:cNvSpPr>
           <p:nvPr>
             <p:ph type="body" sz="quarter" idx="1"/>
           </p:nvPr>
@@ -7876,7 +7947,6 @@
             </a:lvl5pPr>
           </a:lstStyle>
           <a:p>
-            <a:pPr/>
             <a:r>
               <a:t>Brödtext nivå ett</a:t>
             </a:r>
@@ -7910,7 +7980,9 @@
       <p:sp>
         <p:nvSpPr>
           <p:cNvPr id="312" name="Shape 312"/>
-          <p:cNvSpPr/>
+          <p:cNvSpPr>
+            <a:spLocks noGrp="1"/>
+          </p:cNvSpPr>
           <p:nvPr>
             <p:ph type="pic" sz="quarter" idx="13"/>
           </p:nvPr>
@@ -7924,7 +7996,7 @@
             <a:avLst/>
           </a:prstGeom>
           <a:effectLst>
-            <a:outerShdw sx="100000" sy="100000" kx="0" ky="0" algn="b" rotWithShape="0" blurRad="50800" dist="50800" dir="5400000">
+            <a:outerShdw blurRad="50800" dist="50800" dir="5400000" rotWithShape="0">
               <a:srgbClr val="000000">
                 <a:alpha val="43000"/>
               </a:srgbClr>
@@ -7937,14 +8009,16 @@
           </a:bodyPr>
           <a:lstStyle/>
           <a:p>
-            <a:pPr/>
+            <a:endParaRPr/>
           </a:p>
         </p:txBody>
       </p:sp>
       <p:sp>
         <p:nvSpPr>
           <p:cNvPr id="313" name="Shape 313"/>
-          <p:cNvSpPr/>
+          <p:cNvSpPr>
+            <a:spLocks noGrp="1"/>
+          </p:cNvSpPr>
           <p:nvPr>
             <p:ph type="body" sz="quarter" idx="14"/>
           </p:nvPr>
@@ -7969,13 +8043,16 @@
               <a:buNone/>
               <a:defRPr sz="1400"/>
             </a:pPr>
+            <a:endParaRPr/>
           </a:p>
         </p:txBody>
       </p:sp>
       <p:sp>
         <p:nvSpPr>
           <p:cNvPr id="314" name="Shape 314"/>
-          <p:cNvSpPr/>
+          <p:cNvSpPr>
+            <a:spLocks noGrp="1"/>
+          </p:cNvSpPr>
           <p:nvPr>
             <p:ph type="body" sz="quarter" idx="15"/>
           </p:nvPr>
@@ -8004,13 +8081,16 @@
                 </a:solidFill>
               </a:defRPr>
             </a:pPr>
+            <a:endParaRPr/>
           </a:p>
         </p:txBody>
       </p:sp>
       <p:sp>
         <p:nvSpPr>
           <p:cNvPr id="315" name="Shape 315"/>
-          <p:cNvSpPr/>
+          <p:cNvSpPr>
+            <a:spLocks noGrp="1"/>
+          </p:cNvSpPr>
           <p:nvPr>
             <p:ph type="pic" sz="quarter" idx="16"/>
           </p:nvPr>
@@ -8024,7 +8104,7 @@
             <a:avLst/>
           </a:prstGeom>
           <a:effectLst>
-            <a:outerShdw sx="100000" sy="100000" kx="0" ky="0" algn="b" rotWithShape="0" blurRad="50800" dist="50800" dir="5400000">
+            <a:outerShdw blurRad="50800" dist="50800" dir="5400000" rotWithShape="0">
               <a:srgbClr val="000000">
                 <a:alpha val="43000"/>
               </a:srgbClr>
@@ -8037,14 +8117,16 @@
           </a:bodyPr>
           <a:lstStyle/>
           <a:p>
-            <a:pPr/>
+            <a:endParaRPr/>
           </a:p>
         </p:txBody>
       </p:sp>
       <p:sp>
         <p:nvSpPr>
           <p:cNvPr id="316" name="Shape 316"/>
-          <p:cNvSpPr/>
+          <p:cNvSpPr>
+            <a:spLocks noGrp="1"/>
+          </p:cNvSpPr>
           <p:nvPr>
             <p:ph type="body" sz="quarter" idx="17"/>
           </p:nvPr>
@@ -8069,13 +8151,16 @@
               <a:buNone/>
               <a:defRPr sz="1400"/>
             </a:pPr>
+            <a:endParaRPr/>
           </a:p>
         </p:txBody>
       </p:sp>
       <p:sp>
         <p:nvSpPr>
           <p:cNvPr id="317" name="Shape 317"/>
-          <p:cNvSpPr/>
+          <p:cNvSpPr>
+            <a:spLocks noGrp="1"/>
+          </p:cNvSpPr>
           <p:nvPr>
             <p:ph type="body" sz="quarter" idx="18"/>
           </p:nvPr>
@@ -8104,13 +8189,16 @@
                 </a:solidFill>
               </a:defRPr>
             </a:pPr>
+            <a:endParaRPr/>
           </a:p>
         </p:txBody>
       </p:sp>
       <p:sp>
         <p:nvSpPr>
           <p:cNvPr id="318" name="Shape 318"/>
-          <p:cNvSpPr/>
+          <p:cNvSpPr>
+            <a:spLocks noGrp="1"/>
+          </p:cNvSpPr>
           <p:nvPr>
             <p:ph type="pic" sz="quarter" idx="19"/>
           </p:nvPr>
@@ -8124,7 +8212,7 @@
             <a:avLst/>
           </a:prstGeom>
           <a:effectLst>
-            <a:outerShdw sx="100000" sy="100000" kx="0" ky="0" algn="b" rotWithShape="0" blurRad="50800" dist="50800" dir="5400000">
+            <a:outerShdw blurRad="50800" dist="50800" dir="5400000" rotWithShape="0">
               <a:srgbClr val="000000">
                 <a:alpha val="43000"/>
               </a:srgbClr>
@@ -8137,14 +8225,16 @@
           </a:bodyPr>
           <a:lstStyle/>
           <a:p>
-            <a:pPr/>
+            <a:endParaRPr/>
           </a:p>
         </p:txBody>
       </p:sp>
       <p:sp>
         <p:nvSpPr>
           <p:cNvPr id="319" name="Shape 319"/>
-          <p:cNvSpPr/>
+          <p:cNvSpPr>
+            <a:spLocks noGrp="1"/>
+          </p:cNvSpPr>
           <p:nvPr>
             <p:ph type="body" sz="quarter" idx="20"/>
           </p:nvPr>
@@ -8169,6 +8259,7 @@
               <a:buNone/>
               <a:defRPr sz="1400"/>
             </a:pPr>
+            <a:endParaRPr/>
           </a:p>
         </p:txBody>
       </p:sp>
@@ -8198,7 +8289,7 @@
           <a:bodyPr lIns="45719" rIns="45719"/>
           <a:lstStyle/>
           <a:p>
-            <a:pPr/>
+            <a:endParaRPr/>
           </a:p>
         </p:txBody>
       </p:sp>
@@ -8228,14 +8319,16 @@
           <a:bodyPr lIns="45719" rIns="45719"/>
           <a:lstStyle/>
           <a:p>
-            <a:pPr/>
+            <a:endParaRPr/>
           </a:p>
         </p:txBody>
       </p:sp>
       <p:sp>
         <p:nvSpPr>
           <p:cNvPr id="322" name="Shape 322"/>
-          <p:cNvSpPr/>
+          <p:cNvSpPr>
+            <a:spLocks noGrp="1"/>
+          </p:cNvSpPr>
           <p:nvPr>
             <p:ph type="sldNum" sz="quarter" idx="2"/>
           </p:nvPr>
@@ -8249,8 +8342,10 @@
           <a:bodyPr/>
           <a:lstStyle/>
           <a:p>
-            <a:pPr/>
-            <a:fld id="{86CB4B4D-7CA3-9044-876B-883B54F8677D}" type="slidenum"/>
+            <a:fld id="{86CB4B4D-7CA3-9044-876B-883B54F8677D}" type="slidenum">
+              <a:t>‹#›</a:t>
+            </a:fld>
+            <a:endParaRPr/>
           </a:p>
         </p:txBody>
       </p:sp>
@@ -8259,12 +8354,12 @@
   <p:clrMapOvr>
     <a:masterClrMapping/>
   </p:clrMapOvr>
-  <p:transition xmlns:p14="http://schemas.microsoft.com/office/powerpoint/2010/main" spd="med" advClick="1"/>
+  <p:transition spd="med"/>
 </p:sldLayout>
 </file>
 
 <file path=ppt/slideLayouts/slideLayout16.xml><?xml version="1.0" encoding="utf-8"?>
-<p:sldLayout xmlns:a="http://schemas.openxmlformats.org/drawingml/2006/main" xmlns:r="http://schemas.openxmlformats.org/officeDocument/2006/relationships" xmlns:p="http://schemas.openxmlformats.org/presentationml/2006/main" type="tx" showMasterSp="0" showMasterPhAnim="1">
+<p:sldLayout xmlns:a="http://schemas.openxmlformats.org/drawingml/2006/main" xmlns:r="http://schemas.openxmlformats.org/officeDocument/2006/relationships" xmlns:p="http://schemas.openxmlformats.org/presentationml/2006/main" showMasterSp="0" type="tx">
   <p:cSld name="Rubrik och lodrät text">
     <p:spTree>
       <p:nvGrpSpPr>
@@ -8310,7 +8405,7 @@
             </a:prstGeom>
             <a:blipFill rotWithShape="1">
               <a:blip r:embed="rId2"/>
-              <a:srcRect l="0" t="0" r="0" b="0"/>
+              <a:srcRect/>
               <a:stretch>
                 <a:fillRect/>
               </a:stretch>
@@ -8327,7 +8422,7 @@
             </a:bodyPr>
             <a:lstStyle/>
             <a:p>
-              <a:pPr/>
+              <a:endParaRPr/>
             </a:p>
           </p:txBody>
         </p:sp>
@@ -8379,7 +8474,7 @@
             </a:bodyPr>
             <a:lstStyle/>
             <a:p>
-              <a:pPr/>
+              <a:endParaRPr/>
             </a:p>
           </p:txBody>
         </p:sp>
@@ -8431,7 +8526,7 @@
             </a:bodyPr>
             <a:lstStyle/>
             <a:p>
-              <a:pPr/>
+              <a:endParaRPr/>
             </a:p>
           </p:txBody>
         </p:sp>
@@ -8483,7 +8578,7 @@
             </a:bodyPr>
             <a:lstStyle/>
             <a:p>
-              <a:pPr/>
+              <a:endParaRPr/>
             </a:p>
           </p:txBody>
         </p:sp>
@@ -8535,7 +8630,7 @@
             </a:bodyPr>
             <a:lstStyle/>
             <a:p>
-              <a:pPr/>
+              <a:endParaRPr/>
             </a:p>
           </p:txBody>
         </p:sp>
@@ -8587,7 +8682,7 @@
             </a:bodyPr>
             <a:lstStyle/>
             <a:p>
-              <a:pPr/>
+              <a:endParaRPr/>
             </a:p>
           </p:txBody>
         </p:sp>
@@ -8622,7 +8717,7 @@
               </a:cxnLst>
               <a:rect l="0" t="0" r="r" b="b"/>
               <a:pathLst>
-                <a:path w="21600" h="21572" fill="norm" stroke="1" extrusionOk="0">
+                <a:path w="21600" h="21572" extrusionOk="0">
                   <a:moveTo>
                     <a:pt x="184" y="10323"/>
                   </a:moveTo>
@@ -8755,7 +8850,7 @@
             </a:bodyPr>
             <a:lstStyle/>
             <a:p>
-              <a:pPr/>
+              <a:endParaRPr/>
             </a:p>
           </p:txBody>
         </p:sp>
@@ -8790,7 +8885,7 @@
               </a:cxnLst>
               <a:rect l="0" t="0" r="r" b="b"/>
               <a:pathLst>
-                <a:path w="21600" h="21600" fill="norm" stroke="1" extrusionOk="0">
+                <a:path w="21600" h="21600" extrusionOk="0">
                   <a:moveTo>
                     <a:pt x="0" y="0"/>
                   </a:moveTo>
@@ -8954,7 +9049,7 @@
             </a:bodyPr>
             <a:lstStyle/>
             <a:p>
-              <a:pPr/>
+              <a:endParaRPr/>
             </a:p>
           </p:txBody>
         </p:sp>
@@ -8989,7 +9084,7 @@
               </a:cxnLst>
               <a:rect l="0" t="0" r="r" b="b"/>
               <a:pathLst>
-                <a:path w="21600" h="21600" fill="norm" stroke="1" extrusionOk="0">
+                <a:path w="21600" h="21600" extrusionOk="0">
                   <a:moveTo>
                     <a:pt x="0" y="0"/>
                   </a:moveTo>
@@ -9040,7 +9135,7 @@
             </a:bodyPr>
             <a:lstStyle/>
             <a:p>
-              <a:pPr/>
+              <a:endParaRPr/>
             </a:p>
           </p:txBody>
         </p:sp>
@@ -9066,7 +9161,7 @@
             <a:miter lim="400000"/>
           </a:ln>
           <a:effectLst>
-            <a:outerShdw sx="100000" sy="100000" kx="0" ky="0" algn="b" rotWithShape="0" blurRad="38100" dist="25400" dir="5400000">
+            <a:outerShdw blurRad="38100" dist="25400" dir="5400000" rotWithShape="0">
               <a:srgbClr val="000000">
                 <a:alpha val="45000"/>
               </a:srgbClr>
@@ -9077,14 +9172,16 @@
           <a:bodyPr lIns="45719" rIns="45719"/>
           <a:lstStyle/>
           <a:p>
-            <a:pPr/>
+            <a:endParaRPr/>
           </a:p>
         </p:txBody>
       </p:sp>
       <p:sp>
         <p:nvSpPr>
           <p:cNvPr id="340" name="Shape 340"/>
-          <p:cNvSpPr/>
+          <p:cNvSpPr>
+            <a:spLocks noGrp="1"/>
+          </p:cNvSpPr>
           <p:nvPr>
             <p:ph type="title"/>
           </p:nvPr>
@@ -9100,11 +9197,10 @@
         </p:spPr>
         <p:txBody>
           <a:bodyPr>
-            <a:normAutofit fontScale="100000" lnSpcReduction="0"/>
+            <a:normAutofit/>
           </a:bodyPr>
           <a:lstStyle/>
           <a:p>
-            <a:pPr/>
             <a:r>
               <a:t>Titeltext</a:t>
             </a:r>
@@ -9114,7 +9210,9 @@
       <p:sp>
         <p:nvSpPr>
           <p:cNvPr id="341" name="Shape 341"/>
-          <p:cNvSpPr/>
+          <p:cNvSpPr>
+            <a:spLocks noGrp="1"/>
+          </p:cNvSpPr>
           <p:nvPr>
             <p:ph type="body" sz="half" idx="1"/>
           </p:nvPr>
@@ -9132,7 +9230,6 @@
           <a:bodyPr/>
           <a:lstStyle/>
           <a:p>
-            <a:pPr/>
             <a:r>
               <a:t>Brödtext nivå ett</a:t>
             </a:r>
@@ -9166,7 +9263,9 @@
       <p:sp>
         <p:nvSpPr>
           <p:cNvPr id="342" name="Shape 342"/>
-          <p:cNvSpPr/>
+          <p:cNvSpPr>
+            <a:spLocks noGrp="1"/>
+          </p:cNvSpPr>
           <p:nvPr>
             <p:ph type="sldNum" sz="quarter" idx="2"/>
           </p:nvPr>
@@ -9180,8 +9279,10 @@
           <a:bodyPr/>
           <a:lstStyle/>
           <a:p>
-            <a:pPr/>
-            <a:fld id="{86CB4B4D-7CA3-9044-876B-883B54F8677D}" type="slidenum"/>
+            <a:fld id="{86CB4B4D-7CA3-9044-876B-883B54F8677D}" type="slidenum">
+              <a:t>‹#›</a:t>
+            </a:fld>
+            <a:endParaRPr/>
           </a:p>
         </p:txBody>
       </p:sp>
@@ -9190,12 +9291,12 @@
   <p:clrMapOvr>
     <a:masterClrMapping/>
   </p:clrMapOvr>
-  <p:transition xmlns:p14="http://schemas.microsoft.com/office/powerpoint/2010/main" spd="med" advClick="1"/>
+  <p:transition spd="med"/>
 </p:sldLayout>
 </file>
 
 <file path=ppt/slideLayouts/slideLayout17.xml><?xml version="1.0" encoding="utf-8"?>
-<p:sldLayout xmlns:a="http://schemas.openxmlformats.org/drawingml/2006/main" xmlns:r="http://schemas.openxmlformats.org/officeDocument/2006/relationships" xmlns:p="http://schemas.openxmlformats.org/presentationml/2006/main" type="tx" showMasterSp="0" showMasterPhAnim="1">
+<p:sldLayout xmlns:a="http://schemas.openxmlformats.org/drawingml/2006/main" xmlns:r="http://schemas.openxmlformats.org/officeDocument/2006/relationships" xmlns:p="http://schemas.openxmlformats.org/presentationml/2006/main" showMasterSp="0" type="tx">
   <p:cSld name="Lodrät rubrik och text">
     <p:spTree>
       <p:nvGrpSpPr>
@@ -9241,7 +9342,7 @@
             </a:prstGeom>
             <a:blipFill rotWithShape="1">
               <a:blip r:embed="rId2"/>
-              <a:srcRect l="0" t="0" r="0" b="0"/>
+              <a:srcRect/>
               <a:stretch>
                 <a:fillRect/>
               </a:stretch>
@@ -9258,7 +9359,7 @@
             </a:bodyPr>
             <a:lstStyle/>
             <a:p>
-              <a:pPr/>
+              <a:endParaRPr/>
             </a:p>
           </p:txBody>
         </p:sp>
@@ -9310,7 +9411,7 @@
             </a:bodyPr>
             <a:lstStyle/>
             <a:p>
-              <a:pPr/>
+              <a:endParaRPr/>
             </a:p>
           </p:txBody>
         </p:sp>
@@ -9362,7 +9463,7 @@
             </a:bodyPr>
             <a:lstStyle/>
             <a:p>
-              <a:pPr/>
+              <a:endParaRPr/>
             </a:p>
           </p:txBody>
         </p:sp>
@@ -9414,7 +9515,7 @@
             </a:bodyPr>
             <a:lstStyle/>
             <a:p>
-              <a:pPr/>
+              <a:endParaRPr/>
             </a:p>
           </p:txBody>
         </p:sp>
@@ -9466,7 +9567,7 @@
             </a:bodyPr>
             <a:lstStyle/>
             <a:p>
-              <a:pPr/>
+              <a:endParaRPr/>
             </a:p>
           </p:txBody>
         </p:sp>
@@ -9518,7 +9619,7 @@
             </a:bodyPr>
             <a:lstStyle/>
             <a:p>
-              <a:pPr/>
+              <a:endParaRPr/>
             </a:p>
           </p:txBody>
         </p:sp>
@@ -9551,7 +9652,7 @@
             </a:bodyPr>
             <a:lstStyle/>
             <a:p>
-              <a:pPr/>
+              <a:endParaRPr/>
             </a:p>
           </p:txBody>
         </p:sp>
@@ -9586,7 +9687,7 @@
               </a:cxnLst>
               <a:rect l="0" t="0" r="r" b="b"/>
               <a:pathLst>
-                <a:path w="21600" h="21572" fill="norm" stroke="1" extrusionOk="0">
+                <a:path w="21600" h="21572" extrusionOk="0">
                   <a:moveTo>
                     <a:pt x="184" y="10323"/>
                   </a:moveTo>
@@ -9719,7 +9820,7 @@
             </a:bodyPr>
             <a:lstStyle/>
             <a:p>
-              <a:pPr/>
+              <a:endParaRPr/>
             </a:p>
           </p:txBody>
         </p:sp>
@@ -9754,7 +9855,7 @@
               </a:cxnLst>
               <a:rect l="0" t="0" r="r" b="b"/>
               <a:pathLst>
-                <a:path w="21600" h="21600" fill="norm" stroke="1" extrusionOk="0">
+                <a:path w="21600" h="21600" extrusionOk="0">
                   <a:moveTo>
                     <a:pt x="0" y="0"/>
                   </a:moveTo>
@@ -9921,7 +10022,7 @@
             </a:bodyPr>
             <a:lstStyle/>
             <a:p>
-              <a:pPr/>
+              <a:endParaRPr/>
             </a:p>
           </p:txBody>
         </p:sp>
@@ -9956,7 +10057,7 @@
               </a:cxnLst>
               <a:rect l="0" t="0" r="r" b="b"/>
               <a:pathLst>
-                <a:path w="21600" h="21600" fill="norm" stroke="1" extrusionOk="0">
+                <a:path w="21600" h="21600" extrusionOk="0">
                   <a:moveTo>
                     <a:pt x="0" y="0"/>
                   </a:moveTo>
@@ -10007,7 +10108,7 @@
             </a:bodyPr>
             <a:lstStyle/>
             <a:p>
-              <a:pPr/>
+              <a:endParaRPr/>
             </a:p>
           </p:txBody>
         </p:sp>
@@ -10015,7 +10116,9 @@
       <p:sp>
         <p:nvSpPr>
           <p:cNvPr id="360" name="Shape 360"/>
-          <p:cNvSpPr/>
+          <p:cNvSpPr>
+            <a:spLocks noGrp="1"/>
+          </p:cNvSpPr>
           <p:nvPr>
             <p:ph type="title"/>
           </p:nvPr>
@@ -10031,11 +10134,10 @@
         </p:spPr>
         <p:txBody>
           <a:bodyPr anchor="b">
-            <a:normAutofit fontScale="100000" lnSpcReduction="0"/>
+            <a:normAutofit/>
           </a:bodyPr>
           <a:lstStyle/>
           <a:p>
-            <a:pPr/>
             <a:r>
               <a:t>Titeltext</a:t>
             </a:r>
@@ -10045,7 +10147,9 @@
       <p:sp>
         <p:nvSpPr>
           <p:cNvPr id="361" name="Shape 361"/>
-          <p:cNvSpPr/>
+          <p:cNvSpPr>
+            <a:spLocks noGrp="1"/>
+          </p:cNvSpPr>
           <p:nvPr>
             <p:ph type="body" sz="half" idx="1"/>
           </p:nvPr>
@@ -10063,7 +10167,6 @@
           <a:bodyPr/>
           <a:lstStyle/>
           <a:p>
-            <a:pPr/>
             <a:r>
               <a:t>Brödtext nivå ett</a:t>
             </a:r>
@@ -10115,7 +10218,7 @@
             <a:miter lim="400000"/>
           </a:ln>
           <a:effectLst>
-            <a:outerShdw sx="100000" sy="100000" kx="0" ky="0" algn="b" rotWithShape="0" blurRad="38100" dist="25400" dir="5400000">
+            <a:outerShdw blurRad="38100" dist="25400" dir="5400000" rotWithShape="0">
               <a:srgbClr val="000000">
                 <a:alpha val="45000"/>
               </a:srgbClr>
@@ -10126,14 +10229,16 @@
           <a:bodyPr lIns="45719" rIns="45719"/>
           <a:lstStyle/>
           <a:p>
-            <a:pPr/>
+            <a:endParaRPr/>
           </a:p>
         </p:txBody>
       </p:sp>
       <p:sp>
         <p:nvSpPr>
           <p:cNvPr id="363" name="Shape 363"/>
-          <p:cNvSpPr/>
+          <p:cNvSpPr>
+            <a:spLocks noGrp="1"/>
+          </p:cNvSpPr>
           <p:nvPr>
             <p:ph type="sldNum" sz="quarter" idx="2"/>
           </p:nvPr>
@@ -10147,8 +10252,10 @@
           <a:bodyPr/>
           <a:lstStyle/>
           <a:p>
-            <a:pPr/>
-            <a:fld id="{86CB4B4D-7CA3-9044-876B-883B54F8677D}" type="slidenum"/>
+            <a:fld id="{86CB4B4D-7CA3-9044-876B-883B54F8677D}" type="slidenum">
+              <a:t>‹#›</a:t>
+            </a:fld>
+            <a:endParaRPr/>
           </a:p>
         </p:txBody>
       </p:sp>
@@ -10157,12 +10264,12 @@
   <p:clrMapOvr>
     <a:masterClrMapping/>
   </p:clrMapOvr>
-  <p:transition xmlns:p14="http://schemas.microsoft.com/office/powerpoint/2010/main" spd="med" advClick="1"/>
+  <p:transition spd="med"/>
 </p:sldLayout>
 </file>
 
 <file path=ppt/slideLayouts/slideLayout18.xml><?xml version="1.0" encoding="utf-8"?>
-<p:sldLayout xmlns:a="http://schemas.openxmlformats.org/drawingml/2006/main" xmlns:r="http://schemas.openxmlformats.org/officeDocument/2006/relationships" xmlns:p="http://schemas.openxmlformats.org/presentationml/2006/main" type="tx" showMasterSp="0" showMasterPhAnim="1">
+<p:sldLayout xmlns:a="http://schemas.openxmlformats.org/drawingml/2006/main" xmlns:r="http://schemas.openxmlformats.org/officeDocument/2006/relationships" xmlns:p="http://schemas.openxmlformats.org/presentationml/2006/main" showMasterSp="0" type="tx">
   <p:cSld name="Rubrik och innehåll">
     <p:spTree>
       <p:nvGrpSpPr>
@@ -10208,7 +10315,7 @@
             </a:prstGeom>
             <a:blipFill rotWithShape="1">
               <a:blip r:embed="rId2"/>
-              <a:srcRect l="0" t="0" r="0" b="0"/>
+              <a:srcRect/>
               <a:stretch>
                 <a:fillRect/>
               </a:stretch>
@@ -10225,7 +10332,7 @@
             </a:bodyPr>
             <a:lstStyle/>
             <a:p>
-              <a:pPr/>
+              <a:endParaRPr/>
             </a:p>
           </p:txBody>
         </p:sp>
@@ -10277,7 +10384,7 @@
             </a:bodyPr>
             <a:lstStyle/>
             <a:p>
-              <a:pPr/>
+              <a:endParaRPr/>
             </a:p>
           </p:txBody>
         </p:sp>
@@ -10329,7 +10436,7 @@
             </a:bodyPr>
             <a:lstStyle/>
             <a:p>
-              <a:pPr/>
+              <a:endParaRPr/>
             </a:p>
           </p:txBody>
         </p:sp>
@@ -10381,7 +10488,7 @@
             </a:bodyPr>
             <a:lstStyle/>
             <a:p>
-              <a:pPr/>
+              <a:endParaRPr/>
             </a:p>
           </p:txBody>
         </p:sp>
@@ -10433,7 +10540,7 @@
             </a:bodyPr>
             <a:lstStyle/>
             <a:p>
-              <a:pPr/>
+              <a:endParaRPr/>
             </a:p>
           </p:txBody>
         </p:sp>
@@ -10485,7 +10592,7 @@
             </a:bodyPr>
             <a:lstStyle/>
             <a:p>
-              <a:pPr/>
+              <a:endParaRPr/>
             </a:p>
           </p:txBody>
         </p:sp>
@@ -10520,7 +10627,7 @@
               </a:cxnLst>
               <a:rect l="0" t="0" r="r" b="b"/>
               <a:pathLst>
-                <a:path w="21600" h="21572" fill="norm" stroke="1" extrusionOk="0">
+                <a:path w="21600" h="21572" extrusionOk="0">
                   <a:moveTo>
                     <a:pt x="184" y="10323"/>
                   </a:moveTo>
@@ -10653,7 +10760,7 @@
             </a:bodyPr>
             <a:lstStyle/>
             <a:p>
-              <a:pPr/>
+              <a:endParaRPr/>
             </a:p>
           </p:txBody>
         </p:sp>
@@ -10688,7 +10795,7 @@
               </a:cxnLst>
               <a:rect l="0" t="0" r="r" b="b"/>
               <a:pathLst>
-                <a:path w="21600" h="21600" fill="norm" stroke="1" extrusionOk="0">
+                <a:path w="21600" h="21600" extrusionOk="0">
                   <a:moveTo>
                     <a:pt x="0" y="0"/>
                   </a:moveTo>
@@ -10852,7 +10959,7 @@
             </a:bodyPr>
             <a:lstStyle/>
             <a:p>
-              <a:pPr/>
+              <a:endParaRPr/>
             </a:p>
           </p:txBody>
         </p:sp>
@@ -10887,7 +10994,7 @@
               </a:cxnLst>
               <a:rect l="0" t="0" r="r" b="b"/>
               <a:pathLst>
-                <a:path w="21600" h="21600" fill="norm" stroke="1" extrusionOk="0">
+                <a:path w="21600" h="21600" extrusionOk="0">
                   <a:moveTo>
                     <a:pt x="0" y="0"/>
                   </a:moveTo>
@@ -10938,7 +11045,7 @@
             </a:bodyPr>
             <a:lstStyle/>
             <a:p>
-              <a:pPr/>
+              <a:endParaRPr/>
             </a:p>
           </p:txBody>
         </p:sp>
@@ -10964,7 +11071,7 @@
             <a:miter lim="400000"/>
           </a:ln>
           <a:effectLst>
-            <a:outerShdw sx="100000" sy="100000" kx="0" ky="0" algn="b" rotWithShape="0" blurRad="38100" dist="25400" dir="5400000">
+            <a:outerShdw blurRad="38100" dist="25400" dir="5400000" rotWithShape="0">
               <a:srgbClr val="000000">
                 <a:alpha val="45000"/>
               </a:srgbClr>
@@ -10975,14 +11082,16 @@
           <a:bodyPr lIns="45719" rIns="45719"/>
           <a:lstStyle/>
           <a:p>
-            <a:pPr/>
+            <a:endParaRPr/>
           </a:p>
         </p:txBody>
       </p:sp>
       <p:sp>
         <p:nvSpPr>
           <p:cNvPr id="381" name="Shape 381"/>
-          <p:cNvSpPr/>
+          <p:cNvSpPr>
+            <a:spLocks noGrp="1"/>
+          </p:cNvSpPr>
           <p:nvPr>
             <p:ph type="title"/>
           </p:nvPr>
@@ -10998,11 +11107,10 @@
         </p:spPr>
         <p:txBody>
           <a:bodyPr>
-            <a:normAutofit fontScale="100000" lnSpcReduction="0"/>
+            <a:normAutofit/>
           </a:bodyPr>
           <a:lstStyle/>
           <a:p>
-            <a:pPr/>
             <a:r>
               <a:t>Titeltext</a:t>
             </a:r>
@@ -11012,7 +11120,9 @@
       <p:sp>
         <p:nvSpPr>
           <p:cNvPr id="382" name="Shape 382"/>
-          <p:cNvSpPr/>
+          <p:cNvSpPr>
+            <a:spLocks noGrp="1"/>
+          </p:cNvSpPr>
           <p:nvPr>
             <p:ph type="body" sz="half" idx="1"/>
           </p:nvPr>
@@ -11030,7 +11140,6 @@
           <a:bodyPr/>
           <a:lstStyle/>
           <a:p>
-            <a:pPr/>
             <a:r>
               <a:t>Brödtext nivå ett</a:t>
             </a:r>
@@ -11064,7 +11173,9 @@
       <p:sp>
         <p:nvSpPr>
           <p:cNvPr id="383" name="Shape 383"/>
-          <p:cNvSpPr/>
+          <p:cNvSpPr>
+            <a:spLocks noGrp="1"/>
+          </p:cNvSpPr>
           <p:nvPr>
             <p:ph type="sldNum" sz="quarter" idx="2"/>
           </p:nvPr>
@@ -11078,8 +11189,10 @@
           <a:bodyPr/>
           <a:lstStyle/>
           <a:p>
-            <a:pPr/>
-            <a:fld id="{86CB4B4D-7CA3-9044-876B-883B54F8677D}" type="slidenum"/>
+            <a:fld id="{86CB4B4D-7CA3-9044-876B-883B54F8677D}" type="slidenum">
+              <a:t>‹#›</a:t>
+            </a:fld>
+            <a:endParaRPr/>
           </a:p>
         </p:txBody>
       </p:sp>
@@ -11088,12 +11201,12 @@
   <p:clrMapOvr>
     <a:masterClrMapping/>
   </p:clrMapOvr>
-  <p:transition xmlns:p14="http://schemas.microsoft.com/office/powerpoint/2010/main" spd="med" advClick="1"/>
+  <p:transition spd="med"/>
 </p:sldLayout>
 </file>
 
 <file path=ppt/slideLayouts/slideLayout2.xml><?xml version="1.0" encoding="utf-8"?>
-<p:sldLayout xmlns:a="http://schemas.openxmlformats.org/drawingml/2006/main" xmlns:r="http://schemas.openxmlformats.org/officeDocument/2006/relationships" xmlns:p="http://schemas.openxmlformats.org/presentationml/2006/main" type="tx" showMasterSp="0" showMasterPhAnim="1">
+<p:sldLayout xmlns:a="http://schemas.openxmlformats.org/drawingml/2006/main" xmlns:r="http://schemas.openxmlformats.org/officeDocument/2006/relationships" xmlns:p="http://schemas.openxmlformats.org/presentationml/2006/main" showMasterSp="0" type="tx">
   <p:cSld name="Rubrik och innehåll">
     <p:spTree>
       <p:nvGrpSpPr>
@@ -11139,7 +11252,7 @@
             </a:prstGeom>
             <a:blipFill rotWithShape="1">
               <a:blip r:embed="rId2"/>
-              <a:srcRect l="0" t="0" r="0" b="0"/>
+              <a:srcRect/>
               <a:stretch>
                 <a:fillRect/>
               </a:stretch>
@@ -11156,7 +11269,7 @@
             </a:bodyPr>
             <a:lstStyle/>
             <a:p>
-              <a:pPr/>
+              <a:endParaRPr/>
             </a:p>
           </p:txBody>
         </p:sp>
@@ -11208,7 +11321,7 @@
             </a:bodyPr>
             <a:lstStyle/>
             <a:p>
-              <a:pPr/>
+              <a:endParaRPr/>
             </a:p>
           </p:txBody>
         </p:sp>
@@ -11260,7 +11373,7 @@
             </a:bodyPr>
             <a:lstStyle/>
             <a:p>
-              <a:pPr/>
+              <a:endParaRPr/>
             </a:p>
           </p:txBody>
         </p:sp>
@@ -11312,7 +11425,7 @@
             </a:bodyPr>
             <a:lstStyle/>
             <a:p>
-              <a:pPr/>
+              <a:endParaRPr/>
             </a:p>
           </p:txBody>
         </p:sp>
@@ -11364,7 +11477,7 @@
             </a:bodyPr>
             <a:lstStyle/>
             <a:p>
-              <a:pPr/>
+              <a:endParaRPr/>
             </a:p>
           </p:txBody>
         </p:sp>
@@ -11416,7 +11529,7 @@
             </a:bodyPr>
             <a:lstStyle/>
             <a:p>
-              <a:pPr/>
+              <a:endParaRPr/>
             </a:p>
           </p:txBody>
         </p:sp>
@@ -11451,7 +11564,7 @@
               </a:cxnLst>
               <a:rect l="0" t="0" r="r" b="b"/>
               <a:pathLst>
-                <a:path w="21600" h="21572" fill="norm" stroke="1" extrusionOk="0">
+                <a:path w="21600" h="21572" extrusionOk="0">
                   <a:moveTo>
                     <a:pt x="184" y="10323"/>
                   </a:moveTo>
@@ -11584,7 +11697,7 @@
             </a:bodyPr>
             <a:lstStyle/>
             <a:p>
-              <a:pPr/>
+              <a:endParaRPr/>
             </a:p>
           </p:txBody>
         </p:sp>
@@ -11619,7 +11732,7 @@
               </a:cxnLst>
               <a:rect l="0" t="0" r="r" b="b"/>
               <a:pathLst>
-                <a:path w="21600" h="21600" fill="norm" stroke="1" extrusionOk="0">
+                <a:path w="21600" h="21600" extrusionOk="0">
                   <a:moveTo>
                     <a:pt x="0" y="0"/>
                   </a:moveTo>
@@ -11783,7 +11896,7 @@
             </a:bodyPr>
             <a:lstStyle/>
             <a:p>
-              <a:pPr/>
+              <a:endParaRPr/>
             </a:p>
           </p:txBody>
         </p:sp>
@@ -11818,7 +11931,7 @@
               </a:cxnLst>
               <a:rect l="0" t="0" r="r" b="b"/>
               <a:pathLst>
-                <a:path w="21600" h="21600" fill="norm" stroke="1" extrusionOk="0">
+                <a:path w="21600" h="21600" extrusionOk="0">
                   <a:moveTo>
                     <a:pt x="0" y="0"/>
                   </a:moveTo>
@@ -11869,7 +11982,7 @@
             </a:bodyPr>
             <a:lstStyle/>
             <a:p>
-              <a:pPr/>
+              <a:endParaRPr/>
             </a:p>
           </p:txBody>
         </p:sp>
@@ -11895,7 +12008,7 @@
             <a:miter lim="400000"/>
           </a:ln>
           <a:effectLst>
-            <a:outerShdw sx="100000" sy="100000" kx="0" ky="0" algn="b" rotWithShape="0" blurRad="38100" dist="25400" dir="5400000">
+            <a:outerShdw blurRad="38100" dist="25400" dir="5400000" rotWithShape="0">
               <a:srgbClr val="000000">
                 <a:alpha val="45000"/>
               </a:srgbClr>
@@ -11906,14 +12019,16 @@
           <a:bodyPr lIns="45719" rIns="45719"/>
           <a:lstStyle/>
           <a:p>
-            <a:pPr/>
+            <a:endParaRPr/>
           </a:p>
         </p:txBody>
       </p:sp>
       <p:sp>
         <p:nvSpPr>
           <p:cNvPr id="36" name="Shape 36"/>
-          <p:cNvSpPr/>
+          <p:cNvSpPr>
+            <a:spLocks noGrp="1"/>
+          </p:cNvSpPr>
           <p:nvPr>
             <p:ph type="title"/>
           </p:nvPr>
@@ -11929,11 +12044,10 @@
         </p:spPr>
         <p:txBody>
           <a:bodyPr>
-            <a:normAutofit fontScale="100000" lnSpcReduction="0"/>
+            <a:normAutofit/>
           </a:bodyPr>
           <a:lstStyle/>
           <a:p>
-            <a:pPr/>
             <a:r>
               <a:t>Titeltext</a:t>
             </a:r>
@@ -11943,7 +12057,9 @@
       <p:sp>
         <p:nvSpPr>
           <p:cNvPr id="37" name="Shape 37"/>
-          <p:cNvSpPr/>
+          <p:cNvSpPr>
+            <a:spLocks noGrp="1"/>
+          </p:cNvSpPr>
           <p:nvPr>
             <p:ph type="body" sz="half" idx="1"/>
           </p:nvPr>
@@ -11961,7 +12077,6 @@
           <a:bodyPr/>
           <a:lstStyle/>
           <a:p>
-            <a:pPr/>
             <a:r>
               <a:t>Brödtext nivå ett</a:t>
             </a:r>
@@ -11995,7 +12110,9 @@
       <p:sp>
         <p:nvSpPr>
           <p:cNvPr id="38" name="Shape 38"/>
-          <p:cNvSpPr/>
+          <p:cNvSpPr>
+            <a:spLocks noGrp="1"/>
+          </p:cNvSpPr>
           <p:nvPr>
             <p:ph type="sldNum" sz="quarter" idx="2"/>
           </p:nvPr>
@@ -12009,8 +12126,10 @@
           <a:bodyPr/>
           <a:lstStyle/>
           <a:p>
-            <a:pPr/>
-            <a:fld id="{86CB4B4D-7CA3-9044-876B-883B54F8677D}" type="slidenum"/>
+            <a:fld id="{86CB4B4D-7CA3-9044-876B-883B54F8677D}" type="slidenum">
+              <a:t>‹#›</a:t>
+            </a:fld>
+            <a:endParaRPr/>
           </a:p>
         </p:txBody>
       </p:sp>
@@ -12019,12 +12138,12 @@
   <p:clrMapOvr>
     <a:masterClrMapping/>
   </p:clrMapOvr>
-  <p:transition xmlns:p14="http://schemas.microsoft.com/office/powerpoint/2010/main" spd="med" advClick="1"/>
+  <p:transition spd="med"/>
 </p:sldLayout>
 </file>
 
 <file path=ppt/slideLayouts/slideLayout3.xml><?xml version="1.0" encoding="utf-8"?>
-<p:sldLayout xmlns:a="http://schemas.openxmlformats.org/drawingml/2006/main" xmlns:r="http://schemas.openxmlformats.org/officeDocument/2006/relationships" xmlns:p="http://schemas.openxmlformats.org/presentationml/2006/main" type="tx" showMasterSp="0" showMasterPhAnim="1">
+<p:sldLayout xmlns:a="http://schemas.openxmlformats.org/drawingml/2006/main" xmlns:r="http://schemas.openxmlformats.org/officeDocument/2006/relationships" xmlns:p="http://schemas.openxmlformats.org/presentationml/2006/main" showMasterSp="0" type="tx">
   <p:cSld name="Avsnittsrubrik">
     <p:spTree>
       <p:nvGrpSpPr>
@@ -12070,7 +12189,7 @@
             </a:prstGeom>
             <a:blipFill rotWithShape="1">
               <a:blip r:embed="rId2"/>
-              <a:srcRect l="0" t="0" r="0" b="0"/>
+              <a:srcRect/>
               <a:stretch>
                 <a:fillRect/>
               </a:stretch>
@@ -12087,7 +12206,7 @@
             </a:bodyPr>
             <a:lstStyle/>
             <a:p>
-              <a:pPr/>
+              <a:endParaRPr/>
             </a:p>
           </p:txBody>
         </p:sp>
@@ -12139,7 +12258,7 @@
             </a:bodyPr>
             <a:lstStyle/>
             <a:p>
-              <a:pPr/>
+              <a:endParaRPr/>
             </a:p>
           </p:txBody>
         </p:sp>
@@ -12191,7 +12310,7 @@
             </a:bodyPr>
             <a:lstStyle/>
             <a:p>
-              <a:pPr/>
+              <a:endParaRPr/>
             </a:p>
           </p:txBody>
         </p:sp>
@@ -12243,7 +12362,7 @@
             </a:bodyPr>
             <a:lstStyle/>
             <a:p>
-              <a:pPr/>
+              <a:endParaRPr/>
             </a:p>
           </p:txBody>
         </p:sp>
@@ -12295,7 +12414,7 @@
             </a:bodyPr>
             <a:lstStyle/>
             <a:p>
-              <a:pPr/>
+              <a:endParaRPr/>
             </a:p>
           </p:txBody>
         </p:sp>
@@ -12347,7 +12466,7 @@
             </a:bodyPr>
             <a:lstStyle/>
             <a:p>
-              <a:pPr/>
+              <a:endParaRPr/>
             </a:p>
           </p:txBody>
         </p:sp>
@@ -12380,7 +12499,7 @@
             </a:bodyPr>
             <a:lstStyle/>
             <a:p>
-              <a:pPr/>
+              <a:endParaRPr/>
             </a:p>
           </p:txBody>
         </p:sp>
@@ -12415,7 +12534,7 @@
               </a:cxnLst>
               <a:rect l="0" t="0" r="r" b="b"/>
               <a:pathLst>
-                <a:path w="21600" h="21600" fill="norm" stroke="1" extrusionOk="0">
+                <a:path w="21600" h="21600" extrusionOk="0">
                   <a:moveTo>
                     <a:pt x="0" y="0"/>
                   </a:moveTo>
@@ -12582,7 +12701,7 @@
             </a:bodyPr>
             <a:lstStyle/>
             <a:p>
-              <a:pPr/>
+              <a:endParaRPr/>
             </a:p>
           </p:txBody>
         </p:sp>
@@ -12617,7 +12736,7 @@
               </a:cxnLst>
               <a:rect l="0" t="0" r="r" b="b"/>
               <a:pathLst>
-                <a:path w="21600" h="21572" fill="norm" stroke="1" extrusionOk="0">
+                <a:path w="21600" h="21572" extrusionOk="0">
                   <a:moveTo>
                     <a:pt x="184" y="10323"/>
                   </a:moveTo>
@@ -12750,7 +12869,7 @@
             </a:bodyPr>
             <a:lstStyle/>
             <a:p>
-              <a:pPr/>
+              <a:endParaRPr/>
             </a:p>
           </p:txBody>
         </p:sp>
@@ -12785,7 +12904,7 @@
               </a:cxnLst>
               <a:rect l="0" t="0" r="r" b="b"/>
               <a:pathLst>
-                <a:path w="21600" h="21600" fill="norm" stroke="1" extrusionOk="0">
+                <a:path w="21600" h="21600" extrusionOk="0">
                   <a:moveTo>
                     <a:pt x="0" y="0"/>
                   </a:moveTo>
@@ -12836,7 +12955,7 @@
             </a:bodyPr>
             <a:lstStyle/>
             <a:p>
-              <a:pPr/>
+              <a:endParaRPr/>
             </a:p>
           </p:txBody>
         </p:sp>
@@ -12844,7 +12963,9 @@
       <p:sp>
         <p:nvSpPr>
           <p:cNvPr id="56" name="Shape 56"/>
-          <p:cNvSpPr/>
+          <p:cNvSpPr>
+            <a:spLocks noGrp="1"/>
+          </p:cNvSpPr>
           <p:nvPr>
             <p:ph type="title"/>
           </p:nvPr>
@@ -12860,7 +12981,7 @@
         </p:spPr>
         <p:txBody>
           <a:bodyPr>
-            <a:normAutofit fontScale="100000" lnSpcReduction="0"/>
+            <a:normAutofit/>
           </a:bodyPr>
           <a:lstStyle>
             <a:lvl1pPr>
@@ -12868,7 +12989,6 @@
             </a:lvl1pPr>
           </a:lstStyle>
           <a:p>
-            <a:pPr/>
             <a:r>
               <a:t>Titeltext</a:t>
             </a:r>
@@ -12878,7 +12998,9 @@
       <p:sp>
         <p:nvSpPr>
           <p:cNvPr id="57" name="Shape 57"/>
-          <p:cNvSpPr/>
+          <p:cNvSpPr>
+            <a:spLocks noGrp="1"/>
+          </p:cNvSpPr>
           <p:nvPr>
             <p:ph type="body" sz="quarter" idx="1"/>
           </p:nvPr>
@@ -12900,7 +13022,7 @@
               <a:buSzTx/>
               <a:buFontTx/>
               <a:buNone/>
-              <a:defRPr cap="all" sz="2000">
+              <a:defRPr sz="2000" cap="all">
                 <a:solidFill>
                   <a:srgbClr val="EF53A5"/>
                 </a:solidFill>
@@ -12911,7 +13033,7 @@
               <a:buSzTx/>
               <a:buFontTx/>
               <a:buNone/>
-              <a:defRPr cap="all" sz="2000">
+              <a:defRPr sz="2000" cap="all">
                 <a:solidFill>
                   <a:srgbClr val="EF53A5"/>
                 </a:solidFill>
@@ -12922,7 +13044,7 @@
               <a:buSzTx/>
               <a:buFontTx/>
               <a:buNone/>
-              <a:defRPr cap="all" sz="2000">
+              <a:defRPr sz="2000" cap="all">
                 <a:solidFill>
                   <a:srgbClr val="EF53A5"/>
                 </a:solidFill>
@@ -12933,7 +13055,7 @@
               <a:buSzTx/>
               <a:buFontTx/>
               <a:buNone/>
-              <a:defRPr cap="all" sz="2000">
+              <a:defRPr sz="2000" cap="all">
                 <a:solidFill>
                   <a:srgbClr val="EF53A5"/>
                 </a:solidFill>
@@ -12944,7 +13066,7 @@
               <a:buSzTx/>
               <a:buFontTx/>
               <a:buNone/>
-              <a:defRPr cap="all" sz="2000">
+              <a:defRPr sz="2000" cap="all">
                 <a:solidFill>
                   <a:srgbClr val="EF53A5"/>
                 </a:solidFill>
@@ -12952,7 +13074,6 @@
             </a:lvl5pPr>
           </a:lstStyle>
           <a:p>
-            <a:pPr/>
             <a:r>
               <a:t>Brödtext nivå ett</a:t>
             </a:r>
@@ -13004,7 +13125,7 @@
             <a:miter lim="400000"/>
           </a:ln>
           <a:effectLst>
-            <a:outerShdw sx="100000" sy="100000" kx="0" ky="0" algn="b" rotWithShape="0" blurRad="38100" dist="25400" dir="5400000">
+            <a:outerShdw blurRad="38100" dist="25400" dir="5400000" rotWithShape="0">
               <a:srgbClr val="000000">
                 <a:alpha val="45000"/>
               </a:srgbClr>
@@ -13015,14 +13136,16 @@
           <a:bodyPr lIns="45719" rIns="45719"/>
           <a:lstStyle/>
           <a:p>
-            <a:pPr/>
+            <a:endParaRPr/>
           </a:p>
         </p:txBody>
       </p:sp>
       <p:sp>
         <p:nvSpPr>
           <p:cNvPr id="59" name="Shape 59"/>
-          <p:cNvSpPr/>
+          <p:cNvSpPr>
+            <a:spLocks noGrp="1"/>
+          </p:cNvSpPr>
           <p:nvPr>
             <p:ph type="sldNum" sz="quarter" idx="2"/>
           </p:nvPr>
@@ -13036,8 +13159,10 @@
           <a:bodyPr/>
           <a:lstStyle/>
           <a:p>
-            <a:pPr/>
-            <a:fld id="{86CB4B4D-7CA3-9044-876B-883B54F8677D}" type="slidenum"/>
+            <a:fld id="{86CB4B4D-7CA3-9044-876B-883B54F8677D}" type="slidenum">
+              <a:t>‹#›</a:t>
+            </a:fld>
+            <a:endParaRPr/>
           </a:p>
         </p:txBody>
       </p:sp>
@@ -13046,12 +13171,12 @@
   <p:clrMapOvr>
     <a:masterClrMapping/>
   </p:clrMapOvr>
-  <p:transition xmlns:p14="http://schemas.microsoft.com/office/powerpoint/2010/main" spd="med" advClick="1"/>
+  <p:transition spd="med"/>
 </p:sldLayout>
 </file>
 
 <file path=ppt/slideLayouts/slideLayout4.xml><?xml version="1.0" encoding="utf-8"?>
-<p:sldLayout xmlns:a="http://schemas.openxmlformats.org/drawingml/2006/main" xmlns:r="http://schemas.openxmlformats.org/officeDocument/2006/relationships" xmlns:p="http://schemas.openxmlformats.org/presentationml/2006/main" type="tx" showMasterSp="0" showMasterPhAnim="1">
+<p:sldLayout xmlns:a="http://schemas.openxmlformats.org/drawingml/2006/main" xmlns:r="http://schemas.openxmlformats.org/officeDocument/2006/relationships" xmlns:p="http://schemas.openxmlformats.org/presentationml/2006/main" showMasterSp="0" type="tx">
   <p:cSld name="Två innehållsdelar">
     <p:spTree>
       <p:nvGrpSpPr>
@@ -13097,7 +13222,7 @@
             </a:prstGeom>
             <a:blipFill rotWithShape="1">
               <a:blip r:embed="rId2"/>
-              <a:srcRect l="0" t="0" r="0" b="0"/>
+              <a:srcRect/>
               <a:stretch>
                 <a:fillRect/>
               </a:stretch>
@@ -13114,7 +13239,7 @@
             </a:bodyPr>
             <a:lstStyle/>
             <a:p>
-              <a:pPr/>
+              <a:endParaRPr/>
             </a:p>
           </p:txBody>
         </p:sp>
@@ -13166,7 +13291,7 @@
             </a:bodyPr>
             <a:lstStyle/>
             <a:p>
-              <a:pPr/>
+              <a:endParaRPr/>
             </a:p>
           </p:txBody>
         </p:sp>
@@ -13218,7 +13343,7 @@
             </a:bodyPr>
             <a:lstStyle/>
             <a:p>
-              <a:pPr/>
+              <a:endParaRPr/>
             </a:p>
           </p:txBody>
         </p:sp>
@@ -13270,7 +13395,7 @@
             </a:bodyPr>
             <a:lstStyle/>
             <a:p>
-              <a:pPr/>
+              <a:endParaRPr/>
             </a:p>
           </p:txBody>
         </p:sp>
@@ -13322,7 +13447,7 @@
             </a:bodyPr>
             <a:lstStyle/>
             <a:p>
-              <a:pPr/>
+              <a:endParaRPr/>
             </a:p>
           </p:txBody>
         </p:sp>
@@ -13374,7 +13499,7 @@
             </a:bodyPr>
             <a:lstStyle/>
             <a:p>
-              <a:pPr/>
+              <a:endParaRPr/>
             </a:p>
           </p:txBody>
         </p:sp>
@@ -13409,7 +13534,7 @@
               </a:cxnLst>
               <a:rect l="0" t="0" r="r" b="b"/>
               <a:pathLst>
-                <a:path w="21600" h="21572" fill="norm" stroke="1" extrusionOk="0">
+                <a:path w="21600" h="21572" extrusionOk="0">
                   <a:moveTo>
                     <a:pt x="184" y="10323"/>
                   </a:moveTo>
@@ -13542,7 +13667,7 @@
             </a:bodyPr>
             <a:lstStyle/>
             <a:p>
-              <a:pPr/>
+              <a:endParaRPr/>
             </a:p>
           </p:txBody>
         </p:sp>
@@ -13577,7 +13702,7 @@
               </a:cxnLst>
               <a:rect l="0" t="0" r="r" b="b"/>
               <a:pathLst>
-                <a:path w="21600" h="21600" fill="norm" stroke="1" extrusionOk="0">
+                <a:path w="21600" h="21600" extrusionOk="0">
                   <a:moveTo>
                     <a:pt x="0" y="0"/>
                   </a:moveTo>
@@ -13741,7 +13866,7 @@
             </a:bodyPr>
             <a:lstStyle/>
             <a:p>
-              <a:pPr/>
+              <a:endParaRPr/>
             </a:p>
           </p:txBody>
         </p:sp>
@@ -13776,7 +13901,7 @@
               </a:cxnLst>
               <a:rect l="0" t="0" r="r" b="b"/>
               <a:pathLst>
-                <a:path w="21600" h="21600" fill="norm" stroke="1" extrusionOk="0">
+                <a:path w="21600" h="21600" extrusionOk="0">
                   <a:moveTo>
                     <a:pt x="0" y="0"/>
                   </a:moveTo>
@@ -13827,7 +13952,7 @@
             </a:bodyPr>
             <a:lstStyle/>
             <a:p>
-              <a:pPr/>
+              <a:endParaRPr/>
             </a:p>
           </p:txBody>
         </p:sp>
@@ -13853,7 +13978,7 @@
             <a:miter lim="400000"/>
           </a:ln>
           <a:effectLst>
-            <a:outerShdw sx="100000" sy="100000" kx="0" ky="0" algn="b" rotWithShape="0" blurRad="38100" dist="25400" dir="5400000">
+            <a:outerShdw blurRad="38100" dist="25400" dir="5400000" rotWithShape="0">
               <a:srgbClr val="000000">
                 <a:alpha val="45000"/>
               </a:srgbClr>
@@ -13864,14 +13989,16 @@
           <a:bodyPr lIns="45719" rIns="45719"/>
           <a:lstStyle/>
           <a:p>
-            <a:pPr/>
+            <a:endParaRPr/>
           </a:p>
         </p:txBody>
       </p:sp>
       <p:sp>
         <p:nvSpPr>
           <p:cNvPr id="77" name="Shape 77"/>
-          <p:cNvSpPr/>
+          <p:cNvSpPr>
+            <a:spLocks noGrp="1"/>
+          </p:cNvSpPr>
           <p:nvPr>
             <p:ph type="title"/>
           </p:nvPr>
@@ -13887,11 +14014,10 @@
         </p:spPr>
         <p:txBody>
           <a:bodyPr>
-            <a:normAutofit fontScale="100000" lnSpcReduction="0"/>
+            <a:normAutofit/>
           </a:bodyPr>
           <a:lstStyle/>
           <a:p>
-            <a:pPr/>
             <a:r>
               <a:t>Titeltext</a:t>
             </a:r>
@@ -13901,7 +14027,9 @@
       <p:sp>
         <p:nvSpPr>
           <p:cNvPr id="78" name="Shape 78"/>
-          <p:cNvSpPr/>
+          <p:cNvSpPr>
+            <a:spLocks noGrp="1"/>
+          </p:cNvSpPr>
           <p:nvPr>
             <p:ph type="body" sz="quarter" idx="1"/>
           </p:nvPr>
@@ -13919,7 +14047,6 @@
           <a:bodyPr/>
           <a:lstStyle/>
           <a:p>
-            <a:pPr/>
             <a:r>
               <a:t>Brödtext nivå ett</a:t>
             </a:r>
@@ -13953,7 +14080,9 @@
       <p:sp>
         <p:nvSpPr>
           <p:cNvPr id="79" name="Shape 79"/>
-          <p:cNvSpPr/>
+          <p:cNvSpPr>
+            <a:spLocks noGrp="1"/>
+          </p:cNvSpPr>
           <p:nvPr>
             <p:ph type="sldNum" sz="quarter" idx="2"/>
           </p:nvPr>
@@ -13967,8 +14096,10 @@
           <a:bodyPr/>
           <a:lstStyle/>
           <a:p>
-            <a:pPr/>
-            <a:fld id="{86CB4B4D-7CA3-9044-876B-883B54F8677D}" type="slidenum"/>
+            <a:fld id="{86CB4B4D-7CA3-9044-876B-883B54F8677D}" type="slidenum">
+              <a:t>‹#›</a:t>
+            </a:fld>
+            <a:endParaRPr/>
           </a:p>
         </p:txBody>
       </p:sp>
@@ -13977,12 +14108,12 @@
   <p:clrMapOvr>
     <a:masterClrMapping/>
   </p:clrMapOvr>
-  <p:transition xmlns:p14="http://schemas.microsoft.com/office/powerpoint/2010/main" spd="med" advClick="1"/>
+  <p:transition spd="med"/>
 </p:sldLayout>
 </file>
 
 <file path=ppt/slideLayouts/slideLayout5.xml><?xml version="1.0" encoding="utf-8"?>
-<p:sldLayout xmlns:a="http://schemas.openxmlformats.org/drawingml/2006/main" xmlns:r="http://schemas.openxmlformats.org/officeDocument/2006/relationships" xmlns:p="http://schemas.openxmlformats.org/presentationml/2006/main" type="tx" showMasterSp="0" showMasterPhAnim="1">
+<p:sldLayout xmlns:a="http://schemas.openxmlformats.org/drawingml/2006/main" xmlns:r="http://schemas.openxmlformats.org/officeDocument/2006/relationships" xmlns:p="http://schemas.openxmlformats.org/presentationml/2006/main" showMasterSp="0" type="tx">
   <p:cSld name="Jämförelse">
     <p:spTree>
       <p:nvGrpSpPr>
@@ -14028,7 +14159,7 @@
             </a:prstGeom>
             <a:blipFill rotWithShape="1">
               <a:blip r:embed="rId2"/>
-              <a:srcRect l="0" t="0" r="0" b="0"/>
+              <a:srcRect/>
               <a:stretch>
                 <a:fillRect/>
               </a:stretch>
@@ -14045,7 +14176,7 @@
             </a:bodyPr>
             <a:lstStyle/>
             <a:p>
-              <a:pPr/>
+              <a:endParaRPr/>
             </a:p>
           </p:txBody>
         </p:sp>
@@ -14097,7 +14228,7 @@
             </a:bodyPr>
             <a:lstStyle/>
             <a:p>
-              <a:pPr/>
+              <a:endParaRPr/>
             </a:p>
           </p:txBody>
         </p:sp>
@@ -14149,7 +14280,7 @@
             </a:bodyPr>
             <a:lstStyle/>
             <a:p>
-              <a:pPr/>
+              <a:endParaRPr/>
             </a:p>
           </p:txBody>
         </p:sp>
@@ -14201,7 +14332,7 @@
             </a:bodyPr>
             <a:lstStyle/>
             <a:p>
-              <a:pPr/>
+              <a:endParaRPr/>
             </a:p>
           </p:txBody>
         </p:sp>
@@ -14253,7 +14384,7 @@
             </a:bodyPr>
             <a:lstStyle/>
             <a:p>
-              <a:pPr/>
+              <a:endParaRPr/>
             </a:p>
           </p:txBody>
         </p:sp>
@@ -14305,7 +14436,7 @@
             </a:bodyPr>
             <a:lstStyle/>
             <a:p>
-              <a:pPr/>
+              <a:endParaRPr/>
             </a:p>
           </p:txBody>
         </p:sp>
@@ -14340,7 +14471,7 @@
               </a:cxnLst>
               <a:rect l="0" t="0" r="r" b="b"/>
               <a:pathLst>
-                <a:path w="21600" h="21572" fill="norm" stroke="1" extrusionOk="0">
+                <a:path w="21600" h="21572" extrusionOk="0">
                   <a:moveTo>
                     <a:pt x="184" y="10323"/>
                   </a:moveTo>
@@ -14473,7 +14604,7 @@
             </a:bodyPr>
             <a:lstStyle/>
             <a:p>
-              <a:pPr/>
+              <a:endParaRPr/>
             </a:p>
           </p:txBody>
         </p:sp>
@@ -14508,7 +14639,7 @@
               </a:cxnLst>
               <a:rect l="0" t="0" r="r" b="b"/>
               <a:pathLst>
-                <a:path w="21600" h="21600" fill="norm" stroke="1" extrusionOk="0">
+                <a:path w="21600" h="21600" extrusionOk="0">
                   <a:moveTo>
                     <a:pt x="0" y="0"/>
                   </a:moveTo>
@@ -14672,7 +14803,7 @@
             </a:bodyPr>
             <a:lstStyle/>
             <a:p>
-              <a:pPr/>
+              <a:endParaRPr/>
             </a:p>
           </p:txBody>
         </p:sp>
@@ -14707,7 +14838,7 @@
               </a:cxnLst>
               <a:rect l="0" t="0" r="r" b="b"/>
               <a:pathLst>
-                <a:path w="21600" h="21600" fill="norm" stroke="1" extrusionOk="0">
+                <a:path w="21600" h="21600" extrusionOk="0">
                   <a:moveTo>
                     <a:pt x="0" y="0"/>
                   </a:moveTo>
@@ -14758,7 +14889,7 @@
             </a:bodyPr>
             <a:lstStyle/>
             <a:p>
-              <a:pPr/>
+              <a:endParaRPr/>
             </a:p>
           </p:txBody>
         </p:sp>
@@ -14784,7 +14915,7 @@
             <a:miter lim="400000"/>
           </a:ln>
           <a:effectLst>
-            <a:outerShdw sx="100000" sy="100000" kx="0" ky="0" algn="b" rotWithShape="0" blurRad="38100" dist="25400" dir="5400000">
+            <a:outerShdw blurRad="38100" dist="25400" dir="5400000" rotWithShape="0">
               <a:srgbClr val="000000">
                 <a:alpha val="45000"/>
               </a:srgbClr>
@@ -14795,14 +14926,16 @@
           <a:bodyPr lIns="45719" rIns="45719"/>
           <a:lstStyle/>
           <a:p>
-            <a:pPr/>
+            <a:endParaRPr/>
           </a:p>
         </p:txBody>
       </p:sp>
       <p:sp>
         <p:nvSpPr>
           <p:cNvPr id="97" name="Shape 97"/>
-          <p:cNvSpPr/>
+          <p:cNvSpPr>
+            <a:spLocks noGrp="1"/>
+          </p:cNvSpPr>
           <p:nvPr>
             <p:ph type="title"/>
           </p:nvPr>
@@ -14818,11 +14951,10 @@
         </p:spPr>
         <p:txBody>
           <a:bodyPr>
-            <a:normAutofit fontScale="100000" lnSpcReduction="0"/>
+            <a:normAutofit/>
           </a:bodyPr>
           <a:lstStyle/>
           <a:p>
-            <a:pPr/>
             <a:r>
               <a:t>Titeltext</a:t>
             </a:r>
@@ -14832,7 +14964,9 @@
       <p:sp>
         <p:nvSpPr>
           <p:cNvPr id="98" name="Shape 98"/>
-          <p:cNvSpPr/>
+          <p:cNvSpPr>
+            <a:spLocks noGrp="1"/>
+          </p:cNvSpPr>
           <p:nvPr>
             <p:ph type="body" sz="quarter" idx="1"/>
           </p:nvPr>
@@ -14906,7 +15040,6 @@
             </a:lvl5pPr>
           </a:lstStyle>
           <a:p>
-            <a:pPr/>
             <a:r>
               <a:t>Brödtext nivå ett</a:t>
             </a:r>
@@ -14940,7 +15073,9 @@
       <p:sp>
         <p:nvSpPr>
           <p:cNvPr id="99" name="Shape 99"/>
-          <p:cNvSpPr/>
+          <p:cNvSpPr>
+            <a:spLocks noGrp="1"/>
+          </p:cNvSpPr>
           <p:nvPr>
             <p:ph type="body" sz="quarter" idx="13"/>
           </p:nvPr>
@@ -14969,13 +15104,16 @@
                 </a:solidFill>
               </a:defRPr>
             </a:pPr>
+            <a:endParaRPr/>
           </a:p>
         </p:txBody>
       </p:sp>
       <p:sp>
         <p:nvSpPr>
           <p:cNvPr id="100" name="Shape 100"/>
-          <p:cNvSpPr/>
+          <p:cNvSpPr>
+            <a:spLocks noGrp="1"/>
+          </p:cNvSpPr>
           <p:nvPr>
             <p:ph type="sldNum" sz="quarter" idx="2"/>
           </p:nvPr>
@@ -14989,8 +15127,10 @@
           <a:bodyPr/>
           <a:lstStyle/>
           <a:p>
-            <a:pPr/>
-            <a:fld id="{86CB4B4D-7CA3-9044-876B-883B54F8677D}" type="slidenum"/>
+            <a:fld id="{86CB4B4D-7CA3-9044-876B-883B54F8677D}" type="slidenum">
+              <a:t>‹#›</a:t>
+            </a:fld>
+            <a:endParaRPr/>
           </a:p>
         </p:txBody>
       </p:sp>
@@ -14999,12 +15139,12 @@
   <p:clrMapOvr>
     <a:masterClrMapping/>
   </p:clrMapOvr>
-  <p:transition xmlns:p14="http://schemas.microsoft.com/office/powerpoint/2010/main" spd="med" advClick="1"/>
+  <p:transition spd="med"/>
 </p:sldLayout>
 </file>
 
 <file path=ppt/slideLayouts/slideLayout6.xml><?xml version="1.0" encoding="utf-8"?>
-<p:sldLayout xmlns:a="http://schemas.openxmlformats.org/drawingml/2006/main" xmlns:r="http://schemas.openxmlformats.org/officeDocument/2006/relationships" xmlns:p="http://schemas.openxmlformats.org/presentationml/2006/main" type="tx" showMasterSp="0" showMasterPhAnim="1">
+<p:sldLayout xmlns:a="http://schemas.openxmlformats.org/drawingml/2006/main" xmlns:r="http://schemas.openxmlformats.org/officeDocument/2006/relationships" xmlns:p="http://schemas.openxmlformats.org/presentationml/2006/main" showMasterSp="0" type="tx">
   <p:cSld name="Endast rubrik">
     <p:spTree>
       <p:nvGrpSpPr>
@@ -15050,7 +15190,7 @@
             </a:prstGeom>
             <a:blipFill rotWithShape="1">
               <a:blip r:embed="rId2"/>
-              <a:srcRect l="0" t="0" r="0" b="0"/>
+              <a:srcRect/>
               <a:stretch>
                 <a:fillRect/>
               </a:stretch>
@@ -15067,7 +15207,7 @@
             </a:bodyPr>
             <a:lstStyle/>
             <a:p>
-              <a:pPr/>
+              <a:endParaRPr/>
             </a:p>
           </p:txBody>
         </p:sp>
@@ -15119,7 +15259,7 @@
             </a:bodyPr>
             <a:lstStyle/>
             <a:p>
-              <a:pPr/>
+              <a:endParaRPr/>
             </a:p>
           </p:txBody>
         </p:sp>
@@ -15171,7 +15311,7 @@
             </a:bodyPr>
             <a:lstStyle/>
             <a:p>
-              <a:pPr/>
+              <a:endParaRPr/>
             </a:p>
           </p:txBody>
         </p:sp>
@@ -15223,7 +15363,7 @@
             </a:bodyPr>
             <a:lstStyle/>
             <a:p>
-              <a:pPr/>
+              <a:endParaRPr/>
             </a:p>
           </p:txBody>
         </p:sp>
@@ -15275,7 +15415,7 @@
             </a:bodyPr>
             <a:lstStyle/>
             <a:p>
-              <a:pPr/>
+              <a:endParaRPr/>
             </a:p>
           </p:txBody>
         </p:sp>
@@ -15327,7 +15467,7 @@
             </a:bodyPr>
             <a:lstStyle/>
             <a:p>
-              <a:pPr/>
+              <a:endParaRPr/>
             </a:p>
           </p:txBody>
         </p:sp>
@@ -15362,7 +15502,7 @@
               </a:cxnLst>
               <a:rect l="0" t="0" r="r" b="b"/>
               <a:pathLst>
-                <a:path w="21600" h="21572" fill="norm" stroke="1" extrusionOk="0">
+                <a:path w="21600" h="21572" extrusionOk="0">
                   <a:moveTo>
                     <a:pt x="184" y="10323"/>
                   </a:moveTo>
@@ -15495,7 +15635,7 @@
             </a:bodyPr>
             <a:lstStyle/>
             <a:p>
-              <a:pPr/>
+              <a:endParaRPr/>
             </a:p>
           </p:txBody>
         </p:sp>
@@ -15530,7 +15670,7 @@
               </a:cxnLst>
               <a:rect l="0" t="0" r="r" b="b"/>
               <a:pathLst>
-                <a:path w="21600" h="21600" fill="norm" stroke="1" extrusionOk="0">
+                <a:path w="21600" h="21600" extrusionOk="0">
                   <a:moveTo>
                     <a:pt x="0" y="0"/>
                   </a:moveTo>
@@ -15694,7 +15834,7 @@
             </a:bodyPr>
             <a:lstStyle/>
             <a:p>
-              <a:pPr/>
+              <a:endParaRPr/>
             </a:p>
           </p:txBody>
         </p:sp>
@@ -15729,7 +15869,7 @@
               </a:cxnLst>
               <a:rect l="0" t="0" r="r" b="b"/>
               <a:pathLst>
-                <a:path w="21600" h="21600" fill="norm" stroke="1" extrusionOk="0">
+                <a:path w="21600" h="21600" extrusionOk="0">
                   <a:moveTo>
                     <a:pt x="0" y="0"/>
                   </a:moveTo>
@@ -15780,7 +15920,7 @@
             </a:bodyPr>
             <a:lstStyle/>
             <a:p>
-              <a:pPr/>
+              <a:endParaRPr/>
             </a:p>
           </p:txBody>
         </p:sp>
@@ -15806,7 +15946,7 @@
             <a:miter lim="400000"/>
           </a:ln>
           <a:effectLst>
-            <a:outerShdw sx="100000" sy="100000" kx="0" ky="0" algn="b" rotWithShape="0" blurRad="38100" dist="25400" dir="5400000">
+            <a:outerShdw blurRad="38100" dist="25400" dir="5400000" rotWithShape="0">
               <a:srgbClr val="000000">
                 <a:alpha val="45000"/>
               </a:srgbClr>
@@ -15817,14 +15957,16 @@
           <a:bodyPr lIns="45719" rIns="45719"/>
           <a:lstStyle/>
           <a:p>
-            <a:pPr/>
+            <a:endParaRPr/>
           </a:p>
         </p:txBody>
       </p:sp>
       <p:sp>
         <p:nvSpPr>
           <p:cNvPr id="118" name="Shape 118"/>
-          <p:cNvSpPr/>
+          <p:cNvSpPr>
+            <a:spLocks noGrp="1"/>
+          </p:cNvSpPr>
           <p:nvPr>
             <p:ph type="title"/>
           </p:nvPr>
@@ -15840,11 +15982,10 @@
         </p:spPr>
         <p:txBody>
           <a:bodyPr>
-            <a:normAutofit fontScale="100000" lnSpcReduction="0"/>
+            <a:normAutofit/>
           </a:bodyPr>
           <a:lstStyle/>
           <a:p>
-            <a:pPr/>
             <a:r>
               <a:t>Titeltext</a:t>
             </a:r>
@@ -15854,7 +15995,9 @@
       <p:sp>
         <p:nvSpPr>
           <p:cNvPr id="119" name="Shape 119"/>
-          <p:cNvSpPr/>
+          <p:cNvSpPr>
+            <a:spLocks noGrp="1"/>
+          </p:cNvSpPr>
           <p:nvPr>
             <p:ph type="sldNum" sz="quarter" idx="2"/>
           </p:nvPr>
@@ -15868,8 +16011,10 @@
           <a:bodyPr/>
           <a:lstStyle/>
           <a:p>
-            <a:pPr/>
-            <a:fld id="{86CB4B4D-7CA3-9044-876B-883B54F8677D}" type="slidenum"/>
+            <a:fld id="{86CB4B4D-7CA3-9044-876B-883B54F8677D}" type="slidenum">
+              <a:t>‹#›</a:t>
+            </a:fld>
+            <a:endParaRPr/>
           </a:p>
         </p:txBody>
       </p:sp>
@@ -15878,12 +16023,12 @@
   <p:clrMapOvr>
     <a:masterClrMapping/>
   </p:clrMapOvr>
-  <p:transition xmlns:p14="http://schemas.microsoft.com/office/powerpoint/2010/main" spd="med" advClick="1"/>
+  <p:transition spd="med"/>
 </p:sldLayout>
 </file>
 
 <file path=ppt/slideLayouts/slideLayout7.xml><?xml version="1.0" encoding="utf-8"?>
-<p:sldLayout xmlns:a="http://schemas.openxmlformats.org/drawingml/2006/main" xmlns:r="http://schemas.openxmlformats.org/officeDocument/2006/relationships" xmlns:p="http://schemas.openxmlformats.org/presentationml/2006/main" type="tx" showMasterSp="1" showMasterPhAnim="1">
+<p:sldLayout xmlns:a="http://schemas.openxmlformats.org/drawingml/2006/main" xmlns:r="http://schemas.openxmlformats.org/officeDocument/2006/relationships" xmlns:p="http://schemas.openxmlformats.org/presentationml/2006/main" type="tx">
   <p:cSld name="Tom">
     <p:spTree>
       <p:nvGrpSpPr>
@@ -15902,7 +16047,9 @@
       <p:sp>
         <p:nvSpPr>
           <p:cNvPr id="126" name="Shape 126"/>
-          <p:cNvSpPr/>
+          <p:cNvSpPr>
+            <a:spLocks noGrp="1"/>
+          </p:cNvSpPr>
           <p:nvPr>
             <p:ph type="sldNum" sz="quarter" idx="2"/>
           </p:nvPr>
@@ -15916,8 +16063,10 @@
           <a:bodyPr/>
           <a:lstStyle/>
           <a:p>
-            <a:pPr/>
-            <a:fld id="{86CB4B4D-7CA3-9044-876B-883B54F8677D}" type="slidenum"/>
+            <a:fld id="{86CB4B4D-7CA3-9044-876B-883B54F8677D}" type="slidenum">
+              <a:t>‹#›</a:t>
+            </a:fld>
+            <a:endParaRPr/>
           </a:p>
         </p:txBody>
       </p:sp>
@@ -15926,12 +16075,12 @@
   <p:clrMapOvr>
     <a:masterClrMapping/>
   </p:clrMapOvr>
-  <p:transition xmlns:p14="http://schemas.microsoft.com/office/powerpoint/2010/main" spd="med" advClick="1"/>
+  <p:transition spd="med"/>
 </p:sldLayout>
 </file>
 
 <file path=ppt/slideLayouts/slideLayout8.xml><?xml version="1.0" encoding="utf-8"?>
-<p:sldLayout xmlns:a="http://schemas.openxmlformats.org/drawingml/2006/main" xmlns:r="http://schemas.openxmlformats.org/officeDocument/2006/relationships" xmlns:p="http://schemas.openxmlformats.org/presentationml/2006/main" type="tx" showMasterSp="0" showMasterPhAnim="1">
+<p:sldLayout xmlns:a="http://schemas.openxmlformats.org/drawingml/2006/main" xmlns:r="http://schemas.openxmlformats.org/officeDocument/2006/relationships" xmlns:p="http://schemas.openxmlformats.org/presentationml/2006/main" showMasterSp="0" type="tx">
   <p:cSld name="Innehåll med bildtext">
     <p:spTree>
       <p:nvGrpSpPr>
@@ -15977,7 +16126,7 @@
             </a:prstGeom>
             <a:blipFill rotWithShape="1">
               <a:blip r:embed="rId2"/>
-              <a:srcRect l="0" t="0" r="0" b="0"/>
+              <a:srcRect/>
               <a:stretch>
                 <a:fillRect/>
               </a:stretch>
@@ -15994,7 +16143,7 @@
             </a:bodyPr>
             <a:lstStyle/>
             <a:p>
-              <a:pPr/>
+              <a:endParaRPr/>
             </a:p>
           </p:txBody>
         </p:sp>
@@ -16046,7 +16195,7 @@
             </a:bodyPr>
             <a:lstStyle/>
             <a:p>
-              <a:pPr/>
+              <a:endParaRPr/>
             </a:p>
           </p:txBody>
         </p:sp>
@@ -16098,7 +16247,7 @@
             </a:bodyPr>
             <a:lstStyle/>
             <a:p>
-              <a:pPr/>
+              <a:endParaRPr/>
             </a:p>
           </p:txBody>
         </p:sp>
@@ -16150,7 +16299,7 @@
             </a:bodyPr>
             <a:lstStyle/>
             <a:p>
-              <a:pPr/>
+              <a:endParaRPr/>
             </a:p>
           </p:txBody>
         </p:sp>
@@ -16202,7 +16351,7 @@
             </a:bodyPr>
             <a:lstStyle/>
             <a:p>
-              <a:pPr/>
+              <a:endParaRPr/>
             </a:p>
           </p:txBody>
         </p:sp>
@@ -16254,7 +16403,7 @@
             </a:bodyPr>
             <a:lstStyle/>
             <a:p>
-              <a:pPr/>
+              <a:endParaRPr/>
             </a:p>
           </p:txBody>
         </p:sp>
@@ -16287,7 +16436,7 @@
             </a:bodyPr>
             <a:lstStyle/>
             <a:p>
-              <a:pPr/>
+              <a:endParaRPr/>
             </a:p>
           </p:txBody>
         </p:sp>
@@ -16322,7 +16471,7 @@
               </a:cxnLst>
               <a:rect l="0" t="0" r="r" b="b"/>
               <a:pathLst>
-                <a:path w="21600" h="21572" fill="norm" stroke="1" extrusionOk="0">
+                <a:path w="21600" h="21572" extrusionOk="0">
                   <a:moveTo>
                     <a:pt x="184" y="10323"/>
                   </a:moveTo>
@@ -16455,7 +16604,7 @@
             </a:bodyPr>
             <a:lstStyle/>
             <a:p>
-              <a:pPr/>
+              <a:endParaRPr/>
             </a:p>
           </p:txBody>
         </p:sp>
@@ -16490,7 +16639,7 @@
               </a:cxnLst>
               <a:rect l="0" t="0" r="r" b="b"/>
               <a:pathLst>
-                <a:path w="21600" h="21600" fill="norm" stroke="1" extrusionOk="0">
+                <a:path w="21600" h="21600" extrusionOk="0">
                   <a:moveTo>
                     <a:pt x="0" y="0"/>
                   </a:moveTo>
@@ -16657,7 +16806,7 @@
             </a:bodyPr>
             <a:lstStyle/>
             <a:p>
-              <a:pPr/>
+              <a:endParaRPr/>
             </a:p>
           </p:txBody>
         </p:sp>
@@ -16692,7 +16841,7 @@
               </a:cxnLst>
               <a:rect l="0" t="0" r="r" b="b"/>
               <a:pathLst>
-                <a:path w="21600" h="21600" fill="norm" stroke="1" extrusionOk="0">
+                <a:path w="21600" h="21600" extrusionOk="0">
                   <a:moveTo>
                     <a:pt x="0" y="0"/>
                   </a:moveTo>
@@ -16743,7 +16892,7 @@
             </a:bodyPr>
             <a:lstStyle/>
             <a:p>
-              <a:pPr/>
+              <a:endParaRPr/>
             </a:p>
           </p:txBody>
         </p:sp>
@@ -16751,7 +16900,9 @@
       <p:sp>
         <p:nvSpPr>
           <p:cNvPr id="144" name="Shape 144"/>
-          <p:cNvSpPr/>
+          <p:cNvSpPr>
+            <a:spLocks noGrp="1"/>
+          </p:cNvSpPr>
           <p:nvPr>
             <p:ph type="title"/>
           </p:nvPr>
@@ -16767,7 +16918,7 @@
         </p:spPr>
         <p:txBody>
           <a:bodyPr anchor="b">
-            <a:normAutofit fontScale="100000" lnSpcReduction="0"/>
+            <a:normAutofit/>
           </a:bodyPr>
           <a:lstStyle>
             <a:lvl1pPr>
@@ -16775,7 +16926,6 @@
             </a:lvl1pPr>
           </a:lstStyle>
           <a:p>
-            <a:pPr/>
             <a:r>
               <a:t>Titeltext</a:t>
             </a:r>
@@ -16785,7 +16935,9 @@
       <p:sp>
         <p:nvSpPr>
           <p:cNvPr id="145" name="Shape 145"/>
-          <p:cNvSpPr/>
+          <p:cNvSpPr>
+            <a:spLocks noGrp="1"/>
+          </p:cNvSpPr>
           <p:nvPr>
             <p:ph type="body" sz="half" idx="1"/>
           </p:nvPr>
@@ -16803,7 +16955,6 @@
           <a:bodyPr anchor="ctr"/>
           <a:lstStyle/>
           <a:p>
-            <a:pPr/>
             <a:r>
               <a:t>Brödtext nivå ett</a:t>
             </a:r>
@@ -16837,7 +16988,9 @@
       <p:sp>
         <p:nvSpPr>
           <p:cNvPr id="146" name="Shape 146"/>
-          <p:cNvSpPr/>
+          <p:cNvSpPr>
+            <a:spLocks noGrp="1"/>
+          </p:cNvSpPr>
           <p:nvPr>
             <p:ph type="body" sz="quarter" idx="13"/>
           </p:nvPr>
@@ -16866,6 +17019,7 @@
                 </a:solidFill>
               </a:defRPr>
             </a:pPr>
+            <a:endParaRPr/>
           </a:p>
         </p:txBody>
       </p:sp>
@@ -16890,7 +17044,7 @@
             <a:miter lim="400000"/>
           </a:ln>
           <a:effectLst>
-            <a:outerShdw sx="100000" sy="100000" kx="0" ky="0" algn="b" rotWithShape="0" blurRad="38100" dist="25400" dir="5400000">
+            <a:outerShdw blurRad="38100" dist="25400" dir="5400000" rotWithShape="0">
               <a:srgbClr val="000000">
                 <a:alpha val="45000"/>
               </a:srgbClr>
@@ -16901,14 +17055,16 @@
           <a:bodyPr lIns="45719" rIns="45719"/>
           <a:lstStyle/>
           <a:p>
-            <a:pPr/>
+            <a:endParaRPr/>
           </a:p>
         </p:txBody>
       </p:sp>
       <p:sp>
         <p:nvSpPr>
           <p:cNvPr id="148" name="Shape 148"/>
-          <p:cNvSpPr/>
+          <p:cNvSpPr>
+            <a:spLocks noGrp="1"/>
+          </p:cNvSpPr>
           <p:nvPr>
             <p:ph type="sldNum" sz="quarter" idx="2"/>
           </p:nvPr>
@@ -16922,8 +17078,10 @@
           <a:bodyPr/>
           <a:lstStyle/>
           <a:p>
-            <a:pPr/>
-            <a:fld id="{86CB4B4D-7CA3-9044-876B-883B54F8677D}" type="slidenum"/>
+            <a:fld id="{86CB4B4D-7CA3-9044-876B-883B54F8677D}" type="slidenum">
+              <a:t>‹#›</a:t>
+            </a:fld>
+            <a:endParaRPr/>
           </a:p>
         </p:txBody>
       </p:sp>
@@ -16932,12 +17090,12 @@
   <p:clrMapOvr>
     <a:masterClrMapping/>
   </p:clrMapOvr>
-  <p:transition xmlns:p14="http://schemas.microsoft.com/office/powerpoint/2010/main" spd="med" advClick="1"/>
+  <p:transition spd="med"/>
 </p:sldLayout>
 </file>
 
 <file path=ppt/slideLayouts/slideLayout9.xml><?xml version="1.0" encoding="utf-8"?>
-<p:sldLayout xmlns:a="http://schemas.openxmlformats.org/drawingml/2006/main" xmlns:r="http://schemas.openxmlformats.org/officeDocument/2006/relationships" xmlns:p="http://schemas.openxmlformats.org/presentationml/2006/main" type="tx" showMasterSp="0" showMasterPhAnim="1">
+<p:sldLayout xmlns:a="http://schemas.openxmlformats.org/drawingml/2006/main" xmlns:r="http://schemas.openxmlformats.org/officeDocument/2006/relationships" xmlns:p="http://schemas.openxmlformats.org/presentationml/2006/main" showMasterSp="0" type="tx">
   <p:cSld name="Bild med bildtext">
     <p:spTree>
       <p:nvGrpSpPr>
@@ -16983,7 +17141,7 @@
             </a:prstGeom>
             <a:blipFill rotWithShape="1">
               <a:blip r:embed="rId2"/>
-              <a:srcRect l="0" t="0" r="0" b="0"/>
+              <a:srcRect/>
               <a:stretch>
                 <a:fillRect/>
               </a:stretch>
@@ -17000,7 +17158,7 @@
             </a:bodyPr>
             <a:lstStyle/>
             <a:p>
-              <a:pPr/>
+              <a:endParaRPr/>
             </a:p>
           </p:txBody>
         </p:sp>
@@ -17052,7 +17210,7 @@
             </a:bodyPr>
             <a:lstStyle/>
             <a:p>
-              <a:pPr/>
+              <a:endParaRPr/>
             </a:p>
           </p:txBody>
         </p:sp>
@@ -17104,7 +17262,7 @@
             </a:bodyPr>
             <a:lstStyle/>
             <a:p>
-              <a:pPr/>
+              <a:endParaRPr/>
             </a:p>
           </p:txBody>
         </p:sp>
@@ -17156,7 +17314,7 @@
             </a:bodyPr>
             <a:lstStyle/>
             <a:p>
-              <a:pPr/>
+              <a:endParaRPr/>
             </a:p>
           </p:txBody>
         </p:sp>
@@ -17208,7 +17366,7 @@
             </a:bodyPr>
             <a:lstStyle/>
             <a:p>
-              <a:pPr/>
+              <a:endParaRPr/>
             </a:p>
           </p:txBody>
         </p:sp>
@@ -17260,7 +17418,7 @@
             </a:bodyPr>
             <a:lstStyle/>
             <a:p>
-              <a:pPr/>
+              <a:endParaRPr/>
             </a:p>
           </p:txBody>
         </p:sp>
@@ -17293,7 +17451,7 @@
             </a:bodyPr>
             <a:lstStyle/>
             <a:p>
-              <a:pPr/>
+              <a:endParaRPr/>
             </a:p>
           </p:txBody>
         </p:sp>
@@ -17328,7 +17486,7 @@
               </a:cxnLst>
               <a:rect l="0" t="0" r="r" b="b"/>
               <a:pathLst>
-                <a:path w="21600" h="21572" fill="norm" stroke="1" extrusionOk="0">
+                <a:path w="21600" h="21572" extrusionOk="0">
                   <a:moveTo>
                     <a:pt x="184" y="10323"/>
                   </a:moveTo>
@@ -17461,7 +17619,7 @@
             </a:bodyPr>
             <a:lstStyle/>
             <a:p>
-              <a:pPr/>
+              <a:endParaRPr/>
             </a:p>
           </p:txBody>
         </p:sp>
@@ -17496,7 +17654,7 @@
               </a:cxnLst>
               <a:rect l="0" t="0" r="r" b="b"/>
               <a:pathLst>
-                <a:path w="21600" h="21600" fill="norm" stroke="1" extrusionOk="0">
+                <a:path w="21600" h="21600" extrusionOk="0">
                   <a:moveTo>
                     <a:pt x="0" y="0"/>
                   </a:moveTo>
@@ -17663,7 +17821,7 @@
             </a:bodyPr>
             <a:lstStyle/>
             <a:p>
-              <a:pPr/>
+              <a:endParaRPr/>
             </a:p>
           </p:txBody>
         </p:sp>
@@ -17698,7 +17856,7 @@
               </a:cxnLst>
               <a:rect l="0" t="0" r="r" b="b"/>
               <a:pathLst>
-                <a:path w="21600" h="21600" fill="norm" stroke="1" extrusionOk="0">
+                <a:path w="21600" h="21600" extrusionOk="0">
                   <a:moveTo>
                     <a:pt x="0" y="0"/>
                   </a:moveTo>
@@ -17749,7 +17907,7 @@
             </a:bodyPr>
             <a:lstStyle/>
             <a:p>
-              <a:pPr/>
+              <a:endParaRPr/>
             </a:p>
           </p:txBody>
         </p:sp>
@@ -17757,7 +17915,9 @@
       <p:sp>
         <p:nvSpPr>
           <p:cNvPr id="166" name="Shape 166"/>
-          <p:cNvSpPr/>
+          <p:cNvSpPr>
+            <a:spLocks noGrp="1"/>
+          </p:cNvSpPr>
           <p:nvPr>
             <p:ph type="title"/>
           </p:nvPr>
@@ -17773,11 +17933,10 @@
         </p:spPr>
         <p:txBody>
           <a:bodyPr anchor="b">
-            <a:normAutofit fontScale="100000" lnSpcReduction="0"/>
+            <a:normAutofit/>
           </a:bodyPr>
           <a:lstStyle/>
           <a:p>
-            <a:pPr/>
             <a:r>
               <a:t>Titeltext</a:t>
             </a:r>
@@ -17787,7 +17946,9 @@
       <p:sp>
         <p:nvSpPr>
           <p:cNvPr id="167" name="Shape 167"/>
-          <p:cNvSpPr/>
+          <p:cNvSpPr>
+            <a:spLocks noGrp="1"/>
+          </p:cNvSpPr>
           <p:nvPr>
             <p:ph type="pic" sz="quarter" idx="13"/>
           </p:nvPr>
@@ -17801,7 +17962,7 @@
             <a:avLst/>
           </a:prstGeom>
           <a:effectLst>
-            <a:outerShdw sx="100000" sy="100000" kx="0" ky="0" algn="b" rotWithShape="0" blurRad="50800" dist="50800" dir="5400000">
+            <a:outerShdw blurRad="50800" dist="50800" dir="5400000" rotWithShape="0">
               <a:srgbClr val="000000">
                 <a:alpha val="43000"/>
               </a:srgbClr>
@@ -17814,14 +17975,16 @@
           </a:bodyPr>
           <a:lstStyle/>
           <a:p>
-            <a:pPr/>
+            <a:endParaRPr/>
           </a:p>
         </p:txBody>
       </p:sp>
       <p:sp>
         <p:nvSpPr>
           <p:cNvPr id="168" name="Shape 168"/>
-          <p:cNvSpPr/>
+          <p:cNvSpPr>
+            <a:spLocks noGrp="1"/>
+          </p:cNvSpPr>
           <p:nvPr>
             <p:ph type="body" sz="quarter" idx="1"/>
           </p:nvPr>
@@ -17895,7 +18058,6 @@
             </a:lvl5pPr>
           </a:lstStyle>
           <a:p>
-            <a:pPr/>
             <a:r>
               <a:t>Brödtext nivå ett</a:t>
             </a:r>
@@ -17947,7 +18109,7 @@
             <a:miter lim="400000"/>
           </a:ln>
           <a:effectLst>
-            <a:outerShdw sx="100000" sy="100000" kx="0" ky="0" algn="b" rotWithShape="0" blurRad="38100" dist="25400" dir="5400000">
+            <a:outerShdw blurRad="38100" dist="25400" dir="5400000" rotWithShape="0">
               <a:srgbClr val="000000">
                 <a:alpha val="45000"/>
               </a:srgbClr>
@@ -17958,14 +18120,16 @@
           <a:bodyPr lIns="45719" rIns="45719"/>
           <a:lstStyle/>
           <a:p>
-            <a:pPr/>
+            <a:endParaRPr/>
           </a:p>
         </p:txBody>
       </p:sp>
       <p:sp>
         <p:nvSpPr>
           <p:cNvPr id="170" name="Shape 170"/>
-          <p:cNvSpPr/>
+          <p:cNvSpPr>
+            <a:spLocks noGrp="1"/>
+          </p:cNvSpPr>
           <p:nvPr>
             <p:ph type="sldNum" sz="quarter" idx="2"/>
           </p:nvPr>
@@ -17979,8 +18143,10 @@
           <a:bodyPr/>
           <a:lstStyle/>
           <a:p>
-            <a:pPr/>
-            <a:fld id="{86CB4B4D-7CA3-9044-876B-883B54F8677D}" type="slidenum"/>
+            <a:fld id="{86CB4B4D-7CA3-9044-876B-883B54F8677D}" type="slidenum">
+              <a:t>‹#›</a:t>
+            </a:fld>
+            <a:endParaRPr/>
           </a:p>
         </p:txBody>
       </p:sp>
@@ -17989,7 +18155,7 @@
   <p:clrMapOvr>
     <a:masterClrMapping/>
   </p:clrMapOvr>
-  <p:transition xmlns:p14="http://schemas.microsoft.com/office/powerpoint/2010/main" spd="med" advClick="1"/>
+  <p:transition spd="med"/>
 </p:sldLayout>
 </file>
 
@@ -18001,6 +18167,7 @@
         <a:solidFill>
           <a:srgbClr val="FFFFFF"/>
         </a:solidFill>
+        <a:effectLst/>
       </p:bgPr>
     </p:bg>
     <p:spTree>
@@ -18038,7 +18205,7 @@
             <a:miter lim="400000"/>
           </a:ln>
           <a:effectLst>
-            <a:outerShdw sx="100000" sy="100000" kx="0" ky="0" algn="b" rotWithShape="0" blurRad="38100" dist="25400" dir="5400000">
+            <a:outerShdw blurRad="38100" dist="25400" dir="5400000" rotWithShape="0">
               <a:srgbClr val="000000">
                 <a:alpha val="45000"/>
               </a:srgbClr>
@@ -18049,14 +18216,16 @@
           <a:bodyPr lIns="45719" rIns="45719"/>
           <a:lstStyle/>
           <a:p>
-            <a:pPr/>
+            <a:endParaRPr/>
           </a:p>
         </p:txBody>
       </p:sp>
       <p:sp>
         <p:nvSpPr>
           <p:cNvPr id="3" name="Shape 3"/>
-          <p:cNvSpPr/>
+          <p:cNvSpPr>
+            <a:spLocks noGrp="1"/>
+          </p:cNvSpPr>
           <p:nvPr>
             <p:ph type="title"/>
           </p:nvPr>
@@ -18074,7 +18243,7 @@
           </a:ln>
           <a:extLst>
             <a:ext uri="{C572A759-6A51-4108-AA02-DFA0A04FC94B}">
-              <ma14:wrappingTextBoxFlag xmlns:ma14="http://schemas.microsoft.com/office/mac/drawingml/2011/main" val="1"/>
+              <ma14:wrappingTextBoxFlag xmlns="" xmlns:ma14="http://schemas.microsoft.com/office/mac/drawingml/2011/main" val="1"/>
             </a:ext>
           </a:extLst>
         </p:spPr>
@@ -18082,7 +18251,6 @@
           <a:bodyPr lIns="45719" rIns="45719" anchor="ctr"/>
           <a:lstStyle/>
           <a:p>
-            <a:pPr/>
             <a:r>
               <a:t>Titeltext</a:t>
             </a:r>
@@ -18092,7 +18260,9 @@
       <p:sp>
         <p:nvSpPr>
           <p:cNvPr id="4" name="Shape 4"/>
-          <p:cNvSpPr/>
+          <p:cNvSpPr>
+            <a:spLocks noGrp="1"/>
+          </p:cNvSpPr>
           <p:nvPr>
             <p:ph type="body" idx="1"/>
           </p:nvPr>
@@ -18110,17 +18280,16 @@
           </a:ln>
           <a:extLst>
             <a:ext uri="{C572A759-6A51-4108-AA02-DFA0A04FC94B}">
-              <ma14:wrappingTextBoxFlag xmlns:ma14="http://schemas.microsoft.com/office/mac/drawingml/2011/main" val="1"/>
+              <ma14:wrappingTextBoxFlag xmlns="" xmlns:ma14="http://schemas.microsoft.com/office/mac/drawingml/2011/main" val="1"/>
             </a:ext>
           </a:extLst>
         </p:spPr>
         <p:txBody>
           <a:bodyPr lIns="45719" rIns="45719">
-            <a:normAutofit fontScale="100000" lnSpcReduction="0"/>
+            <a:normAutofit/>
           </a:bodyPr>
           <a:lstStyle/>
           <a:p>
-            <a:pPr/>
             <a:r>
               <a:t>Brödtext nivå ett</a:t>
             </a:r>
@@ -18154,7 +18323,9 @@
       <p:sp>
         <p:nvSpPr>
           <p:cNvPr id="5" name="Shape 5"/>
-          <p:cNvSpPr/>
+          <p:cNvSpPr>
+            <a:spLocks noGrp="1"/>
+          </p:cNvSpPr>
           <p:nvPr>
             <p:ph type="sldNum" sz="quarter" idx="2"/>
           </p:nvPr>
@@ -18185,8 +18356,10 @@
             </a:lvl1pPr>
           </a:lstStyle>
           <a:p>
-            <a:pPr/>
-            <a:fld id="{86CB4B4D-7CA3-9044-876B-883B54F8677D}" type="slidenum"/>
+            <a:fld id="{86CB4B4D-7CA3-9044-876B-883B54F8677D}" type="slidenum">
+              <a:t>‹#›</a:t>
+            </a:fld>
+            <a:endParaRPr/>
           </a:p>
         </p:txBody>
       </p:sp>
@@ -18194,26 +18367,26 @@
   </p:cSld>
   <p:clrMap bg1="lt1" tx1="dk1" bg2="lt2" tx2="dk2" accent1="accent1" accent2="accent2" accent3="accent3" accent4="accent4" accent5="accent5" accent6="accent6" hlink="hlink" folHlink="folHlink"/>
   <p:sldLayoutIdLst>
-    <p:sldLayoutId id="2147483649" r:id="rId2"/>
-    <p:sldLayoutId id="2147483650" r:id="rId3"/>
-    <p:sldLayoutId id="2147483651" r:id="rId4"/>
-    <p:sldLayoutId id="2147483652" r:id="rId5"/>
-    <p:sldLayoutId id="2147483653" r:id="rId6"/>
-    <p:sldLayoutId id="2147483654" r:id="rId7"/>
-    <p:sldLayoutId id="2147483655" r:id="rId8"/>
-    <p:sldLayoutId id="2147483656" r:id="rId9"/>
-    <p:sldLayoutId id="2147483657" r:id="rId10"/>
-    <p:sldLayoutId id="2147483658" r:id="rId11"/>
-    <p:sldLayoutId id="2147483659" r:id="rId12"/>
-    <p:sldLayoutId id="2147483660" r:id="rId13"/>
-    <p:sldLayoutId id="2147483661" r:id="rId14"/>
-    <p:sldLayoutId id="2147483662" r:id="rId15"/>
-    <p:sldLayoutId id="2147483663" r:id="rId16"/>
-    <p:sldLayoutId id="2147483664" r:id="rId17"/>
-    <p:sldLayoutId id="2147483665" r:id="rId18"/>
-    <p:sldLayoutId id="2147483666" r:id="rId19"/>
+    <p:sldLayoutId id="2147483649" r:id="rId1"/>
+    <p:sldLayoutId id="2147483650" r:id="rId2"/>
+    <p:sldLayoutId id="2147483651" r:id="rId3"/>
+    <p:sldLayoutId id="2147483652" r:id="rId4"/>
+    <p:sldLayoutId id="2147483653" r:id="rId5"/>
+    <p:sldLayoutId id="2147483654" r:id="rId6"/>
+    <p:sldLayoutId id="2147483655" r:id="rId7"/>
+    <p:sldLayoutId id="2147483656" r:id="rId8"/>
+    <p:sldLayoutId id="2147483657" r:id="rId9"/>
+    <p:sldLayoutId id="2147483658" r:id="rId10"/>
+    <p:sldLayoutId id="2147483659" r:id="rId11"/>
+    <p:sldLayoutId id="2147483660" r:id="rId12"/>
+    <p:sldLayoutId id="2147483661" r:id="rId13"/>
+    <p:sldLayoutId id="2147483662" r:id="rId14"/>
+    <p:sldLayoutId id="2147483663" r:id="rId15"/>
+    <p:sldLayoutId id="2147483664" r:id="rId16"/>
+    <p:sldLayoutId id="2147483665" r:id="rId17"/>
+    <p:sldLayoutId id="2147483666" r:id="rId18"/>
   </p:sldLayoutIdLst>
-  <p:transition xmlns:p14="http://schemas.microsoft.com/office/powerpoint/2010/main" spd="med" advClick="1"/>
+  <p:transition spd="med"/>
   <p:txStyles>
     <p:titleStyle>
       <a:lvl1pPr marL="0" marR="0" indent="0" algn="l" defTabSz="457200" rtl="0" latinLnBrk="0">
@@ -18231,7 +18404,7 @@
         <a:buFontTx/>
         <a:buNone/>
         <a:tabLst/>
-        <a:defRPr b="0" baseline="0" cap="none" i="0" spc="0" strike="noStrike" sz="3600" u="none">
+        <a:defRPr sz="3600" b="0" i="0" u="none" strike="noStrike" cap="none" spc="0" baseline="0">
           <a:ln>
             <a:noFill/>
           </a:ln>
@@ -18260,7 +18433,7 @@
         <a:buFontTx/>
         <a:buNone/>
         <a:tabLst/>
-        <a:defRPr b="0" baseline="0" cap="none" i="0" spc="0" strike="noStrike" sz="3600" u="none">
+        <a:defRPr sz="3600" b="0" i="0" u="none" strike="noStrike" cap="none" spc="0" baseline="0">
           <a:ln>
             <a:noFill/>
           </a:ln>
@@ -18289,7 +18462,7 @@
         <a:buFontTx/>
         <a:buNone/>
         <a:tabLst/>
-        <a:defRPr b="0" baseline="0" cap="none" i="0" spc="0" strike="noStrike" sz="3600" u="none">
+        <a:defRPr sz="3600" b="0" i="0" u="none" strike="noStrike" cap="none" spc="0" baseline="0">
           <a:ln>
             <a:noFill/>
           </a:ln>
@@ -18318,7 +18491,7 @@
         <a:buFontTx/>
         <a:buNone/>
         <a:tabLst/>
-        <a:defRPr b="0" baseline="0" cap="none" i="0" spc="0" strike="noStrike" sz="3600" u="none">
+        <a:defRPr sz="3600" b="0" i="0" u="none" strike="noStrike" cap="none" spc="0" baseline="0">
           <a:ln>
             <a:noFill/>
           </a:ln>
@@ -18347,7 +18520,7 @@
         <a:buFontTx/>
         <a:buNone/>
         <a:tabLst/>
-        <a:defRPr b="0" baseline="0" cap="none" i="0" spc="0" strike="noStrike" sz="3600" u="none">
+        <a:defRPr sz="3600" b="0" i="0" u="none" strike="noStrike" cap="none" spc="0" baseline="0">
           <a:ln>
             <a:noFill/>
           </a:ln>
@@ -18376,7 +18549,7 @@
         <a:buFontTx/>
         <a:buNone/>
         <a:tabLst/>
-        <a:defRPr b="0" baseline="0" cap="none" i="0" spc="0" strike="noStrike" sz="3600" u="none">
+        <a:defRPr sz="3600" b="0" i="0" u="none" strike="noStrike" cap="none" spc="0" baseline="0">
           <a:ln>
             <a:noFill/>
           </a:ln>
@@ -18405,7 +18578,7 @@
         <a:buFontTx/>
         <a:buNone/>
         <a:tabLst/>
-        <a:defRPr b="0" baseline="0" cap="none" i="0" spc="0" strike="noStrike" sz="3600" u="none">
+        <a:defRPr sz="3600" b="0" i="0" u="none" strike="noStrike" cap="none" spc="0" baseline="0">
           <a:ln>
             <a:noFill/>
           </a:ln>
@@ -18434,7 +18607,7 @@
         <a:buFontTx/>
         <a:buNone/>
         <a:tabLst/>
-        <a:defRPr b="0" baseline="0" cap="none" i="0" spc="0" strike="noStrike" sz="3600" u="none">
+        <a:defRPr sz="3600" b="0" i="0" u="none" strike="noStrike" cap="none" spc="0" baseline="0">
           <a:ln>
             <a:noFill/>
           </a:ln>
@@ -18463,7 +18636,7 @@
         <a:buFontTx/>
         <a:buNone/>
         <a:tabLst/>
-        <a:defRPr b="0" baseline="0" cap="none" i="0" spc="0" strike="noStrike" sz="3600" u="none">
+        <a:defRPr sz="3600" b="0" i="0" u="none" strike="noStrike" cap="none" spc="0" baseline="0">
           <a:ln>
             <a:noFill/>
           </a:ln>
@@ -18496,7 +18669,7 @@
         <a:buFont typeface="Wingdings 3"/>
         <a:buChar char=""/>
         <a:tabLst/>
-        <a:defRPr b="0" baseline="0" cap="none" i="0" spc="0" strike="noStrike" sz="1800" u="none">
+        <a:defRPr sz="1800" b="0" i="0" u="none" strike="noStrike" cap="none" spc="0" baseline="0">
           <a:ln>
             <a:noFill/>
           </a:ln>
@@ -18527,7 +18700,7 @@
         <a:buFont typeface="Wingdings 3"/>
         <a:buChar char=""/>
         <a:tabLst/>
-        <a:defRPr b="0" baseline="0" cap="none" i="0" spc="0" strike="noStrike" sz="1800" u="none">
+        <a:defRPr sz="1800" b="0" i="0" u="none" strike="noStrike" cap="none" spc="0" baseline="0">
           <a:ln>
             <a:noFill/>
           </a:ln>
@@ -18558,7 +18731,7 @@
         <a:buFont typeface="Wingdings 3"/>
         <a:buChar char=""/>
         <a:tabLst/>
-        <a:defRPr b="0" baseline="0" cap="none" i="0" spc="0" strike="noStrike" sz="1800" u="none">
+        <a:defRPr sz="1800" b="0" i="0" u="none" strike="noStrike" cap="none" spc="0" baseline="0">
           <a:ln>
             <a:noFill/>
           </a:ln>
@@ -18589,7 +18762,7 @@
         <a:buFont typeface="Wingdings 3"/>
         <a:buChar char=""/>
         <a:tabLst/>
-        <a:defRPr b="0" baseline="0" cap="none" i="0" spc="0" strike="noStrike" sz="1800" u="none">
+        <a:defRPr sz="1800" b="0" i="0" u="none" strike="noStrike" cap="none" spc="0" baseline="0">
           <a:ln>
             <a:noFill/>
           </a:ln>
@@ -18620,7 +18793,7 @@
         <a:buFont typeface="Wingdings 3"/>
         <a:buChar char=""/>
         <a:tabLst/>
-        <a:defRPr b="0" baseline="0" cap="none" i="0" spc="0" strike="noStrike" sz="1800" u="none">
+        <a:defRPr sz="1800" b="0" i="0" u="none" strike="noStrike" cap="none" spc="0" baseline="0">
           <a:ln>
             <a:noFill/>
           </a:ln>
@@ -18651,7 +18824,7 @@
         <a:buFont typeface="Wingdings 3"/>
         <a:buChar char=""/>
         <a:tabLst/>
-        <a:defRPr b="0" baseline="0" cap="none" i="0" spc="0" strike="noStrike" sz="1800" u="none">
+        <a:defRPr sz="1800" b="0" i="0" u="none" strike="noStrike" cap="none" spc="0" baseline="0">
           <a:ln>
             <a:noFill/>
           </a:ln>
@@ -18682,7 +18855,7 @@
         <a:buFont typeface="Wingdings 3"/>
         <a:buChar char=""/>
         <a:tabLst/>
-        <a:defRPr b="0" baseline="0" cap="none" i="0" spc="0" strike="noStrike" sz="1800" u="none">
+        <a:defRPr sz="1800" b="0" i="0" u="none" strike="noStrike" cap="none" spc="0" baseline="0">
           <a:ln>
             <a:noFill/>
           </a:ln>
@@ -18713,7 +18886,7 @@
         <a:buFont typeface="Wingdings 3"/>
         <a:buChar char=""/>
         <a:tabLst/>
-        <a:defRPr b="0" baseline="0" cap="none" i="0" spc="0" strike="noStrike" sz="1800" u="none">
+        <a:defRPr sz="1800" b="0" i="0" u="none" strike="noStrike" cap="none" spc="0" baseline="0">
           <a:ln>
             <a:noFill/>
           </a:ln>
@@ -18744,7 +18917,7 @@
         <a:buFont typeface="Wingdings 3"/>
         <a:buChar char=""/>
         <a:tabLst/>
-        <a:defRPr b="0" baseline="0" cap="none" i="0" spc="0" strike="noStrike" sz="1800" u="none">
+        <a:defRPr sz="1800" b="0" i="0" u="none" strike="noStrike" cap="none" spc="0" baseline="0">
           <a:ln>
             <a:noFill/>
           </a:ln>
@@ -18775,7 +18948,7 @@
         <a:buFontTx/>
         <a:buNone/>
         <a:tabLst/>
-        <a:defRPr b="0" baseline="0" cap="none" i="0" spc="0" strike="noStrike" sz="2800" u="none">
+        <a:defRPr sz="2800" b="0" i="0" u="none" strike="noStrike" cap="none" spc="0" baseline="0">
           <a:ln>
             <a:noFill/>
           </a:ln>
@@ -18804,7 +18977,7 @@
         <a:buFontTx/>
         <a:buNone/>
         <a:tabLst/>
-        <a:defRPr b="0" baseline="0" cap="none" i="0" spc="0" strike="noStrike" sz="2800" u="none">
+        <a:defRPr sz="2800" b="0" i="0" u="none" strike="noStrike" cap="none" spc="0" baseline="0">
           <a:ln>
             <a:noFill/>
           </a:ln>
@@ -18833,7 +19006,7 @@
         <a:buFontTx/>
         <a:buNone/>
         <a:tabLst/>
-        <a:defRPr b="0" baseline="0" cap="none" i="0" spc="0" strike="noStrike" sz="2800" u="none">
+        <a:defRPr sz="2800" b="0" i="0" u="none" strike="noStrike" cap="none" spc="0" baseline="0">
           <a:ln>
             <a:noFill/>
           </a:ln>
@@ -18862,7 +19035,7 @@
         <a:buFontTx/>
         <a:buNone/>
         <a:tabLst/>
-        <a:defRPr b="0" baseline="0" cap="none" i="0" spc="0" strike="noStrike" sz="2800" u="none">
+        <a:defRPr sz="2800" b="0" i="0" u="none" strike="noStrike" cap="none" spc="0" baseline="0">
           <a:ln>
             <a:noFill/>
           </a:ln>
@@ -18891,7 +19064,7 @@
         <a:buFontTx/>
         <a:buNone/>
         <a:tabLst/>
-        <a:defRPr b="0" baseline="0" cap="none" i="0" spc="0" strike="noStrike" sz="2800" u="none">
+        <a:defRPr sz="2800" b="0" i="0" u="none" strike="noStrike" cap="none" spc="0" baseline="0">
           <a:ln>
             <a:noFill/>
           </a:ln>
@@ -18920,7 +19093,7 @@
         <a:buFontTx/>
         <a:buNone/>
         <a:tabLst/>
-        <a:defRPr b="0" baseline="0" cap="none" i="0" spc="0" strike="noStrike" sz="2800" u="none">
+        <a:defRPr sz="2800" b="0" i="0" u="none" strike="noStrike" cap="none" spc="0" baseline="0">
           <a:ln>
             <a:noFill/>
           </a:ln>
@@ -18949,7 +19122,7 @@
         <a:buFontTx/>
         <a:buNone/>
         <a:tabLst/>
-        <a:defRPr b="0" baseline="0" cap="none" i="0" spc="0" strike="noStrike" sz="2800" u="none">
+        <a:defRPr sz="2800" b="0" i="0" u="none" strike="noStrike" cap="none" spc="0" baseline="0">
           <a:ln>
             <a:noFill/>
           </a:ln>
@@ -18978,7 +19151,7 @@
         <a:buFontTx/>
         <a:buNone/>
         <a:tabLst/>
-        <a:defRPr b="0" baseline="0" cap="none" i="0" spc="0" strike="noStrike" sz="2800" u="none">
+        <a:defRPr sz="2800" b="0" i="0" u="none" strike="noStrike" cap="none" spc="0" baseline="0">
           <a:ln>
             <a:noFill/>
           </a:ln>
@@ -19007,7 +19180,7 @@
         <a:buFontTx/>
         <a:buNone/>
         <a:tabLst/>
-        <a:defRPr b="0" baseline="0" cap="none" i="0" spc="0" strike="noStrike" sz="2800" u="none">
+        <a:defRPr sz="2800" b="0" i="0" u="none" strike="noStrike" cap="none" spc="0" baseline="0">
           <a:ln>
             <a:noFill/>
           </a:ln>
@@ -19027,7 +19200,7 @@
 </file>
 
 <file path=ppt/slides/slide1.xml><?xml version="1.0" encoding="utf-8"?>
-<p:sld xmlns:a="http://schemas.openxmlformats.org/drawingml/2006/main" xmlns:r="http://schemas.openxmlformats.org/officeDocument/2006/relationships" xmlns:p="http://schemas.openxmlformats.org/presentationml/2006/main" showMasterSp="1" showMasterPhAnim="1">
+<p:sld xmlns:a="http://schemas.openxmlformats.org/drawingml/2006/main" xmlns:r="http://schemas.openxmlformats.org/officeDocument/2006/relationships" xmlns:p="http://schemas.openxmlformats.org/presentationml/2006/main">
   <p:cSld>
     <p:spTree>
       <p:nvGrpSpPr>
@@ -19046,7 +19219,9 @@
       <p:sp>
         <p:nvSpPr>
           <p:cNvPr id="392" name="Shape 392"/>
-          <p:cNvSpPr/>
+          <p:cNvSpPr>
+            <a:spLocks noGrp="1"/>
+          </p:cNvSpPr>
           <p:nvPr>
             <p:ph type="ctrTitle"/>
           </p:nvPr>
@@ -19064,7 +19239,6 @@
           <a:bodyPr/>
           <a:lstStyle/>
           <a:p>
-            <a:pPr/>
             <a:r>
               <a:t>Timeline Manager</a:t>
             </a:r>
@@ -19074,7 +19248,9 @@
       <p:sp>
         <p:nvSpPr>
           <p:cNvPr id="393" name="Shape 393"/>
-          <p:cNvSpPr/>
+          <p:cNvSpPr>
+            <a:spLocks noGrp="1"/>
+          </p:cNvSpPr>
           <p:nvPr>
             <p:ph type="subTitle" sz="quarter" idx="1"/>
           </p:nvPr>
@@ -19092,7 +19268,6 @@
           <a:bodyPr/>
           <a:lstStyle/>
           <a:p>
-            <a:pPr/>
             <a:r>
               <a:t>Group 7</a:t>
             </a:r>
@@ -19104,12 +19279,12 @@
   <p:clrMapOvr>
     <a:masterClrMapping/>
   </p:clrMapOvr>
-  <p:transition xmlns:p14="http://schemas.microsoft.com/office/powerpoint/2010/main" spd="med" advClick="1"/>
+  <p:transition spd="med"/>
 </p:sld>
 </file>
 
 <file path=ppt/slides/slide2.xml><?xml version="1.0" encoding="utf-8"?>
-<p:sld xmlns:a="http://schemas.openxmlformats.org/drawingml/2006/main" xmlns:r="http://schemas.openxmlformats.org/officeDocument/2006/relationships" xmlns:p="http://schemas.openxmlformats.org/presentationml/2006/main" showMasterSp="1" showMasterPhAnim="1">
+<p:sld xmlns:a="http://schemas.openxmlformats.org/drawingml/2006/main" xmlns:r="http://schemas.openxmlformats.org/officeDocument/2006/relationships" xmlns:p="http://schemas.openxmlformats.org/presentationml/2006/main">
   <p:cSld>
     <p:spTree>
       <p:nvGrpSpPr>
@@ -19128,7 +19303,9 @@
       <p:sp>
         <p:nvSpPr>
           <p:cNvPr id="395" name="Shape 395"/>
-          <p:cNvSpPr/>
+          <p:cNvSpPr>
+            <a:spLocks noGrp="1"/>
+          </p:cNvSpPr>
           <p:nvPr>
             <p:ph type="title"/>
           </p:nvPr>
@@ -19150,7 +19327,6 @@
             </a:lvl1pPr>
           </a:lstStyle>
           <a:p>
-            <a:pPr/>
             <a:r>
               <a:t>Product Description</a:t>
             </a:r>
@@ -19160,7 +19336,9 @@
       <p:sp>
         <p:nvSpPr>
           <p:cNvPr id="396" name="Shape 396"/>
-          <p:cNvSpPr/>
+          <p:cNvSpPr>
+            <a:spLocks noGrp="1"/>
+          </p:cNvSpPr>
           <p:nvPr>
             <p:ph type="body" sz="half" idx="1"/>
           </p:nvPr>
@@ -19257,12 +19435,12 @@
   <p:clrMapOvr>
     <a:masterClrMapping/>
   </p:clrMapOvr>
-  <p:transition xmlns:p14="http://schemas.microsoft.com/office/powerpoint/2010/main" spd="med" advClick="1" p14:dur="1000"/>
+  <p:transition spd="slow"/>
 </p:sld>
 </file>
 
 <file path=ppt/slides/slide3.xml><?xml version="1.0" encoding="utf-8"?>
-<p:sld xmlns:a="http://schemas.openxmlformats.org/drawingml/2006/main" xmlns:r="http://schemas.openxmlformats.org/officeDocument/2006/relationships" xmlns:p="http://schemas.openxmlformats.org/presentationml/2006/main" showMasterSp="1" showMasterPhAnim="1">
+<p:sld xmlns:a="http://schemas.openxmlformats.org/drawingml/2006/main" xmlns:r="http://schemas.openxmlformats.org/officeDocument/2006/relationships" xmlns:p="http://schemas.openxmlformats.org/presentationml/2006/main">
   <p:cSld>
     <p:spTree>
       <p:nvGrpSpPr>
@@ -19281,37 +19459,11 @@
       <p:sp>
         <p:nvSpPr>
           <p:cNvPr id="398" name="Shape 398"/>
-          <p:cNvSpPr/>
+          <p:cNvSpPr>
+            <a:spLocks noGrp="1"/>
+          </p:cNvSpPr>
           <p:nvPr>
             <p:ph type="title"/>
-          </p:nvPr>
-        </p:nvSpPr>
-        <p:spPr>
-          <a:xfrm>
-            <a:off x="1154953" y="973667"/>
-            <a:ext cx="8761415" cy="706966"/>
-          </a:xfrm>
-          <a:prstGeom prst="rect">
-            <a:avLst/>
-          </a:prstGeom>
-        </p:spPr>
-        <p:txBody>
-          <a:bodyPr/>
-          <a:lstStyle/>
-          <a:p>
-            <a:pPr/>
-            <a:r>
-              <a:t>Video</a:t>
-            </a:r>
-          </a:p>
-        </p:txBody>
-      </p:sp>
-      <p:sp>
-        <p:nvSpPr>
-          <p:cNvPr id="399" name="Shape 399"/>
-          <p:cNvSpPr/>
-          <p:nvPr>
-            <p:ph type="body" sz="half" idx="1"/>
           </p:nvPr>
         </p:nvSpPr>
         <p:spPr>
@@ -19323,7 +19475,34 @@
           <a:bodyPr/>
           <a:lstStyle/>
           <a:p>
-            <a:pPr/>
+            <a:r>
+              <a:t>Video</a:t>
+            </a:r>
+          </a:p>
+        </p:txBody>
+      </p:sp>
+      <p:sp>
+        <p:nvSpPr>
+          <p:cNvPr id="2" name="Text Placeholder 1"/>
+          <p:cNvSpPr>
+            <a:spLocks noGrp="1"/>
+          </p:cNvSpPr>
+          <p:nvPr>
+            <p:ph type="body" sz="half" idx="1"/>
+          </p:nvPr>
+        </p:nvSpPr>
+        <p:spPr/>
+        <p:txBody>
+          <a:bodyPr/>
+          <a:lstStyle/>
+          <a:p>
+            <a:r>
+              <a:rPr lang="en-US">
+                <a:hlinkClick r:id="rId2"/>
+              </a:rPr>
+              <a:t>https://drive.google.com/file/d/0B6RlA86R_ipUTHlYOVprUlVrNVk/view?usp=sharing</a:t>
+            </a:r>
+            <a:endParaRPr lang="en-US"/>
           </a:p>
         </p:txBody>
       </p:sp>
@@ -19332,12 +19511,12 @@
   <p:clrMapOvr>
     <a:masterClrMapping/>
   </p:clrMapOvr>
-  <p:transition xmlns:p14="http://schemas.microsoft.com/office/powerpoint/2010/main" spd="med" advClick="1" p14:dur="1000"/>
+  <p:transition spd="slow"/>
 </p:sld>
 </file>
 
 <file path=ppt/slides/slide4.xml><?xml version="1.0" encoding="utf-8"?>
-<p:sld xmlns:a="http://schemas.openxmlformats.org/drawingml/2006/main" xmlns:r="http://schemas.openxmlformats.org/officeDocument/2006/relationships" xmlns:p="http://schemas.openxmlformats.org/presentationml/2006/main" showMasterSp="1" showMasterPhAnim="1">
+<p:sld xmlns:a="http://schemas.openxmlformats.org/drawingml/2006/main" xmlns:r="http://schemas.openxmlformats.org/officeDocument/2006/relationships" xmlns:p="http://schemas.openxmlformats.org/presentationml/2006/main">
   <p:cSld>
     <p:spTree>
       <p:nvGrpSpPr>
@@ -19356,7 +19535,9 @@
       <p:sp>
         <p:nvSpPr>
           <p:cNvPr id="401" name="Shape 401"/>
-          <p:cNvSpPr/>
+          <p:cNvSpPr>
+            <a:spLocks noGrp="1"/>
+          </p:cNvSpPr>
           <p:nvPr>
             <p:ph type="title"/>
           </p:nvPr>
@@ -19378,7 +19559,6 @@
             </a:lvl1pPr>
           </a:lstStyle>
           <a:p>
-            <a:pPr/>
             <a:r>
               <a:t>Project Work Structure</a:t>
             </a:r>
@@ -19388,7 +19568,9 @@
       <p:sp>
         <p:nvSpPr>
           <p:cNvPr id="402" name="Shape 402"/>
-          <p:cNvSpPr/>
+          <p:cNvSpPr>
+            <a:spLocks noGrp="1"/>
+          </p:cNvSpPr>
           <p:nvPr>
             <p:ph type="body" sz="half" idx="1"/>
           </p:nvPr>
@@ -19399,7 +19581,9 @@
           </a:prstGeom>
         </p:spPr>
         <p:txBody>
-          <a:bodyPr/>
+          <a:bodyPr>
+            <a:normAutofit lnSpcReduction="10000"/>
+          </a:bodyPr>
           <a:lstStyle/>
           <a:p>
             <a:pPr marL="0" indent="0" defTabSz="416052">
@@ -19483,10 +19667,7 @@
               <a:defRPr sz="2184"/>
             </a:pPr>
             <a:r>
-              <a:t>I</a:t>
-            </a:r>
-            <a:r>
-              <a:t>nternal deadlines and code review meetings</a:t>
+              <a:t>Internal deadlines and code review meetings</a:t>
             </a:r>
           </a:p>
         </p:txBody>
@@ -19496,12 +19677,12 @@
   <p:clrMapOvr>
     <a:masterClrMapping/>
   </p:clrMapOvr>
-  <p:transition xmlns:p14="http://schemas.microsoft.com/office/powerpoint/2010/main" spd="med" advClick="1" p14:dur="1000"/>
+  <p:transition spd="slow"/>
 </p:sld>
 </file>
 
 <file path=ppt/slides/slide5.xml><?xml version="1.0" encoding="utf-8"?>
-<p:sld xmlns:a="http://schemas.openxmlformats.org/drawingml/2006/main" xmlns:r="http://schemas.openxmlformats.org/officeDocument/2006/relationships" xmlns:p="http://schemas.openxmlformats.org/presentationml/2006/main" showMasterSp="1" showMasterPhAnim="1">
+<p:sld xmlns:a="http://schemas.openxmlformats.org/drawingml/2006/main" xmlns:r="http://schemas.openxmlformats.org/officeDocument/2006/relationships" xmlns:p="http://schemas.openxmlformats.org/presentationml/2006/main">
   <p:cSld>
     <p:spTree>
       <p:nvGrpSpPr>
@@ -19520,7 +19701,9 @@
       <p:sp>
         <p:nvSpPr>
           <p:cNvPr id="404" name="Shape 404"/>
-          <p:cNvSpPr/>
+          <p:cNvSpPr>
+            <a:spLocks noGrp="1"/>
+          </p:cNvSpPr>
           <p:nvPr>
             <p:ph type="title"/>
           </p:nvPr>
@@ -19542,7 +19725,6 @@
             </a:lvl1pPr>
           </a:lstStyle>
           <a:p>
-            <a:pPr/>
             <a:r>
               <a:t>Project Work Structure</a:t>
             </a:r>
@@ -19552,7 +19734,9 @@
       <p:sp>
         <p:nvSpPr>
           <p:cNvPr id="405" name="Shape 405"/>
-          <p:cNvSpPr/>
+          <p:cNvSpPr>
+            <a:spLocks noGrp="1"/>
+          </p:cNvSpPr>
           <p:nvPr>
             <p:ph type="body" sz="half" idx="1"/>
           </p:nvPr>
@@ -19582,10 +19766,7 @@
               <a:defRPr sz="2400"/>
             </a:pPr>
             <a:r>
-              <a:t>No </a:t>
-            </a:r>
-            <a:r>
-              <a:t>High-level design, code didn’t work together, remake implementations</a:t>
+              <a:t>No High-level design, code didn’t work together, remake implementations</a:t>
             </a:r>
           </a:p>
           <a:p>
@@ -19627,12 +19808,12 @@
   <p:clrMapOvr>
     <a:masterClrMapping/>
   </p:clrMapOvr>
-  <p:transition xmlns:p14="http://schemas.microsoft.com/office/powerpoint/2010/main" spd="med" advClick="1" p14:dur="1000"/>
+  <p:transition spd="slow"/>
 </p:sld>
 </file>
 
 <file path=ppt/slides/slide6.xml><?xml version="1.0" encoding="utf-8"?>
-<p:sld xmlns:a="http://schemas.openxmlformats.org/drawingml/2006/main" xmlns:r="http://schemas.openxmlformats.org/officeDocument/2006/relationships" xmlns:p="http://schemas.openxmlformats.org/presentationml/2006/main" showMasterSp="1" showMasterPhAnim="1">
+<p:sld xmlns:a="http://schemas.openxmlformats.org/drawingml/2006/main" xmlns:r="http://schemas.openxmlformats.org/officeDocument/2006/relationships" xmlns:p="http://schemas.openxmlformats.org/presentationml/2006/main">
   <p:cSld>
     <p:spTree>
       <p:nvGrpSpPr>
@@ -19651,7 +19832,9 @@
       <p:sp>
         <p:nvSpPr>
           <p:cNvPr id="407" name="Shape 407"/>
-          <p:cNvSpPr/>
+          <p:cNvSpPr>
+            <a:spLocks noGrp="1"/>
+          </p:cNvSpPr>
           <p:nvPr>
             <p:ph type="title"/>
           </p:nvPr>
@@ -19673,7 +19856,6 @@
             </a:lvl1pPr>
           </a:lstStyle>
           <a:p>
-            <a:pPr/>
             <a:r>
               <a:t>Project Work Structure</a:t>
             </a:r>
@@ -19683,7 +19865,9 @@
       <p:sp>
         <p:nvSpPr>
           <p:cNvPr id="408" name="Shape 408"/>
-          <p:cNvSpPr/>
+          <p:cNvSpPr>
+            <a:spLocks noGrp="1"/>
+          </p:cNvSpPr>
           <p:nvPr>
             <p:ph type="body" sz="half" idx="1"/>
           </p:nvPr>
@@ -19755,12 +19939,12 @@
   <p:clrMapOvr>
     <a:masterClrMapping/>
   </p:clrMapOvr>
-  <p:transition xmlns:p14="http://schemas.microsoft.com/office/powerpoint/2010/main" spd="med" advClick="1" p14:dur="1000"/>
+  <p:transition spd="slow"/>
 </p:sld>
 </file>
 
 <file path=ppt/slides/slide7.xml><?xml version="1.0" encoding="utf-8"?>
-<p:sld xmlns:a="http://schemas.openxmlformats.org/drawingml/2006/main" xmlns:r="http://schemas.openxmlformats.org/officeDocument/2006/relationships" xmlns:p="http://schemas.openxmlformats.org/presentationml/2006/main" showMasterSp="1" showMasterPhAnim="1">
+<p:sld xmlns:a="http://schemas.openxmlformats.org/drawingml/2006/main" xmlns:r="http://schemas.openxmlformats.org/officeDocument/2006/relationships" xmlns:p="http://schemas.openxmlformats.org/presentationml/2006/main">
   <p:cSld>
     <p:spTree>
       <p:nvGrpSpPr>
@@ -19779,7 +19963,9 @@
       <p:sp>
         <p:nvSpPr>
           <p:cNvPr id="410" name="Shape 410"/>
-          <p:cNvSpPr/>
+          <p:cNvSpPr>
+            <a:spLocks noGrp="1"/>
+          </p:cNvSpPr>
           <p:nvPr>
             <p:ph type="title"/>
           </p:nvPr>
@@ -19797,7 +19983,6 @@
           <a:bodyPr/>
           <a:lstStyle/>
           <a:p>
-            <a:pPr/>
             <a:r>
               <a:t>Thank You</a:t>
             </a:r>
@@ -19807,7 +19992,9 @@
       <p:sp>
         <p:nvSpPr>
           <p:cNvPr id="411" name="Shape 411"/>
-          <p:cNvSpPr/>
+          <p:cNvSpPr>
+            <a:spLocks noGrp="1"/>
+          </p:cNvSpPr>
           <p:nvPr>
             <p:ph type="body" sz="quarter" idx="1"/>
           </p:nvPr>
@@ -19901,12 +20088,12 @@
   <p:clrMapOvr>
     <a:masterClrMapping/>
   </p:clrMapOvr>
-  <p:transition xmlns:p14="http://schemas.microsoft.com/office/powerpoint/2010/main" spd="med" advClick="1" p14:dur="1000"/>
+  <p:transition spd="slow"/>
 </p:sld>
 </file>
 
 <file path=ppt/theme/theme1.xml><?xml version="1.0" encoding="utf-8"?>
-<a:theme xmlns:a="http://schemas.openxmlformats.org/drawingml/2006/main" xmlns:r="http://schemas.openxmlformats.org/officeDocument/2006/relationships" name="TF10001029">
+<a:theme xmlns:a="http://schemas.openxmlformats.org/drawingml/2006/main" name="TF10001029">
   <a:themeElements>
     <a:clrScheme name="TF10001029">
       <a:dk1>
@@ -20032,7 +20219,7 @@
       <a:effectStyleLst>
         <a:effectStyle>
           <a:effectLst>
-            <a:outerShdw sx="100000" sy="100000" kx="0" ky="0" algn="b" rotWithShape="0" blurRad="38100" dist="25400" dir="5400000">
+            <a:outerShdw blurRad="38100" dist="25400" dir="5400000" rotWithShape="0">
               <a:srgbClr val="000000">
                 <a:alpha val="45000"/>
               </a:srgbClr>
@@ -20041,7 +20228,7 @@
         </a:effectStyle>
         <a:effectStyle>
           <a:effectLst>
-            <a:outerShdw sx="100000" sy="100000" kx="0" ky="0" algn="b" rotWithShape="0" blurRad="38100" dist="25400" dir="5400000">
+            <a:outerShdw blurRad="38100" dist="25400" dir="5400000" rotWithShape="0">
               <a:srgbClr val="000000">
                 <a:alpha val="45000"/>
               </a:srgbClr>
@@ -20118,7 +20305,7 @@
           <a:round/>
         </a:ln>
         <a:effectLst>
-          <a:outerShdw sx="100000" sy="100000" kx="0" ky="0" algn="b" rotWithShape="0" blurRad="38100" dist="25400" dir="5400000">
+          <a:outerShdw blurRad="38100" dist="25400" dir="5400000" rotWithShape="0">
             <a:srgbClr val="000000">
               <a:alpha val="45000"/>
             </a:srgbClr>
@@ -20126,7 +20313,7 @@
         </a:effectLst>
         <a:sp3d/>
       </a:spPr>
-      <a:bodyPr rot="0" spcFirstLastPara="1" vertOverflow="overflow" horzOverflow="overflow" vert="horz" wrap="square" lIns="45719" tIns="45719" rIns="45719" bIns="45719" numCol="1" spcCol="38100" rtlCol="0" anchor="ctr" upright="0">
+      <a:bodyPr rot="0" spcFirstLastPara="1" vertOverflow="overflow" horzOverflow="overflow" vert="horz" wrap="square" lIns="45719" tIns="45719" rIns="45719" bIns="45719" numCol="1" spcCol="38100" rtlCol="0" anchor="ctr">
         <a:spAutoFit/>
       </a:bodyPr>
       <a:lstStyle>
@@ -20145,7 +20332,7 @@
           <a:buFontTx/>
           <a:buNone/>
           <a:tabLst/>
-          <a:defRPr b="0" baseline="0" cap="none" i="0" spc="0" strike="noStrike" sz="1800" u="none" kumimoji="0" normalizeH="0">
+          <a:defRPr kumimoji="0" sz="1800" b="0" i="0" u="none" strike="noStrike" cap="none" spc="0" normalizeH="0" baseline="0">
             <a:ln>
               <a:noFill/>
             </a:ln>
@@ -20175,7 +20362,7 @@
           <a:buFontTx/>
           <a:buNone/>
           <a:tabLst/>
-          <a:defRPr b="0" baseline="0" cap="none" i="0" spc="0" strike="noStrike" sz="1800" u="none" kumimoji="0" normalizeH="0">
+          <a:defRPr kumimoji="0" sz="1800" b="0" i="0" u="none" strike="noStrike" cap="none" spc="0" normalizeH="0" baseline="0">
             <a:ln>
               <a:noFill/>
             </a:ln>
@@ -20201,7 +20388,7 @@
           <a:buFontTx/>
           <a:buNone/>
           <a:tabLst/>
-          <a:defRPr b="0" baseline="0" cap="none" i="0" spc="0" strike="noStrike" sz="1800" u="none" kumimoji="0" normalizeH="0">
+          <a:defRPr kumimoji="0" sz="1800" b="0" i="0" u="none" strike="noStrike" cap="none" spc="0" normalizeH="0" baseline="0">
             <a:ln>
               <a:noFill/>
             </a:ln>
@@ -20227,7 +20414,7 @@
           <a:buFontTx/>
           <a:buNone/>
           <a:tabLst/>
-          <a:defRPr b="0" baseline="0" cap="none" i="0" spc="0" strike="noStrike" sz="1800" u="none" kumimoji="0" normalizeH="0">
+          <a:defRPr kumimoji="0" sz="1800" b="0" i="0" u="none" strike="noStrike" cap="none" spc="0" normalizeH="0" baseline="0">
             <a:ln>
               <a:noFill/>
             </a:ln>
@@ -20253,7 +20440,7 @@
           <a:buFontTx/>
           <a:buNone/>
           <a:tabLst/>
-          <a:defRPr b="0" baseline="0" cap="none" i="0" spc="0" strike="noStrike" sz="1800" u="none" kumimoji="0" normalizeH="0">
+          <a:defRPr kumimoji="0" sz="1800" b="0" i="0" u="none" strike="noStrike" cap="none" spc="0" normalizeH="0" baseline="0">
             <a:ln>
               <a:noFill/>
             </a:ln>
@@ -20279,7 +20466,7 @@
           <a:buFontTx/>
           <a:buNone/>
           <a:tabLst/>
-          <a:defRPr b="0" baseline="0" cap="none" i="0" spc="0" strike="noStrike" sz="1800" u="none" kumimoji="0" normalizeH="0">
+          <a:defRPr kumimoji="0" sz="1800" b="0" i="0" u="none" strike="noStrike" cap="none" spc="0" normalizeH="0" baseline="0">
             <a:ln>
               <a:noFill/>
             </a:ln>
@@ -20305,7 +20492,7 @@
           <a:buFontTx/>
           <a:buNone/>
           <a:tabLst/>
-          <a:defRPr b="0" baseline="0" cap="none" i="0" spc="0" strike="noStrike" sz="1800" u="none" kumimoji="0" normalizeH="0">
+          <a:defRPr kumimoji="0" sz="1800" b="0" i="0" u="none" strike="noStrike" cap="none" spc="0" normalizeH="0" baseline="0">
             <a:ln>
               <a:noFill/>
             </a:ln>
@@ -20331,7 +20518,7 @@
           <a:buFontTx/>
           <a:buNone/>
           <a:tabLst/>
-          <a:defRPr b="0" baseline="0" cap="none" i="0" spc="0" strike="noStrike" sz="1800" u="none" kumimoji="0" normalizeH="0">
+          <a:defRPr kumimoji="0" sz="1800" b="0" i="0" u="none" strike="noStrike" cap="none" spc="0" normalizeH="0" baseline="0">
             <a:ln>
               <a:noFill/>
             </a:ln>
@@ -20357,7 +20544,7 @@
           <a:buFontTx/>
           <a:buNone/>
           <a:tabLst/>
-          <a:defRPr b="0" baseline="0" cap="none" i="0" spc="0" strike="noStrike" sz="1800" u="none" kumimoji="0" normalizeH="0">
+          <a:defRPr kumimoji="0" sz="1800" b="0" i="0" u="none" strike="noStrike" cap="none" spc="0" normalizeH="0" baseline="0">
             <a:ln>
               <a:noFill/>
             </a:ln>
@@ -20383,7 +20570,7 @@
           <a:buFontTx/>
           <a:buNone/>
           <a:tabLst/>
-          <a:defRPr b="0" baseline="0" cap="none" i="0" spc="0" strike="noStrike" sz="1800" u="none" kumimoji="0" normalizeH="0">
+          <a:defRPr kumimoji="0" sz="1800" b="0" i="0" u="none" strike="noStrike" cap="none" spc="0" normalizeH="0" baseline="0">
             <a:ln>
               <a:noFill/>
             </a:ln>
@@ -20396,9 +20583,15 @@
         </a:lvl9pPr>
       </a:lstStyle>
       <a:style>
-        <a:lnRef idx="0"/>
-        <a:fillRef idx="0"/>
-        <a:effectRef idx="0"/>
+        <a:lnRef idx="0">
+          <a:scrgbClr r="0" g="0" b="0"/>
+        </a:lnRef>
+        <a:fillRef idx="0">
+          <a:scrgbClr r="0" g="0" b="0"/>
+        </a:fillRef>
+        <a:effectRef idx="0">
+          <a:scrgbClr r="0" g="0" b="0"/>
+        </a:effectRef>
         <a:fontRef idx="none"/>
       </a:style>
     </a:spDef>
@@ -20415,7 +20608,7 @@
         <a:effectLst/>
         <a:sp3d/>
       </a:spPr>
-      <a:bodyPr rot="0" spcFirstLastPara="1" vertOverflow="overflow" horzOverflow="overflow" vert="horz" wrap="square" lIns="91439" tIns="45719" rIns="91439" bIns="45719" numCol="1" spcCol="38100" rtlCol="0" anchor="t" upright="0">
+      <a:bodyPr rot="0" spcFirstLastPara="1" vertOverflow="overflow" horzOverflow="overflow" vert="horz" wrap="square" lIns="91439" tIns="45719" rIns="91439" bIns="45719" numCol="1" spcCol="38100" rtlCol="0" anchor="t">
         <a:noAutofit/>
       </a:bodyPr>
       <a:lstStyle>
@@ -20434,7 +20627,7 @@
           <a:buFontTx/>
           <a:buNone/>
           <a:tabLst/>
-          <a:defRPr b="0" baseline="0" cap="none" i="0" spc="0" strike="noStrike" sz="1800" u="none" kumimoji="0" normalizeH="0">
+          <a:defRPr kumimoji="0" sz="1800" b="0" i="0" u="none" strike="noStrike" cap="none" spc="0" normalizeH="0" baseline="0">
             <a:ln>
               <a:noFill/>
             </a:ln>
@@ -20460,7 +20653,7 @@
           <a:buFontTx/>
           <a:buNone/>
           <a:tabLst/>
-          <a:defRPr b="0" baseline="0" cap="none" i="0" spc="0" strike="noStrike" sz="1800" u="none" kumimoji="0" normalizeH="0">
+          <a:defRPr kumimoji="0" sz="1800" b="0" i="0" u="none" strike="noStrike" cap="none" spc="0" normalizeH="0" baseline="0">
             <a:ln>
               <a:noFill/>
             </a:ln>
@@ -20486,7 +20679,7 @@
           <a:buFontTx/>
           <a:buNone/>
           <a:tabLst/>
-          <a:defRPr b="0" baseline="0" cap="none" i="0" spc="0" strike="noStrike" sz="1800" u="none" kumimoji="0" normalizeH="0">
+          <a:defRPr kumimoji="0" sz="1800" b="0" i="0" u="none" strike="noStrike" cap="none" spc="0" normalizeH="0" baseline="0">
             <a:ln>
               <a:noFill/>
             </a:ln>
@@ -20512,7 +20705,7 @@
           <a:buFontTx/>
           <a:buNone/>
           <a:tabLst/>
-          <a:defRPr b="0" baseline="0" cap="none" i="0" spc="0" strike="noStrike" sz="1800" u="none" kumimoji="0" normalizeH="0">
+          <a:defRPr kumimoji="0" sz="1800" b="0" i="0" u="none" strike="noStrike" cap="none" spc="0" normalizeH="0" baseline="0">
             <a:ln>
               <a:noFill/>
             </a:ln>
@@ -20538,7 +20731,7 @@
           <a:buFontTx/>
           <a:buNone/>
           <a:tabLst/>
-          <a:defRPr b="0" baseline="0" cap="none" i="0" spc="0" strike="noStrike" sz="1800" u="none" kumimoji="0" normalizeH="0">
+          <a:defRPr kumimoji="0" sz="1800" b="0" i="0" u="none" strike="noStrike" cap="none" spc="0" normalizeH="0" baseline="0">
             <a:ln>
               <a:noFill/>
             </a:ln>
@@ -20564,7 +20757,7 @@
           <a:buFontTx/>
           <a:buNone/>
           <a:tabLst/>
-          <a:defRPr b="0" baseline="0" cap="none" i="0" spc="0" strike="noStrike" sz="1800" u="none" kumimoji="0" normalizeH="0">
+          <a:defRPr kumimoji="0" sz="1800" b="0" i="0" u="none" strike="noStrike" cap="none" spc="0" normalizeH="0" baseline="0">
             <a:ln>
               <a:noFill/>
             </a:ln>
@@ -20590,7 +20783,7 @@
           <a:buFontTx/>
           <a:buNone/>
           <a:tabLst/>
-          <a:defRPr b="0" baseline="0" cap="none" i="0" spc="0" strike="noStrike" sz="1800" u="none" kumimoji="0" normalizeH="0">
+          <a:defRPr kumimoji="0" sz="1800" b="0" i="0" u="none" strike="noStrike" cap="none" spc="0" normalizeH="0" baseline="0">
             <a:ln>
               <a:noFill/>
             </a:ln>
@@ -20616,7 +20809,7 @@
           <a:buFontTx/>
           <a:buNone/>
           <a:tabLst/>
-          <a:defRPr b="0" baseline="0" cap="none" i="0" spc="0" strike="noStrike" sz="1800" u="none" kumimoji="0" normalizeH="0">
+          <a:defRPr kumimoji="0" sz="1800" b="0" i="0" u="none" strike="noStrike" cap="none" spc="0" normalizeH="0" baseline="0">
             <a:ln>
               <a:noFill/>
             </a:ln>
@@ -20642,7 +20835,7 @@
           <a:buFontTx/>
           <a:buNone/>
           <a:tabLst/>
-          <a:defRPr b="0" baseline="0" cap="none" i="0" spc="0" strike="noStrike" sz="1800" u="none" kumimoji="0" normalizeH="0">
+          <a:defRPr kumimoji="0" sz="1800" b="0" i="0" u="none" strike="noStrike" cap="none" spc="0" normalizeH="0" baseline="0">
             <a:ln>
               <a:noFill/>
             </a:ln>
@@ -20668,7 +20861,7 @@
           <a:buFontTx/>
           <a:buNone/>
           <a:tabLst/>
-          <a:defRPr b="0" baseline="0" cap="none" i="0" spc="0" strike="noStrike" sz="1800" u="none" kumimoji="0" normalizeH="0">
+          <a:defRPr kumimoji="0" sz="1800" b="0" i="0" u="none" strike="noStrike" cap="none" spc="0" normalizeH="0" baseline="0">
             <a:ln>
               <a:noFill/>
             </a:ln>
@@ -20681,9 +20874,15 @@
         </a:lvl9pPr>
       </a:lstStyle>
       <a:style>
-        <a:lnRef idx="0"/>
-        <a:fillRef idx="0"/>
-        <a:effectRef idx="0"/>
+        <a:lnRef idx="0">
+          <a:scrgbClr r="0" g="0" b="0"/>
+        </a:lnRef>
+        <a:fillRef idx="0">
+          <a:scrgbClr r="0" g="0" b="0"/>
+        </a:fillRef>
+        <a:effectRef idx="0">
+          <a:scrgbClr r="0" g="0" b="0"/>
+        </a:effectRef>
         <a:fontRef idx="none"/>
       </a:style>
     </a:lnDef>
@@ -20697,7 +20896,7 @@
         <a:effectLst/>
         <a:sp3d/>
       </a:spPr>
-      <a:bodyPr rot="0" spcFirstLastPara="1" vertOverflow="overflow" horzOverflow="overflow" vert="horz" wrap="square" lIns="45719" tIns="45719" rIns="45719" bIns="45719" numCol="1" spcCol="38100" rtlCol="0" anchor="t" upright="0">
+      <a:bodyPr rot="0" spcFirstLastPara="1" vertOverflow="overflow" horzOverflow="overflow" vert="horz" wrap="square" lIns="45719" tIns="45719" rIns="45719" bIns="45719" numCol="1" spcCol="38100" rtlCol="0" anchor="t">
         <a:spAutoFit/>
       </a:bodyPr>
       <a:lstStyle>
@@ -20716,7 +20915,7 @@
           <a:buFontTx/>
           <a:buNone/>
           <a:tabLst/>
-          <a:defRPr b="0" baseline="0" cap="none" i="0" spc="0" strike="noStrike" sz="1800" u="none" kumimoji="0" normalizeH="0">
+          <a:defRPr kumimoji="0" sz="1800" b="0" i="0" u="none" strike="noStrike" cap="none" spc="0" normalizeH="0" baseline="0">
             <a:ln>
               <a:noFill/>
             </a:ln>
@@ -20746,7 +20945,7 @@
           <a:buFontTx/>
           <a:buNone/>
           <a:tabLst/>
-          <a:defRPr b="0" baseline="0" cap="none" i="0" spc="0" strike="noStrike" sz="1800" u="none" kumimoji="0" normalizeH="0">
+          <a:defRPr kumimoji="0" sz="1800" b="0" i="0" u="none" strike="noStrike" cap="none" spc="0" normalizeH="0" baseline="0">
             <a:ln>
               <a:noFill/>
             </a:ln>
@@ -20772,7 +20971,7 @@
           <a:buFontTx/>
           <a:buNone/>
           <a:tabLst/>
-          <a:defRPr b="0" baseline="0" cap="none" i="0" spc="0" strike="noStrike" sz="1800" u="none" kumimoji="0" normalizeH="0">
+          <a:defRPr kumimoji="0" sz="1800" b="0" i="0" u="none" strike="noStrike" cap="none" spc="0" normalizeH="0" baseline="0">
             <a:ln>
               <a:noFill/>
             </a:ln>
@@ -20798,7 +20997,7 @@
           <a:buFontTx/>
           <a:buNone/>
           <a:tabLst/>
-          <a:defRPr b="0" baseline="0" cap="none" i="0" spc="0" strike="noStrike" sz="1800" u="none" kumimoji="0" normalizeH="0">
+          <a:defRPr kumimoji="0" sz="1800" b="0" i="0" u="none" strike="noStrike" cap="none" spc="0" normalizeH="0" baseline="0">
             <a:ln>
               <a:noFill/>
             </a:ln>
@@ -20824,7 +21023,7 @@
           <a:buFontTx/>
           <a:buNone/>
           <a:tabLst/>
-          <a:defRPr b="0" baseline="0" cap="none" i="0" spc="0" strike="noStrike" sz="1800" u="none" kumimoji="0" normalizeH="0">
+          <a:defRPr kumimoji="0" sz="1800" b="0" i="0" u="none" strike="noStrike" cap="none" spc="0" normalizeH="0" baseline="0">
             <a:ln>
               <a:noFill/>
             </a:ln>
@@ -20850,7 +21049,7 @@
           <a:buFontTx/>
           <a:buNone/>
           <a:tabLst/>
-          <a:defRPr b="0" baseline="0" cap="none" i="0" spc="0" strike="noStrike" sz="1800" u="none" kumimoji="0" normalizeH="0">
+          <a:defRPr kumimoji="0" sz="1800" b="0" i="0" u="none" strike="noStrike" cap="none" spc="0" normalizeH="0" baseline="0">
             <a:ln>
               <a:noFill/>
             </a:ln>
@@ -20876,7 +21075,7 @@
           <a:buFontTx/>
           <a:buNone/>
           <a:tabLst/>
-          <a:defRPr b="0" baseline="0" cap="none" i="0" spc="0" strike="noStrike" sz="1800" u="none" kumimoji="0" normalizeH="0">
+          <a:defRPr kumimoji="0" sz="1800" b="0" i="0" u="none" strike="noStrike" cap="none" spc="0" normalizeH="0" baseline="0">
             <a:ln>
               <a:noFill/>
             </a:ln>
@@ -20902,7 +21101,7 @@
           <a:buFontTx/>
           <a:buNone/>
           <a:tabLst/>
-          <a:defRPr b="0" baseline="0" cap="none" i="0" spc="0" strike="noStrike" sz="1800" u="none" kumimoji="0" normalizeH="0">
+          <a:defRPr kumimoji="0" sz="1800" b="0" i="0" u="none" strike="noStrike" cap="none" spc="0" normalizeH="0" baseline="0">
             <a:ln>
               <a:noFill/>
             </a:ln>
@@ -20928,7 +21127,7 @@
           <a:buFontTx/>
           <a:buNone/>
           <a:tabLst/>
-          <a:defRPr b="0" baseline="0" cap="none" i="0" spc="0" strike="noStrike" sz="1800" u="none" kumimoji="0" normalizeH="0">
+          <a:defRPr kumimoji="0" sz="1800" b="0" i="0" u="none" strike="noStrike" cap="none" spc="0" normalizeH="0" baseline="0">
             <a:ln>
               <a:noFill/>
             </a:ln>
@@ -20954,7 +21153,7 @@
           <a:buFontTx/>
           <a:buNone/>
           <a:tabLst/>
-          <a:defRPr b="0" baseline="0" cap="none" i="0" spc="0" strike="noStrike" sz="1800" u="none" kumimoji="0" normalizeH="0">
+          <a:defRPr kumimoji="0" sz="1800" b="0" i="0" u="none" strike="noStrike" cap="none" spc="0" normalizeH="0" baseline="0">
             <a:ln>
               <a:noFill/>
             </a:ln>
@@ -20967,18 +21166,25 @@
         </a:lvl9pPr>
       </a:lstStyle>
       <a:style>
-        <a:lnRef idx="0"/>
-        <a:fillRef idx="0"/>
-        <a:effectRef idx="0"/>
+        <a:lnRef idx="0">
+          <a:scrgbClr r="0" g="0" b="0"/>
+        </a:lnRef>
+        <a:fillRef idx="0">
+          <a:scrgbClr r="0" g="0" b="0"/>
+        </a:fillRef>
+        <a:effectRef idx="0">
+          <a:scrgbClr r="0" g="0" b="0"/>
+        </a:effectRef>
         <a:fontRef idx="none"/>
       </a:style>
     </a:txDef>
   </a:objectDefaults>
+  <a:extraClrSchemeLst/>
 </a:theme>
 </file>
 
 <file path=ppt/theme/theme2.xml><?xml version="1.0" encoding="utf-8"?>
-<a:theme xmlns:a="http://schemas.openxmlformats.org/drawingml/2006/main" xmlns:r="http://schemas.openxmlformats.org/officeDocument/2006/relationships" name="TF10001029">
+<a:theme xmlns:a="http://schemas.openxmlformats.org/drawingml/2006/main" name="TF10001029">
   <a:themeElements>
     <a:clrScheme name="TF10001029">
       <a:dk1>
@@ -21104,7 +21310,7 @@
       <a:effectStyleLst>
         <a:effectStyle>
           <a:effectLst>
-            <a:outerShdw sx="100000" sy="100000" kx="0" ky="0" algn="b" rotWithShape="0" blurRad="38100" dist="25400" dir="5400000">
+            <a:outerShdw blurRad="38100" dist="25400" dir="5400000" rotWithShape="0">
               <a:srgbClr val="000000">
                 <a:alpha val="45000"/>
               </a:srgbClr>
@@ -21113,7 +21319,7 @@
         </a:effectStyle>
         <a:effectStyle>
           <a:effectLst>
-            <a:outerShdw sx="100000" sy="100000" kx="0" ky="0" algn="b" rotWithShape="0" blurRad="38100" dist="25400" dir="5400000">
+            <a:outerShdw blurRad="38100" dist="25400" dir="5400000" rotWithShape="0">
               <a:srgbClr val="000000">
                 <a:alpha val="45000"/>
               </a:srgbClr>
@@ -21190,7 +21396,7 @@
           <a:round/>
         </a:ln>
         <a:effectLst>
-          <a:outerShdw sx="100000" sy="100000" kx="0" ky="0" algn="b" rotWithShape="0" blurRad="38100" dist="25400" dir="5400000">
+          <a:outerShdw blurRad="38100" dist="25400" dir="5400000" rotWithShape="0">
             <a:srgbClr val="000000">
               <a:alpha val="45000"/>
             </a:srgbClr>
@@ -21198,7 +21404,7 @@
         </a:effectLst>
         <a:sp3d/>
       </a:spPr>
-      <a:bodyPr rot="0" spcFirstLastPara="1" vertOverflow="overflow" horzOverflow="overflow" vert="horz" wrap="square" lIns="45719" tIns="45719" rIns="45719" bIns="45719" numCol="1" spcCol="38100" rtlCol="0" anchor="ctr" upright="0">
+      <a:bodyPr rot="0" spcFirstLastPara="1" vertOverflow="overflow" horzOverflow="overflow" vert="horz" wrap="square" lIns="45719" tIns="45719" rIns="45719" bIns="45719" numCol="1" spcCol="38100" rtlCol="0" anchor="ctr">
         <a:spAutoFit/>
       </a:bodyPr>
       <a:lstStyle>
@@ -21217,7 +21423,7 @@
           <a:buFontTx/>
           <a:buNone/>
           <a:tabLst/>
-          <a:defRPr b="0" baseline="0" cap="none" i="0" spc="0" strike="noStrike" sz="1800" u="none" kumimoji="0" normalizeH="0">
+          <a:defRPr kumimoji="0" sz="1800" b="0" i="0" u="none" strike="noStrike" cap="none" spc="0" normalizeH="0" baseline="0">
             <a:ln>
               <a:noFill/>
             </a:ln>
@@ -21247,7 +21453,7 @@
           <a:buFontTx/>
           <a:buNone/>
           <a:tabLst/>
-          <a:defRPr b="0" baseline="0" cap="none" i="0" spc="0" strike="noStrike" sz="1800" u="none" kumimoji="0" normalizeH="0">
+          <a:defRPr kumimoji="0" sz="1800" b="0" i="0" u="none" strike="noStrike" cap="none" spc="0" normalizeH="0" baseline="0">
             <a:ln>
               <a:noFill/>
             </a:ln>
@@ -21273,7 +21479,7 @@
           <a:buFontTx/>
           <a:buNone/>
           <a:tabLst/>
-          <a:defRPr b="0" baseline="0" cap="none" i="0" spc="0" strike="noStrike" sz="1800" u="none" kumimoji="0" normalizeH="0">
+          <a:defRPr kumimoji="0" sz="1800" b="0" i="0" u="none" strike="noStrike" cap="none" spc="0" normalizeH="0" baseline="0">
             <a:ln>
               <a:noFill/>
             </a:ln>
@@ -21299,7 +21505,7 @@
           <a:buFontTx/>
           <a:buNone/>
           <a:tabLst/>
-          <a:defRPr b="0" baseline="0" cap="none" i="0" spc="0" strike="noStrike" sz="1800" u="none" kumimoji="0" normalizeH="0">
+          <a:defRPr kumimoji="0" sz="1800" b="0" i="0" u="none" strike="noStrike" cap="none" spc="0" normalizeH="0" baseline="0">
             <a:ln>
               <a:noFill/>
             </a:ln>
@@ -21325,7 +21531,7 @@
           <a:buFontTx/>
           <a:buNone/>
           <a:tabLst/>
-          <a:defRPr b="0" baseline="0" cap="none" i="0" spc="0" strike="noStrike" sz="1800" u="none" kumimoji="0" normalizeH="0">
+          <a:defRPr kumimoji="0" sz="1800" b="0" i="0" u="none" strike="noStrike" cap="none" spc="0" normalizeH="0" baseline="0">
             <a:ln>
               <a:noFill/>
             </a:ln>
@@ -21351,7 +21557,7 @@
           <a:buFontTx/>
           <a:buNone/>
           <a:tabLst/>
-          <a:defRPr b="0" baseline="0" cap="none" i="0" spc="0" strike="noStrike" sz="1800" u="none" kumimoji="0" normalizeH="0">
+          <a:defRPr kumimoji="0" sz="1800" b="0" i="0" u="none" strike="noStrike" cap="none" spc="0" normalizeH="0" baseline="0">
             <a:ln>
               <a:noFill/>
             </a:ln>
@@ -21377,7 +21583,7 @@
           <a:buFontTx/>
           <a:buNone/>
           <a:tabLst/>
-          <a:defRPr b="0" baseline="0" cap="none" i="0" spc="0" strike="noStrike" sz="1800" u="none" kumimoji="0" normalizeH="0">
+          <a:defRPr kumimoji="0" sz="1800" b="0" i="0" u="none" strike="noStrike" cap="none" spc="0" normalizeH="0" baseline="0">
             <a:ln>
               <a:noFill/>
             </a:ln>
@@ -21403,7 +21609,7 @@
           <a:buFontTx/>
           <a:buNone/>
           <a:tabLst/>
-          <a:defRPr b="0" baseline="0" cap="none" i="0" spc="0" strike="noStrike" sz="1800" u="none" kumimoji="0" normalizeH="0">
+          <a:defRPr kumimoji="0" sz="1800" b="0" i="0" u="none" strike="noStrike" cap="none" spc="0" normalizeH="0" baseline="0">
             <a:ln>
               <a:noFill/>
             </a:ln>
@@ -21429,7 +21635,7 @@
           <a:buFontTx/>
           <a:buNone/>
           <a:tabLst/>
-          <a:defRPr b="0" baseline="0" cap="none" i="0" spc="0" strike="noStrike" sz="1800" u="none" kumimoji="0" normalizeH="0">
+          <a:defRPr kumimoji="0" sz="1800" b="0" i="0" u="none" strike="noStrike" cap="none" spc="0" normalizeH="0" baseline="0">
             <a:ln>
               <a:noFill/>
             </a:ln>
@@ -21455,7 +21661,7 @@
           <a:buFontTx/>
           <a:buNone/>
           <a:tabLst/>
-          <a:defRPr b="0" baseline="0" cap="none" i="0" spc="0" strike="noStrike" sz="1800" u="none" kumimoji="0" normalizeH="0">
+          <a:defRPr kumimoji="0" sz="1800" b="0" i="0" u="none" strike="noStrike" cap="none" spc="0" normalizeH="0" baseline="0">
             <a:ln>
               <a:noFill/>
             </a:ln>
@@ -21468,9 +21674,15 @@
         </a:lvl9pPr>
       </a:lstStyle>
       <a:style>
-        <a:lnRef idx="0"/>
-        <a:fillRef idx="0"/>
-        <a:effectRef idx="0"/>
+        <a:lnRef idx="0">
+          <a:scrgbClr r="0" g="0" b="0"/>
+        </a:lnRef>
+        <a:fillRef idx="0">
+          <a:scrgbClr r="0" g="0" b="0"/>
+        </a:fillRef>
+        <a:effectRef idx="0">
+          <a:scrgbClr r="0" g="0" b="0"/>
+        </a:effectRef>
         <a:fontRef idx="none"/>
       </a:style>
     </a:spDef>
@@ -21487,7 +21699,7 @@
         <a:effectLst/>
         <a:sp3d/>
       </a:spPr>
-      <a:bodyPr rot="0" spcFirstLastPara="1" vertOverflow="overflow" horzOverflow="overflow" vert="horz" wrap="square" lIns="91439" tIns="45719" rIns="91439" bIns="45719" numCol="1" spcCol="38100" rtlCol="0" anchor="t" upright="0">
+      <a:bodyPr rot="0" spcFirstLastPara="1" vertOverflow="overflow" horzOverflow="overflow" vert="horz" wrap="square" lIns="91439" tIns="45719" rIns="91439" bIns="45719" numCol="1" spcCol="38100" rtlCol="0" anchor="t">
         <a:noAutofit/>
       </a:bodyPr>
       <a:lstStyle>
@@ -21506,7 +21718,7 @@
           <a:buFontTx/>
           <a:buNone/>
           <a:tabLst/>
-          <a:defRPr b="0" baseline="0" cap="none" i="0" spc="0" strike="noStrike" sz="1800" u="none" kumimoji="0" normalizeH="0">
+          <a:defRPr kumimoji="0" sz="1800" b="0" i="0" u="none" strike="noStrike" cap="none" spc="0" normalizeH="0" baseline="0">
             <a:ln>
               <a:noFill/>
             </a:ln>
@@ -21532,7 +21744,7 @@
           <a:buFontTx/>
           <a:buNone/>
           <a:tabLst/>
-          <a:defRPr b="0" baseline="0" cap="none" i="0" spc="0" strike="noStrike" sz="1800" u="none" kumimoji="0" normalizeH="0">
+          <a:defRPr kumimoji="0" sz="1800" b="0" i="0" u="none" strike="noStrike" cap="none" spc="0" normalizeH="0" baseline="0">
             <a:ln>
               <a:noFill/>
             </a:ln>
@@ -21558,7 +21770,7 @@
           <a:buFontTx/>
           <a:buNone/>
           <a:tabLst/>
-          <a:defRPr b="0" baseline="0" cap="none" i="0" spc="0" strike="noStrike" sz="1800" u="none" kumimoji="0" normalizeH="0">
+          <a:defRPr kumimoji="0" sz="1800" b="0" i="0" u="none" strike="noStrike" cap="none" spc="0" normalizeH="0" baseline="0">
             <a:ln>
               <a:noFill/>
             </a:ln>
@@ -21584,7 +21796,7 @@
           <a:buFontTx/>
           <a:buNone/>
           <a:tabLst/>
-          <a:defRPr b="0" baseline="0" cap="none" i="0" spc="0" strike="noStrike" sz="1800" u="none" kumimoji="0" normalizeH="0">
+          <a:defRPr kumimoji="0" sz="1800" b="0" i="0" u="none" strike="noStrike" cap="none" spc="0" normalizeH="0" baseline="0">
             <a:ln>
               <a:noFill/>
             </a:ln>
@@ -21610,7 +21822,7 @@
           <a:buFontTx/>
           <a:buNone/>
           <a:tabLst/>
-          <a:defRPr b="0" baseline="0" cap="none" i="0" spc="0" strike="noStrike" sz="1800" u="none" kumimoji="0" normalizeH="0">
+          <a:defRPr kumimoji="0" sz="1800" b="0" i="0" u="none" strike="noStrike" cap="none" spc="0" normalizeH="0" baseline="0">
             <a:ln>
               <a:noFill/>
             </a:ln>
@@ -21636,7 +21848,7 @@
           <a:buFontTx/>
           <a:buNone/>
           <a:tabLst/>
-          <a:defRPr b="0" baseline="0" cap="none" i="0" spc="0" strike="noStrike" sz="1800" u="none" kumimoji="0" normalizeH="0">
+          <a:defRPr kumimoji="0" sz="1800" b="0" i="0" u="none" strike="noStrike" cap="none" spc="0" normalizeH="0" baseline="0">
             <a:ln>
               <a:noFill/>
             </a:ln>
@@ -21662,7 +21874,7 @@
           <a:buFontTx/>
           <a:buNone/>
           <a:tabLst/>
-          <a:defRPr b="0" baseline="0" cap="none" i="0" spc="0" strike="noStrike" sz="1800" u="none" kumimoji="0" normalizeH="0">
+          <a:defRPr kumimoji="0" sz="1800" b="0" i="0" u="none" strike="noStrike" cap="none" spc="0" normalizeH="0" baseline="0">
             <a:ln>
               <a:noFill/>
             </a:ln>
@@ -21688,7 +21900,7 @@
           <a:buFontTx/>
           <a:buNone/>
           <a:tabLst/>
-          <a:defRPr b="0" baseline="0" cap="none" i="0" spc="0" strike="noStrike" sz="1800" u="none" kumimoji="0" normalizeH="0">
+          <a:defRPr kumimoji="0" sz="1800" b="0" i="0" u="none" strike="noStrike" cap="none" spc="0" normalizeH="0" baseline="0">
             <a:ln>
               <a:noFill/>
             </a:ln>
@@ -21714,7 +21926,7 @@
           <a:buFontTx/>
           <a:buNone/>
           <a:tabLst/>
-          <a:defRPr b="0" baseline="0" cap="none" i="0" spc="0" strike="noStrike" sz="1800" u="none" kumimoji="0" normalizeH="0">
+          <a:defRPr kumimoji="0" sz="1800" b="0" i="0" u="none" strike="noStrike" cap="none" spc="0" normalizeH="0" baseline="0">
             <a:ln>
               <a:noFill/>
             </a:ln>
@@ -21740,7 +21952,7 @@
           <a:buFontTx/>
           <a:buNone/>
           <a:tabLst/>
-          <a:defRPr b="0" baseline="0" cap="none" i="0" spc="0" strike="noStrike" sz="1800" u="none" kumimoji="0" normalizeH="0">
+          <a:defRPr kumimoji="0" sz="1800" b="0" i="0" u="none" strike="noStrike" cap="none" spc="0" normalizeH="0" baseline="0">
             <a:ln>
               <a:noFill/>
             </a:ln>
@@ -21753,9 +21965,15 @@
         </a:lvl9pPr>
       </a:lstStyle>
       <a:style>
-        <a:lnRef idx="0"/>
-        <a:fillRef idx="0"/>
-        <a:effectRef idx="0"/>
+        <a:lnRef idx="0">
+          <a:scrgbClr r="0" g="0" b="0"/>
+        </a:lnRef>
+        <a:fillRef idx="0">
+          <a:scrgbClr r="0" g="0" b="0"/>
+        </a:fillRef>
+        <a:effectRef idx="0">
+          <a:scrgbClr r="0" g="0" b="0"/>
+        </a:effectRef>
         <a:fontRef idx="none"/>
       </a:style>
     </a:lnDef>
@@ -21769,7 +21987,7 @@
         <a:effectLst/>
         <a:sp3d/>
       </a:spPr>
-      <a:bodyPr rot="0" spcFirstLastPara="1" vertOverflow="overflow" horzOverflow="overflow" vert="horz" wrap="square" lIns="45719" tIns="45719" rIns="45719" bIns="45719" numCol="1" spcCol="38100" rtlCol="0" anchor="t" upright="0">
+      <a:bodyPr rot="0" spcFirstLastPara="1" vertOverflow="overflow" horzOverflow="overflow" vert="horz" wrap="square" lIns="45719" tIns="45719" rIns="45719" bIns="45719" numCol="1" spcCol="38100" rtlCol="0" anchor="t">
         <a:spAutoFit/>
       </a:bodyPr>
       <a:lstStyle>
@@ -21788,7 +22006,7 @@
           <a:buFontTx/>
           <a:buNone/>
           <a:tabLst/>
-          <a:defRPr b="0" baseline="0" cap="none" i="0" spc="0" strike="noStrike" sz="1800" u="none" kumimoji="0" normalizeH="0">
+          <a:defRPr kumimoji="0" sz="1800" b="0" i="0" u="none" strike="noStrike" cap="none" spc="0" normalizeH="0" baseline="0">
             <a:ln>
               <a:noFill/>
             </a:ln>
@@ -21818,7 +22036,7 @@
           <a:buFontTx/>
           <a:buNone/>
           <a:tabLst/>
-          <a:defRPr b="0" baseline="0" cap="none" i="0" spc="0" strike="noStrike" sz="1800" u="none" kumimoji="0" normalizeH="0">
+          <a:defRPr kumimoji="0" sz="1800" b="0" i="0" u="none" strike="noStrike" cap="none" spc="0" normalizeH="0" baseline="0">
             <a:ln>
               <a:noFill/>
             </a:ln>
@@ -21844,7 +22062,7 @@
           <a:buFontTx/>
           <a:buNone/>
           <a:tabLst/>
-          <a:defRPr b="0" baseline="0" cap="none" i="0" spc="0" strike="noStrike" sz="1800" u="none" kumimoji="0" normalizeH="0">
+          <a:defRPr kumimoji="0" sz="1800" b="0" i="0" u="none" strike="noStrike" cap="none" spc="0" normalizeH="0" baseline="0">
             <a:ln>
               <a:noFill/>
             </a:ln>
@@ -21870,7 +22088,7 @@
           <a:buFontTx/>
           <a:buNone/>
           <a:tabLst/>
-          <a:defRPr b="0" baseline="0" cap="none" i="0" spc="0" strike="noStrike" sz="1800" u="none" kumimoji="0" normalizeH="0">
+          <a:defRPr kumimoji="0" sz="1800" b="0" i="0" u="none" strike="noStrike" cap="none" spc="0" normalizeH="0" baseline="0">
             <a:ln>
               <a:noFill/>
             </a:ln>
@@ -21896,7 +22114,7 @@
           <a:buFontTx/>
           <a:buNone/>
           <a:tabLst/>
-          <a:defRPr b="0" baseline="0" cap="none" i="0" spc="0" strike="noStrike" sz="1800" u="none" kumimoji="0" normalizeH="0">
+          <a:defRPr kumimoji="0" sz="1800" b="0" i="0" u="none" strike="noStrike" cap="none" spc="0" normalizeH="0" baseline="0">
             <a:ln>
               <a:noFill/>
             </a:ln>
@@ -21922,7 +22140,7 @@
           <a:buFontTx/>
           <a:buNone/>
           <a:tabLst/>
-          <a:defRPr b="0" baseline="0" cap="none" i="0" spc="0" strike="noStrike" sz="1800" u="none" kumimoji="0" normalizeH="0">
+          <a:defRPr kumimoji="0" sz="1800" b="0" i="0" u="none" strike="noStrike" cap="none" spc="0" normalizeH="0" baseline="0">
             <a:ln>
               <a:noFill/>
             </a:ln>
@@ -21948,7 +22166,7 @@
           <a:buFontTx/>
           <a:buNone/>
           <a:tabLst/>
-          <a:defRPr b="0" baseline="0" cap="none" i="0" spc="0" strike="noStrike" sz="1800" u="none" kumimoji="0" normalizeH="0">
+          <a:defRPr kumimoji="0" sz="1800" b="0" i="0" u="none" strike="noStrike" cap="none" spc="0" normalizeH="0" baseline="0">
             <a:ln>
               <a:noFill/>
             </a:ln>
@@ -21974,7 +22192,7 @@
           <a:buFontTx/>
           <a:buNone/>
           <a:tabLst/>
-          <a:defRPr b="0" baseline="0" cap="none" i="0" spc="0" strike="noStrike" sz="1800" u="none" kumimoji="0" normalizeH="0">
+          <a:defRPr kumimoji="0" sz="1800" b="0" i="0" u="none" strike="noStrike" cap="none" spc="0" normalizeH="0" baseline="0">
             <a:ln>
               <a:noFill/>
             </a:ln>
@@ -22000,7 +22218,7 @@
           <a:buFontTx/>
           <a:buNone/>
           <a:tabLst/>
-          <a:defRPr b="0" baseline="0" cap="none" i="0" spc="0" strike="noStrike" sz="1800" u="none" kumimoji="0" normalizeH="0">
+          <a:defRPr kumimoji="0" sz="1800" b="0" i="0" u="none" strike="noStrike" cap="none" spc="0" normalizeH="0" baseline="0">
             <a:ln>
               <a:noFill/>
             </a:ln>
@@ -22026,7 +22244,7 @@
           <a:buFontTx/>
           <a:buNone/>
           <a:tabLst/>
-          <a:defRPr b="0" baseline="0" cap="none" i="0" spc="0" strike="noStrike" sz="1800" u="none" kumimoji="0" normalizeH="0">
+          <a:defRPr kumimoji="0" sz="1800" b="0" i="0" u="none" strike="noStrike" cap="none" spc="0" normalizeH="0" baseline="0">
             <a:ln>
               <a:noFill/>
             </a:ln>
@@ -22039,12 +22257,19 @@
         </a:lvl9pPr>
       </a:lstStyle>
       <a:style>
-        <a:lnRef idx="0"/>
-        <a:fillRef idx="0"/>
-        <a:effectRef idx="0"/>
+        <a:lnRef idx="0">
+          <a:scrgbClr r="0" g="0" b="0"/>
+        </a:lnRef>
+        <a:fillRef idx="0">
+          <a:scrgbClr r="0" g="0" b="0"/>
+        </a:fillRef>
+        <a:effectRef idx="0">
+          <a:scrgbClr r="0" g="0" b="0"/>
+        </a:effectRef>
         <a:fontRef idx="none"/>
       </a:style>
     </a:txDef>
   </a:objectDefaults>
+  <a:extraClrSchemeLst/>
 </a:theme>
 </file>